--- a/Location for new Retail Business London Borough Analysis.pptx
+++ b/Location for new Retail Business London Borough Analysis.pptx
@@ -8,6 +8,13 @@
     <p:sldId id="256" r:id="rId2"/>
     <p:sldId id="258" r:id="rId3"/>
     <p:sldId id="259" r:id="rId4"/>
+    <p:sldId id="270" r:id="rId5"/>
+    <p:sldId id="271" r:id="rId6"/>
+    <p:sldId id="272" r:id="rId7"/>
+    <p:sldId id="274" r:id="rId8"/>
+    <p:sldId id="273" r:id="rId9"/>
+    <p:sldId id="275" r:id="rId10"/>
+    <p:sldId id="276" r:id="rId11"/>
   </p:sldIdLst>
   <p:sldSz cx="12192000" cy="6858000"/>
   <p:notesSz cx="6858000" cy="9144000"/>
@@ -114,10 +121,22 @@
 </p:presentation>
 </file>
 
+<file path=ppt/commentAuthors.xml><?xml version="1.0" encoding="utf-8"?>
+<p:cmAuthorLst xmlns:a="http://schemas.openxmlformats.org/drawingml/2006/main" xmlns:r="http://schemas.openxmlformats.org/officeDocument/2006/relationships" xmlns:p="http://schemas.openxmlformats.org/presentationml/2006/main">
+  <p:cmAuthor id="1" name="Magdalena Cieslak" initials="MC" lastIdx="1" clrIdx="0">
+    <p:extLst>
+      <p:ext uri="{19B8F6BF-5375-455C-9EA6-DF929625EA0E}">
+        <p15:presenceInfo xmlns:p15="http://schemas.microsoft.com/office/powerpoint/2012/main" userId="942c8a57c2faf2b4" providerId="Windows Live"/>
+      </p:ext>
+    </p:extLst>
+  </p:cmAuthor>
+</p:cmAuthorLst>
+</file>
+
 <file path=ppt/revisionInfo.xml><?xml version="1.0" encoding="utf-8"?>
 <p1510:revInfo xmlns:a="http://schemas.openxmlformats.org/drawingml/2006/main" xmlns:r="http://schemas.openxmlformats.org/officeDocument/2006/relationships" xmlns:p1510="http://schemas.microsoft.com/office/powerpoint/2015/10/main">
   <p1510:revLst>
-    <p1510:client id="{D9CE6366-D963-415B-8100-7D2C852AC910}" v="61" dt="2020-07-26T13:59:34.014"/>
+    <p1510:client id="{D9CE6366-D963-415B-8100-7D2C852AC910}" v="100" dt="2020-07-26T21:37:39.049"/>
   </p1510:revLst>
 </p1510:revInfo>
 </file>
@@ -126,8 +145,8 @@
 <pc:chgInfo xmlns:a="http://schemas.openxmlformats.org/drawingml/2006/main" xmlns:r="http://schemas.openxmlformats.org/officeDocument/2006/relationships" xmlns:ac="http://schemas.microsoft.com/office/drawing/2013/main/command" xmlns:pc="http://schemas.microsoft.com/office/powerpoint/2013/main/command">
   <pc:docChgLst>
     <pc:chgData name="Magdalena Cieslak" userId="942c8a57c2faf2b4" providerId="LiveId" clId="{D9CE6366-D963-415B-8100-7D2C852AC910}"/>
-    <pc:docChg chg="undo redo custSel mod addSld delSld modSld modMainMaster">
-      <pc:chgData name="Magdalena Cieslak" userId="942c8a57c2faf2b4" providerId="LiveId" clId="{D9CE6366-D963-415B-8100-7D2C852AC910}" dt="2020-07-26T16:07:52.317" v="2463" actId="680"/>
+    <pc:docChg chg="undo redo custSel mod addSld delSld modSld sldOrd modMainMaster">
+      <pc:chgData name="Magdalena Cieslak" userId="942c8a57c2faf2b4" providerId="LiveId" clId="{D9CE6366-D963-415B-8100-7D2C852AC910}" dt="2020-07-26T21:49:51.607" v="5570" actId="1076"/>
       <pc:docMkLst>
         <pc:docMk/>
       </pc:docMkLst>
@@ -1944,12 +1963,2218 @@
           </ac:cxnSpMkLst>
         </pc:cxnChg>
       </pc:sldChg>
-      <pc:sldChg chg="new">
-        <pc:chgData name="Magdalena Cieslak" userId="942c8a57c2faf2b4" providerId="LiveId" clId="{D9CE6366-D963-415B-8100-7D2C852AC910}" dt="2020-07-26T16:07:52.317" v="2463" actId="680"/>
+      <pc:sldChg chg="addSp delSp modSp new mod setBg setClrOvrMap">
+        <pc:chgData name="Magdalena Cieslak" userId="942c8a57c2faf2b4" providerId="LiveId" clId="{D9CE6366-D963-415B-8100-7D2C852AC910}" dt="2020-07-26T21:44:20.780" v="5569" actId="2"/>
         <pc:sldMkLst>
           <pc:docMk/>
           <pc:sldMk cId="923883141" sldId="259"/>
         </pc:sldMkLst>
+        <pc:spChg chg="del">
+          <ac:chgData name="Magdalena Cieslak" userId="942c8a57c2faf2b4" providerId="LiveId" clId="{D9CE6366-D963-415B-8100-7D2C852AC910}" dt="2020-07-26T18:14:04.125" v="2464" actId="931"/>
+          <ac:spMkLst>
+            <pc:docMk/>
+            <pc:sldMk cId="923883141" sldId="259"/>
+            <ac:spMk id="2" creationId="{98097073-8BBA-491B-B5CD-EEF8C079AD41}"/>
+          </ac:spMkLst>
+        </pc:spChg>
+        <pc:spChg chg="add del mod">
+          <ac:chgData name="Magdalena Cieslak" userId="942c8a57c2faf2b4" providerId="LiveId" clId="{D9CE6366-D963-415B-8100-7D2C852AC910}" dt="2020-07-26T18:14:28.040" v="2472" actId="26606"/>
+          <ac:spMkLst>
+            <pc:docMk/>
+            <pc:sldMk cId="923883141" sldId="259"/>
+            <ac:spMk id="3" creationId="{2D4275CE-87DF-4A7F-87DB-B69BFEA07F9D}"/>
+          </ac:spMkLst>
+        </pc:spChg>
+        <pc:spChg chg="add del mod">
+          <ac:chgData name="Magdalena Cieslak" userId="942c8a57c2faf2b4" providerId="LiveId" clId="{D9CE6366-D963-415B-8100-7D2C852AC910}" dt="2020-07-26T18:14:28.040" v="2472" actId="26606"/>
+          <ac:spMkLst>
+            <pc:docMk/>
+            <pc:sldMk cId="923883141" sldId="259"/>
+            <ac:spMk id="4" creationId="{BC7D3FCC-78A2-4AB7-923C-F6D415F480C0}"/>
+          </ac:spMkLst>
+        </pc:spChg>
+        <pc:spChg chg="add del">
+          <ac:chgData name="Magdalena Cieslak" userId="942c8a57c2faf2b4" providerId="LiveId" clId="{D9CE6366-D963-415B-8100-7D2C852AC910}" dt="2020-07-26T18:14:28.040" v="2472" actId="26606"/>
+          <ac:spMkLst>
+            <pc:docMk/>
+            <pc:sldMk cId="923883141" sldId="259"/>
+            <ac:spMk id="11" creationId="{416A0E3C-60E6-4F39-BC55-5F7C224E1F7C}"/>
+          </ac:spMkLst>
+        </pc:spChg>
+        <pc:spChg chg="add del">
+          <ac:chgData name="Magdalena Cieslak" userId="942c8a57c2faf2b4" providerId="LiveId" clId="{D9CE6366-D963-415B-8100-7D2C852AC910}" dt="2020-07-26T18:14:28.040" v="2472" actId="26606"/>
+          <ac:spMkLst>
+            <pc:docMk/>
+            <pc:sldMk cId="923883141" sldId="259"/>
+            <ac:spMk id="15" creationId="{B0E58038-8ACE-4AD9-B404-25C603550D83}"/>
+          </ac:spMkLst>
+        </pc:spChg>
+        <pc:spChg chg="add del">
+          <ac:chgData name="Magdalena Cieslak" userId="942c8a57c2faf2b4" providerId="LiveId" clId="{D9CE6366-D963-415B-8100-7D2C852AC910}" dt="2020-07-26T18:14:28.040" v="2472" actId="26606"/>
+          <ac:spMkLst>
+            <pc:docMk/>
+            <pc:sldMk cId="923883141" sldId="259"/>
+            <ac:spMk id="19" creationId="{82BCDE19-2810-4337-9C49-8589C421767D}"/>
+          </ac:spMkLst>
+        </pc:spChg>
+        <pc:spChg chg="add del">
+          <ac:chgData name="Magdalena Cieslak" userId="942c8a57c2faf2b4" providerId="LiveId" clId="{D9CE6366-D963-415B-8100-7D2C852AC910}" dt="2020-07-26T18:14:25.940" v="2469" actId="26606"/>
+          <ac:spMkLst>
+            <pc:docMk/>
+            <pc:sldMk cId="923883141" sldId="259"/>
+            <ac:spMk id="24" creationId="{A8E9C91B-7EAD-4562-AB0E-DFB9663AECE3}"/>
+          </ac:spMkLst>
+        </pc:spChg>
+        <pc:spChg chg="add del">
+          <ac:chgData name="Magdalena Cieslak" userId="942c8a57c2faf2b4" providerId="LiveId" clId="{D9CE6366-D963-415B-8100-7D2C852AC910}" dt="2020-07-26T18:14:25.940" v="2469" actId="26606"/>
+          <ac:spMkLst>
+            <pc:docMk/>
+            <pc:sldMk cId="923883141" sldId="259"/>
+            <ac:spMk id="26" creationId="{652BD35A-BC99-4831-A358-06E2CEB96697}"/>
+          </ac:spMkLst>
+        </pc:spChg>
+        <pc:spChg chg="add del">
+          <ac:chgData name="Magdalena Cieslak" userId="942c8a57c2faf2b4" providerId="LiveId" clId="{D9CE6366-D963-415B-8100-7D2C852AC910}" dt="2020-07-26T18:14:25.940" v="2469" actId="26606"/>
+          <ac:spMkLst>
+            <pc:docMk/>
+            <pc:sldMk cId="923883141" sldId="259"/>
+            <ac:spMk id="28" creationId="{B76E24C1-2968-40DC-A36E-F6B85F0F0752}"/>
+          </ac:spMkLst>
+        </pc:spChg>
+        <pc:spChg chg="add del">
+          <ac:chgData name="Magdalena Cieslak" userId="942c8a57c2faf2b4" providerId="LiveId" clId="{D9CE6366-D963-415B-8100-7D2C852AC910}" dt="2020-07-26T18:14:28.020" v="2471" actId="26606"/>
+          <ac:spMkLst>
+            <pc:docMk/>
+            <pc:sldMk cId="923883141" sldId="259"/>
+            <ac:spMk id="31" creationId="{416A0E3C-60E6-4F39-BC55-5F7C224E1F7C}"/>
+          </ac:spMkLst>
+        </pc:spChg>
+        <pc:spChg chg="add del">
+          <ac:chgData name="Magdalena Cieslak" userId="942c8a57c2faf2b4" providerId="LiveId" clId="{D9CE6366-D963-415B-8100-7D2C852AC910}" dt="2020-07-26T18:14:28.020" v="2471" actId="26606"/>
+          <ac:spMkLst>
+            <pc:docMk/>
+            <pc:sldMk cId="923883141" sldId="259"/>
+            <ac:spMk id="33" creationId="{E844E128-FF69-4E9F-8327-6B504B3C5AE1}"/>
+          </ac:spMkLst>
+        </pc:spChg>
+        <pc:spChg chg="add del">
+          <ac:chgData name="Magdalena Cieslak" userId="942c8a57c2faf2b4" providerId="LiveId" clId="{D9CE6366-D963-415B-8100-7D2C852AC910}" dt="2020-07-26T18:14:28.020" v="2471" actId="26606"/>
+          <ac:spMkLst>
+            <pc:docMk/>
+            <pc:sldMk cId="923883141" sldId="259"/>
+            <ac:spMk id="34" creationId="{2D4275CE-87DF-4A7F-87DB-B69BFEA07F9D}"/>
+          </ac:spMkLst>
+        </pc:spChg>
+        <pc:spChg chg="add del">
+          <ac:chgData name="Magdalena Cieslak" userId="942c8a57c2faf2b4" providerId="LiveId" clId="{D9CE6366-D963-415B-8100-7D2C852AC910}" dt="2020-07-26T18:14:28.020" v="2471" actId="26606"/>
+          <ac:spMkLst>
+            <pc:docMk/>
+            <pc:sldMk cId="923883141" sldId="259"/>
+            <ac:spMk id="35" creationId="{BC7D3FCC-78A2-4AB7-923C-F6D415F480C0}"/>
+          </ac:spMkLst>
+        </pc:spChg>
+        <pc:spChg chg="add del">
+          <ac:chgData name="Magdalena Cieslak" userId="942c8a57c2faf2b4" providerId="LiveId" clId="{D9CE6366-D963-415B-8100-7D2C852AC910}" dt="2020-07-26T19:21:07.486" v="3025" actId="26606"/>
+          <ac:spMkLst>
+            <pc:docMk/>
+            <pc:sldMk cId="923883141" sldId="259"/>
+            <ac:spMk id="37" creationId="{416A0E3C-60E6-4F39-BC55-5F7C224E1F7C}"/>
+          </ac:spMkLst>
+        </pc:spChg>
+        <pc:spChg chg="add del">
+          <ac:chgData name="Magdalena Cieslak" userId="942c8a57c2faf2b4" providerId="LiveId" clId="{D9CE6366-D963-415B-8100-7D2C852AC910}" dt="2020-07-26T19:21:07.486" v="3025" actId="26606"/>
+          <ac:spMkLst>
+            <pc:docMk/>
+            <pc:sldMk cId="923883141" sldId="259"/>
+            <ac:spMk id="39" creationId="{B0E58038-8ACE-4AD9-B404-25C603550D83}"/>
+          </ac:spMkLst>
+        </pc:spChg>
+        <pc:spChg chg="add mod">
+          <ac:chgData name="Magdalena Cieslak" userId="942c8a57c2faf2b4" providerId="LiveId" clId="{D9CE6366-D963-415B-8100-7D2C852AC910}" dt="2020-07-26T19:20:56.996" v="3019" actId="26606"/>
+          <ac:spMkLst>
+            <pc:docMk/>
+            <pc:sldMk cId="923883141" sldId="259"/>
+            <ac:spMk id="40" creationId="{2D4275CE-87DF-4A7F-87DB-B69BFEA07F9D}"/>
+          </ac:spMkLst>
+        </pc:spChg>
+        <pc:spChg chg="add mod ord">
+          <ac:chgData name="Magdalena Cieslak" userId="942c8a57c2faf2b4" providerId="LiveId" clId="{D9CE6366-D963-415B-8100-7D2C852AC910}" dt="2020-07-26T21:44:20.780" v="5569" actId="2"/>
+          <ac:spMkLst>
+            <pc:docMk/>
+            <pc:sldMk cId="923883141" sldId="259"/>
+            <ac:spMk id="42" creationId="{BC7D3FCC-78A2-4AB7-923C-F6D415F480C0}"/>
+          </ac:spMkLst>
+        </pc:spChg>
+        <pc:spChg chg="add del">
+          <ac:chgData name="Magdalena Cieslak" userId="942c8a57c2faf2b4" providerId="LiveId" clId="{D9CE6366-D963-415B-8100-7D2C852AC910}" dt="2020-07-26T19:21:07.486" v="3025" actId="26606"/>
+          <ac:spMkLst>
+            <pc:docMk/>
+            <pc:sldMk cId="923883141" sldId="259"/>
+            <ac:spMk id="43" creationId="{82BCDE19-2810-4337-9C49-8589C421767D}"/>
+          </ac:spMkLst>
+        </pc:spChg>
+        <pc:spChg chg="add del">
+          <ac:chgData name="Magdalena Cieslak" userId="942c8a57c2faf2b4" providerId="LiveId" clId="{D9CE6366-D963-415B-8100-7D2C852AC910}" dt="2020-07-26T19:19:53.510" v="2997" actId="26606"/>
+          <ac:spMkLst>
+            <pc:docMk/>
+            <pc:sldMk cId="923883141" sldId="259"/>
+            <ac:spMk id="48" creationId="{416A0E3C-60E6-4F39-BC55-5F7C224E1F7C}"/>
+          </ac:spMkLst>
+        </pc:spChg>
+        <pc:spChg chg="add del">
+          <ac:chgData name="Magdalena Cieslak" userId="942c8a57c2faf2b4" providerId="LiveId" clId="{D9CE6366-D963-415B-8100-7D2C852AC910}" dt="2020-07-26T19:19:53.510" v="2997" actId="26606"/>
+          <ac:spMkLst>
+            <pc:docMk/>
+            <pc:sldMk cId="923883141" sldId="259"/>
+            <ac:spMk id="52" creationId="{D40791F6-715D-481A-9C4A-3645AECFD5A0}"/>
+          </ac:spMkLst>
+        </pc:spChg>
+        <pc:spChg chg="add del">
+          <ac:chgData name="Magdalena Cieslak" userId="942c8a57c2faf2b4" providerId="LiveId" clId="{D9CE6366-D963-415B-8100-7D2C852AC910}" dt="2020-07-26T19:19:53.510" v="2997" actId="26606"/>
+          <ac:spMkLst>
+            <pc:docMk/>
+            <pc:sldMk cId="923883141" sldId="259"/>
+            <ac:spMk id="56" creationId="{811CBAFA-D7E0-40A7-BB94-2C05304B407B}"/>
+          </ac:spMkLst>
+        </pc:spChg>
+        <pc:spChg chg="add del">
+          <ac:chgData name="Magdalena Cieslak" userId="942c8a57c2faf2b4" providerId="LiveId" clId="{D9CE6366-D963-415B-8100-7D2C852AC910}" dt="2020-07-26T19:19:56.174" v="2999" actId="26606"/>
+          <ac:spMkLst>
+            <pc:docMk/>
+            <pc:sldMk cId="923883141" sldId="259"/>
+            <ac:spMk id="58" creationId="{416A0E3C-60E6-4F39-BC55-5F7C224E1F7C}"/>
+          </ac:spMkLst>
+        </pc:spChg>
+        <pc:spChg chg="add del">
+          <ac:chgData name="Magdalena Cieslak" userId="942c8a57c2faf2b4" providerId="LiveId" clId="{D9CE6366-D963-415B-8100-7D2C852AC910}" dt="2020-07-26T19:19:56.174" v="2999" actId="26606"/>
+          <ac:spMkLst>
+            <pc:docMk/>
+            <pc:sldMk cId="923883141" sldId="259"/>
+            <ac:spMk id="60" creationId="{E844E128-FF69-4E9F-8327-6B504B3C5AE1}"/>
+          </ac:spMkLst>
+        </pc:spChg>
+        <pc:spChg chg="add del">
+          <ac:chgData name="Magdalena Cieslak" userId="942c8a57c2faf2b4" providerId="LiveId" clId="{D9CE6366-D963-415B-8100-7D2C852AC910}" dt="2020-07-26T19:20:02.604" v="3001" actId="26606"/>
+          <ac:spMkLst>
+            <pc:docMk/>
+            <pc:sldMk cId="923883141" sldId="259"/>
+            <ac:spMk id="63" creationId="{416A0E3C-60E6-4F39-BC55-5F7C224E1F7C}"/>
+          </ac:spMkLst>
+        </pc:spChg>
+        <pc:spChg chg="add del">
+          <ac:chgData name="Magdalena Cieslak" userId="942c8a57c2faf2b4" providerId="LiveId" clId="{D9CE6366-D963-415B-8100-7D2C852AC910}" dt="2020-07-26T19:20:02.604" v="3001" actId="26606"/>
+          <ac:spMkLst>
+            <pc:docMk/>
+            <pc:sldMk cId="923883141" sldId="259"/>
+            <ac:spMk id="65" creationId="{B0E58038-8ACE-4AD9-B404-25C603550D83}"/>
+          </ac:spMkLst>
+        </pc:spChg>
+        <pc:spChg chg="add del">
+          <ac:chgData name="Magdalena Cieslak" userId="942c8a57c2faf2b4" providerId="LiveId" clId="{D9CE6366-D963-415B-8100-7D2C852AC910}" dt="2020-07-26T19:20:02.604" v="3001" actId="26606"/>
+          <ac:spMkLst>
+            <pc:docMk/>
+            <pc:sldMk cId="923883141" sldId="259"/>
+            <ac:spMk id="66" creationId="{5B3FFBAC-AB0F-448D-A038-E132C4CF5333}"/>
+          </ac:spMkLst>
+        </pc:spChg>
+        <pc:spChg chg="add del">
+          <ac:chgData name="Magdalena Cieslak" userId="942c8a57c2faf2b4" providerId="LiveId" clId="{D9CE6366-D963-415B-8100-7D2C852AC910}" dt="2020-07-26T19:20:02.604" v="3001" actId="26606"/>
+          <ac:spMkLst>
+            <pc:docMk/>
+            <pc:sldMk cId="923883141" sldId="259"/>
+            <ac:spMk id="68" creationId="{82BCDE19-2810-4337-9C49-8589C421767D}"/>
+          </ac:spMkLst>
+        </pc:spChg>
+        <pc:spChg chg="add del">
+          <ac:chgData name="Magdalena Cieslak" userId="942c8a57c2faf2b4" providerId="LiveId" clId="{D9CE6366-D963-415B-8100-7D2C852AC910}" dt="2020-07-26T19:20:05.297" v="3003" actId="26606"/>
+          <ac:spMkLst>
+            <pc:docMk/>
+            <pc:sldMk cId="923883141" sldId="259"/>
+            <ac:spMk id="70" creationId="{416A0E3C-60E6-4F39-BC55-5F7C224E1F7C}"/>
+          </ac:spMkLst>
+        </pc:spChg>
+        <pc:spChg chg="add del">
+          <ac:chgData name="Magdalena Cieslak" userId="942c8a57c2faf2b4" providerId="LiveId" clId="{D9CE6366-D963-415B-8100-7D2C852AC910}" dt="2020-07-26T19:20:05.297" v="3003" actId="26606"/>
+          <ac:spMkLst>
+            <pc:docMk/>
+            <pc:sldMk cId="923883141" sldId="259"/>
+            <ac:spMk id="72" creationId="{E844E128-FF69-4E9F-8327-6B504B3C5AE1}"/>
+          </ac:spMkLst>
+        </pc:spChg>
+        <pc:spChg chg="add del">
+          <ac:chgData name="Magdalena Cieslak" userId="942c8a57c2faf2b4" providerId="LiveId" clId="{D9CE6366-D963-415B-8100-7D2C852AC910}" dt="2020-07-26T19:20:07.200" v="3005" actId="26606"/>
+          <ac:spMkLst>
+            <pc:docMk/>
+            <pc:sldMk cId="923883141" sldId="259"/>
+            <ac:spMk id="75" creationId="{416A0E3C-60E6-4F39-BC55-5F7C224E1F7C}"/>
+          </ac:spMkLst>
+        </pc:spChg>
+        <pc:spChg chg="add del">
+          <ac:chgData name="Magdalena Cieslak" userId="942c8a57c2faf2b4" providerId="LiveId" clId="{D9CE6366-D963-415B-8100-7D2C852AC910}" dt="2020-07-26T19:20:07.200" v="3005" actId="26606"/>
+          <ac:spMkLst>
+            <pc:docMk/>
+            <pc:sldMk cId="923883141" sldId="259"/>
+            <ac:spMk id="77" creationId="{E844E128-FF69-4E9F-8327-6B504B3C5AE1}"/>
+          </ac:spMkLst>
+        </pc:spChg>
+        <pc:spChg chg="add del">
+          <ac:chgData name="Magdalena Cieslak" userId="942c8a57c2faf2b4" providerId="LiveId" clId="{D9CE6366-D963-415B-8100-7D2C852AC910}" dt="2020-07-26T19:20:11.342" v="3007" actId="26606"/>
+          <ac:spMkLst>
+            <pc:docMk/>
+            <pc:sldMk cId="923883141" sldId="259"/>
+            <ac:spMk id="80" creationId="{416A0E3C-60E6-4F39-BC55-5F7C224E1F7C}"/>
+          </ac:spMkLst>
+        </pc:spChg>
+        <pc:spChg chg="add del">
+          <ac:chgData name="Magdalena Cieslak" userId="942c8a57c2faf2b4" providerId="LiveId" clId="{D9CE6366-D963-415B-8100-7D2C852AC910}" dt="2020-07-26T19:20:11.342" v="3007" actId="26606"/>
+          <ac:spMkLst>
+            <pc:docMk/>
+            <pc:sldMk cId="923883141" sldId="259"/>
+            <ac:spMk id="82" creationId="{B0E58038-8ACE-4AD9-B404-25C603550D83}"/>
+          </ac:spMkLst>
+        </pc:spChg>
+        <pc:spChg chg="add del">
+          <ac:chgData name="Magdalena Cieslak" userId="942c8a57c2faf2b4" providerId="LiveId" clId="{D9CE6366-D963-415B-8100-7D2C852AC910}" dt="2020-07-26T19:20:11.342" v="3007" actId="26606"/>
+          <ac:spMkLst>
+            <pc:docMk/>
+            <pc:sldMk cId="923883141" sldId="259"/>
+            <ac:spMk id="83" creationId="{AFDFBAB0-D774-43CD-B472-CB9CA585B05E}"/>
+          </ac:spMkLst>
+        </pc:spChg>
+        <pc:spChg chg="add del">
+          <ac:chgData name="Magdalena Cieslak" userId="942c8a57c2faf2b4" providerId="LiveId" clId="{D9CE6366-D963-415B-8100-7D2C852AC910}" dt="2020-07-26T19:20:11.342" v="3007" actId="26606"/>
+          <ac:spMkLst>
+            <pc:docMk/>
+            <pc:sldMk cId="923883141" sldId="259"/>
+            <ac:spMk id="85" creationId="{82BCDE19-2810-4337-9C49-8589C421767D}"/>
+          </ac:spMkLst>
+        </pc:spChg>
+        <pc:spChg chg="add del">
+          <ac:chgData name="Magdalena Cieslak" userId="942c8a57c2faf2b4" providerId="LiveId" clId="{D9CE6366-D963-415B-8100-7D2C852AC910}" dt="2020-07-26T19:20:13.813" v="3009" actId="26606"/>
+          <ac:spMkLst>
+            <pc:docMk/>
+            <pc:sldMk cId="923883141" sldId="259"/>
+            <ac:spMk id="87" creationId="{416A0E3C-60E6-4F39-BC55-5F7C224E1F7C}"/>
+          </ac:spMkLst>
+        </pc:spChg>
+        <pc:spChg chg="add del">
+          <ac:chgData name="Magdalena Cieslak" userId="942c8a57c2faf2b4" providerId="LiveId" clId="{D9CE6366-D963-415B-8100-7D2C852AC910}" dt="2020-07-26T19:20:13.813" v="3009" actId="26606"/>
+          <ac:spMkLst>
+            <pc:docMk/>
+            <pc:sldMk cId="923883141" sldId="259"/>
+            <ac:spMk id="89" creationId="{24E4FB28-D425-4B2B-83EC-7F2C0FBDF1FF}"/>
+          </ac:spMkLst>
+        </pc:spChg>
+        <pc:spChg chg="add del">
+          <ac:chgData name="Magdalena Cieslak" userId="942c8a57c2faf2b4" providerId="LiveId" clId="{D9CE6366-D963-415B-8100-7D2C852AC910}" dt="2020-07-26T19:20:13.813" v="3009" actId="26606"/>
+          <ac:spMkLst>
+            <pc:docMk/>
+            <pc:sldMk cId="923883141" sldId="259"/>
+            <ac:spMk id="90" creationId="{96EEF187-8434-4B76-BE40-006EEBB263CF}"/>
+          </ac:spMkLst>
+        </pc:spChg>
+        <pc:spChg chg="add del">
+          <ac:chgData name="Magdalena Cieslak" userId="942c8a57c2faf2b4" providerId="LiveId" clId="{D9CE6366-D963-415B-8100-7D2C852AC910}" dt="2020-07-26T19:20:21.444" v="3011" actId="26606"/>
+          <ac:spMkLst>
+            <pc:docMk/>
+            <pc:sldMk cId="923883141" sldId="259"/>
+            <ac:spMk id="92" creationId="{416A0E3C-60E6-4F39-BC55-5F7C224E1F7C}"/>
+          </ac:spMkLst>
+        </pc:spChg>
+        <pc:spChg chg="add del">
+          <ac:chgData name="Magdalena Cieslak" userId="942c8a57c2faf2b4" providerId="LiveId" clId="{D9CE6366-D963-415B-8100-7D2C852AC910}" dt="2020-07-26T19:20:21.444" v="3011" actId="26606"/>
+          <ac:spMkLst>
+            <pc:docMk/>
+            <pc:sldMk cId="923883141" sldId="259"/>
+            <ac:spMk id="94" creationId="{B0E58038-8ACE-4AD9-B404-25C603550D83}"/>
+          </ac:spMkLst>
+        </pc:spChg>
+        <pc:spChg chg="add del">
+          <ac:chgData name="Magdalena Cieslak" userId="942c8a57c2faf2b4" providerId="LiveId" clId="{D9CE6366-D963-415B-8100-7D2C852AC910}" dt="2020-07-26T19:20:21.444" v="3011" actId="26606"/>
+          <ac:spMkLst>
+            <pc:docMk/>
+            <pc:sldMk cId="923883141" sldId="259"/>
+            <ac:spMk id="96" creationId="{82BCDE19-2810-4337-9C49-8589C421767D}"/>
+          </ac:spMkLst>
+        </pc:spChg>
+        <pc:spChg chg="add del">
+          <ac:chgData name="Magdalena Cieslak" userId="942c8a57c2faf2b4" providerId="LiveId" clId="{D9CE6366-D963-415B-8100-7D2C852AC910}" dt="2020-07-26T19:20:39.943" v="3013" actId="26606"/>
+          <ac:spMkLst>
+            <pc:docMk/>
+            <pc:sldMk cId="923883141" sldId="259"/>
+            <ac:spMk id="98" creationId="{416A0E3C-60E6-4F39-BC55-5F7C224E1F7C}"/>
+          </ac:spMkLst>
+        </pc:spChg>
+        <pc:spChg chg="add del">
+          <ac:chgData name="Magdalena Cieslak" userId="942c8a57c2faf2b4" providerId="LiveId" clId="{D9CE6366-D963-415B-8100-7D2C852AC910}" dt="2020-07-26T19:20:39.943" v="3013" actId="26606"/>
+          <ac:spMkLst>
+            <pc:docMk/>
+            <pc:sldMk cId="923883141" sldId="259"/>
+            <ac:spMk id="100" creationId="{D40791F6-715D-481A-9C4A-3645AECFD5A0}"/>
+          </ac:spMkLst>
+        </pc:spChg>
+        <pc:spChg chg="add del">
+          <ac:chgData name="Magdalena Cieslak" userId="942c8a57c2faf2b4" providerId="LiveId" clId="{D9CE6366-D963-415B-8100-7D2C852AC910}" dt="2020-07-26T19:20:39.943" v="3013" actId="26606"/>
+          <ac:spMkLst>
+            <pc:docMk/>
+            <pc:sldMk cId="923883141" sldId="259"/>
+            <ac:spMk id="102" creationId="{811CBAFA-D7E0-40A7-BB94-2C05304B407B}"/>
+          </ac:spMkLst>
+        </pc:spChg>
+        <pc:spChg chg="add del">
+          <ac:chgData name="Magdalena Cieslak" userId="942c8a57c2faf2b4" providerId="LiveId" clId="{D9CE6366-D963-415B-8100-7D2C852AC910}" dt="2020-07-26T19:20:48.239" v="3015" actId="26606"/>
+          <ac:spMkLst>
+            <pc:docMk/>
+            <pc:sldMk cId="923883141" sldId="259"/>
+            <ac:spMk id="104" creationId="{416A0E3C-60E6-4F39-BC55-5F7C224E1F7C}"/>
+          </ac:spMkLst>
+        </pc:spChg>
+        <pc:spChg chg="add del">
+          <ac:chgData name="Magdalena Cieslak" userId="942c8a57c2faf2b4" providerId="LiveId" clId="{D9CE6366-D963-415B-8100-7D2C852AC910}" dt="2020-07-26T19:20:48.239" v="3015" actId="26606"/>
+          <ac:spMkLst>
+            <pc:docMk/>
+            <pc:sldMk cId="923883141" sldId="259"/>
+            <ac:spMk id="106" creationId="{B0E58038-8ACE-4AD9-B404-25C603550D83}"/>
+          </ac:spMkLst>
+        </pc:spChg>
+        <pc:spChg chg="add del">
+          <ac:chgData name="Magdalena Cieslak" userId="942c8a57c2faf2b4" providerId="LiveId" clId="{D9CE6366-D963-415B-8100-7D2C852AC910}" dt="2020-07-26T19:20:48.239" v="3015" actId="26606"/>
+          <ac:spMkLst>
+            <pc:docMk/>
+            <pc:sldMk cId="923883141" sldId="259"/>
+            <ac:spMk id="107" creationId="{5B3FFBAC-AB0F-448D-A038-E132C4CF5333}"/>
+          </ac:spMkLst>
+        </pc:spChg>
+        <pc:spChg chg="add del">
+          <ac:chgData name="Magdalena Cieslak" userId="942c8a57c2faf2b4" providerId="LiveId" clId="{D9CE6366-D963-415B-8100-7D2C852AC910}" dt="2020-07-26T19:20:48.239" v="3015" actId="26606"/>
+          <ac:spMkLst>
+            <pc:docMk/>
+            <pc:sldMk cId="923883141" sldId="259"/>
+            <ac:spMk id="109" creationId="{82BCDE19-2810-4337-9C49-8589C421767D}"/>
+          </ac:spMkLst>
+        </pc:spChg>
+        <pc:spChg chg="add del">
+          <ac:chgData name="Magdalena Cieslak" userId="942c8a57c2faf2b4" providerId="LiveId" clId="{D9CE6366-D963-415B-8100-7D2C852AC910}" dt="2020-07-26T19:20:52.617" v="3017" actId="26606"/>
+          <ac:spMkLst>
+            <pc:docMk/>
+            <pc:sldMk cId="923883141" sldId="259"/>
+            <ac:spMk id="111" creationId="{416A0E3C-60E6-4F39-BC55-5F7C224E1F7C}"/>
+          </ac:spMkLst>
+        </pc:spChg>
+        <pc:spChg chg="add del">
+          <ac:chgData name="Magdalena Cieslak" userId="942c8a57c2faf2b4" providerId="LiveId" clId="{D9CE6366-D963-415B-8100-7D2C852AC910}" dt="2020-07-26T19:20:52.617" v="3017" actId="26606"/>
+          <ac:spMkLst>
+            <pc:docMk/>
+            <pc:sldMk cId="923883141" sldId="259"/>
+            <ac:spMk id="113" creationId="{E844E128-FF69-4E9F-8327-6B504B3C5AE1}"/>
+          </ac:spMkLst>
+        </pc:spChg>
+        <pc:spChg chg="add del">
+          <ac:chgData name="Magdalena Cieslak" userId="942c8a57c2faf2b4" providerId="LiveId" clId="{D9CE6366-D963-415B-8100-7D2C852AC910}" dt="2020-07-26T19:20:56.996" v="3019" actId="26606"/>
+          <ac:spMkLst>
+            <pc:docMk/>
+            <pc:sldMk cId="923883141" sldId="259"/>
+            <ac:spMk id="116" creationId="{416A0E3C-60E6-4F39-BC55-5F7C224E1F7C}"/>
+          </ac:spMkLst>
+        </pc:spChg>
+        <pc:spChg chg="add del">
+          <ac:chgData name="Magdalena Cieslak" userId="942c8a57c2faf2b4" providerId="LiveId" clId="{D9CE6366-D963-415B-8100-7D2C852AC910}" dt="2020-07-26T19:20:56.996" v="3019" actId="26606"/>
+          <ac:spMkLst>
+            <pc:docMk/>
+            <pc:sldMk cId="923883141" sldId="259"/>
+            <ac:spMk id="118" creationId="{E844E128-FF69-4E9F-8327-6B504B3C5AE1}"/>
+          </ac:spMkLst>
+        </pc:spChg>
+        <pc:spChg chg="add del">
+          <ac:chgData name="Magdalena Cieslak" userId="942c8a57c2faf2b4" providerId="LiveId" clId="{D9CE6366-D963-415B-8100-7D2C852AC910}" dt="2020-07-26T19:21:07.486" v="3025" actId="26606"/>
+          <ac:spMkLst>
+            <pc:docMk/>
+            <pc:sldMk cId="923883141" sldId="259"/>
+            <ac:spMk id="121" creationId="{416A0E3C-60E6-4F39-BC55-5F7C224E1F7C}"/>
+          </ac:spMkLst>
+        </pc:spChg>
+        <pc:spChg chg="add del">
+          <ac:chgData name="Magdalena Cieslak" userId="942c8a57c2faf2b4" providerId="LiveId" clId="{D9CE6366-D963-415B-8100-7D2C852AC910}" dt="2020-07-26T19:21:07.486" v="3025" actId="26606"/>
+          <ac:spMkLst>
+            <pc:docMk/>
+            <pc:sldMk cId="923883141" sldId="259"/>
+            <ac:spMk id="123" creationId="{B0E58038-8ACE-4AD9-B404-25C603550D83}"/>
+          </ac:spMkLst>
+        </pc:spChg>
+        <pc:spChg chg="add del">
+          <ac:chgData name="Magdalena Cieslak" userId="942c8a57c2faf2b4" providerId="LiveId" clId="{D9CE6366-D963-415B-8100-7D2C852AC910}" dt="2020-07-26T19:21:07.486" v="3025" actId="26606"/>
+          <ac:spMkLst>
+            <pc:docMk/>
+            <pc:sldMk cId="923883141" sldId="259"/>
+            <ac:spMk id="125" creationId="{82BCDE19-2810-4337-9C49-8589C421767D}"/>
+          </ac:spMkLst>
+        </pc:spChg>
+        <pc:picChg chg="add mod ord">
+          <ac:chgData name="Magdalena Cieslak" userId="942c8a57c2faf2b4" providerId="LiveId" clId="{D9CE6366-D963-415B-8100-7D2C852AC910}" dt="2020-07-26T19:21:07.486" v="3025" actId="26606"/>
+          <ac:picMkLst>
+            <pc:docMk/>
+            <pc:sldMk cId="923883141" sldId="259"/>
+            <ac:picMk id="6" creationId="{2C4AD8D8-5313-46AE-902B-D76ABD5E1D9E}"/>
+          </ac:picMkLst>
+        </pc:picChg>
+        <pc:picChg chg="add del mod">
+          <ac:chgData name="Magdalena Cieslak" userId="942c8a57c2faf2b4" providerId="LiveId" clId="{D9CE6366-D963-415B-8100-7D2C852AC910}" dt="2020-07-26T18:33:00.003" v="2938" actId="22"/>
+          <ac:picMkLst>
+            <pc:docMk/>
+            <pc:sldMk cId="923883141" sldId="259"/>
+            <ac:picMk id="8" creationId="{CB3A2478-3765-4144-A05B-D1DA2567D9B2}"/>
+          </ac:picMkLst>
+        </pc:picChg>
+        <pc:picChg chg="add mod ord">
+          <ac:chgData name="Magdalena Cieslak" userId="942c8a57c2faf2b4" providerId="LiveId" clId="{D9CE6366-D963-415B-8100-7D2C852AC910}" dt="2020-07-26T19:21:56.807" v="3034" actId="14100"/>
+          <ac:picMkLst>
+            <pc:docMk/>
+            <pc:sldMk cId="923883141" sldId="259"/>
+            <ac:picMk id="9" creationId="{BFB54173-F557-400F-AFF3-87B1174FC2AA}"/>
+          </ac:picMkLst>
+        </pc:picChg>
+        <pc:cxnChg chg="add del">
+          <ac:chgData name="Magdalena Cieslak" userId="942c8a57c2faf2b4" providerId="LiveId" clId="{D9CE6366-D963-415B-8100-7D2C852AC910}" dt="2020-07-26T18:14:28.040" v="2472" actId="26606"/>
+          <ac:cxnSpMkLst>
+            <pc:docMk/>
+            <pc:sldMk cId="923883141" sldId="259"/>
+            <ac:cxnSpMk id="13" creationId="{C5025DAC-8B93-4160-B017-3A274A5828C0}"/>
+          </ac:cxnSpMkLst>
+        </pc:cxnChg>
+        <pc:cxnChg chg="add del">
+          <ac:chgData name="Magdalena Cieslak" userId="942c8a57c2faf2b4" providerId="LiveId" clId="{D9CE6366-D963-415B-8100-7D2C852AC910}" dt="2020-07-26T18:14:28.040" v="2472" actId="26606"/>
+          <ac:cxnSpMkLst>
+            <pc:docMk/>
+            <pc:sldMk cId="923883141" sldId="259"/>
+            <ac:cxnSpMk id="17" creationId="{38A34772-9011-42B5-AA63-FD6DEC92EE72}"/>
+          </ac:cxnSpMkLst>
+        </pc:cxnChg>
+        <pc:cxnChg chg="add del">
+          <ac:chgData name="Magdalena Cieslak" userId="942c8a57c2faf2b4" providerId="LiveId" clId="{D9CE6366-D963-415B-8100-7D2C852AC910}" dt="2020-07-26T18:14:28.020" v="2471" actId="26606"/>
+          <ac:cxnSpMkLst>
+            <pc:docMk/>
+            <pc:sldMk cId="923883141" sldId="259"/>
+            <ac:cxnSpMk id="30" creationId="{055CEADF-09EA-423C-8C45-F94AF44D5AF0}"/>
+          </ac:cxnSpMkLst>
+        </pc:cxnChg>
+        <pc:cxnChg chg="add del">
+          <ac:chgData name="Magdalena Cieslak" userId="942c8a57c2faf2b4" providerId="LiveId" clId="{D9CE6366-D963-415B-8100-7D2C852AC910}" dt="2020-07-26T18:14:28.020" v="2471" actId="26606"/>
+          <ac:cxnSpMkLst>
+            <pc:docMk/>
+            <pc:sldMk cId="923883141" sldId="259"/>
+            <ac:cxnSpMk id="32" creationId="{C5025DAC-8B93-4160-B017-3A274A5828C0}"/>
+          </ac:cxnSpMkLst>
+        </pc:cxnChg>
+        <pc:cxnChg chg="add del">
+          <ac:chgData name="Magdalena Cieslak" userId="942c8a57c2faf2b4" providerId="LiveId" clId="{D9CE6366-D963-415B-8100-7D2C852AC910}" dt="2020-07-26T19:21:07.486" v="3025" actId="26606"/>
+          <ac:cxnSpMkLst>
+            <pc:docMk/>
+            <pc:sldMk cId="923883141" sldId="259"/>
+            <ac:cxnSpMk id="38" creationId="{C5025DAC-8B93-4160-B017-3A274A5828C0}"/>
+          </ac:cxnSpMkLst>
+        </pc:cxnChg>
+        <pc:cxnChg chg="add del">
+          <ac:chgData name="Magdalena Cieslak" userId="942c8a57c2faf2b4" providerId="LiveId" clId="{D9CE6366-D963-415B-8100-7D2C852AC910}" dt="2020-07-26T19:21:07.486" v="3025" actId="26606"/>
+          <ac:cxnSpMkLst>
+            <pc:docMk/>
+            <pc:sldMk cId="923883141" sldId="259"/>
+            <ac:cxnSpMk id="41" creationId="{38A34772-9011-42B5-AA63-FD6DEC92EE72}"/>
+          </ac:cxnSpMkLst>
+        </pc:cxnChg>
+        <pc:cxnChg chg="add del">
+          <ac:chgData name="Magdalena Cieslak" userId="942c8a57c2faf2b4" providerId="LiveId" clId="{D9CE6366-D963-415B-8100-7D2C852AC910}" dt="2020-07-26T19:19:53.510" v="2997" actId="26606"/>
+          <ac:cxnSpMkLst>
+            <pc:docMk/>
+            <pc:sldMk cId="923883141" sldId="259"/>
+            <ac:cxnSpMk id="50" creationId="{C5025DAC-8B93-4160-B017-3A274A5828C0}"/>
+          </ac:cxnSpMkLst>
+        </pc:cxnChg>
+        <pc:cxnChg chg="add del">
+          <ac:chgData name="Magdalena Cieslak" userId="942c8a57c2faf2b4" providerId="LiveId" clId="{D9CE6366-D963-415B-8100-7D2C852AC910}" dt="2020-07-26T19:19:53.510" v="2997" actId="26606"/>
+          <ac:cxnSpMkLst>
+            <pc:docMk/>
+            <pc:sldMk cId="923883141" sldId="259"/>
+            <ac:cxnSpMk id="54" creationId="{740F83A4-FAC4-4867-95A5-BBFD280C7BF5}"/>
+          </ac:cxnSpMkLst>
+        </pc:cxnChg>
+        <pc:cxnChg chg="add del">
+          <ac:chgData name="Magdalena Cieslak" userId="942c8a57c2faf2b4" providerId="LiveId" clId="{D9CE6366-D963-415B-8100-7D2C852AC910}" dt="2020-07-26T19:19:56.174" v="2999" actId="26606"/>
+          <ac:cxnSpMkLst>
+            <pc:docMk/>
+            <pc:sldMk cId="923883141" sldId="259"/>
+            <ac:cxnSpMk id="59" creationId="{C5025DAC-8B93-4160-B017-3A274A5828C0}"/>
+          </ac:cxnSpMkLst>
+        </pc:cxnChg>
+        <pc:cxnChg chg="add del">
+          <ac:chgData name="Magdalena Cieslak" userId="942c8a57c2faf2b4" providerId="LiveId" clId="{D9CE6366-D963-415B-8100-7D2C852AC910}" dt="2020-07-26T19:19:56.174" v="2999" actId="26606"/>
+          <ac:cxnSpMkLst>
+            <pc:docMk/>
+            <pc:sldMk cId="923883141" sldId="259"/>
+            <ac:cxnSpMk id="61" creationId="{055CEADF-09EA-423C-8C45-F94AF44D5AF0}"/>
+          </ac:cxnSpMkLst>
+        </pc:cxnChg>
+        <pc:cxnChg chg="add del">
+          <ac:chgData name="Magdalena Cieslak" userId="942c8a57c2faf2b4" providerId="LiveId" clId="{D9CE6366-D963-415B-8100-7D2C852AC910}" dt="2020-07-26T19:20:02.604" v="3001" actId="26606"/>
+          <ac:cxnSpMkLst>
+            <pc:docMk/>
+            <pc:sldMk cId="923883141" sldId="259"/>
+            <ac:cxnSpMk id="64" creationId="{C5025DAC-8B93-4160-B017-3A274A5828C0}"/>
+          </ac:cxnSpMkLst>
+        </pc:cxnChg>
+        <pc:cxnChg chg="add del">
+          <ac:chgData name="Magdalena Cieslak" userId="942c8a57c2faf2b4" providerId="LiveId" clId="{D9CE6366-D963-415B-8100-7D2C852AC910}" dt="2020-07-26T19:20:02.604" v="3001" actId="26606"/>
+          <ac:cxnSpMkLst>
+            <pc:docMk/>
+            <pc:sldMk cId="923883141" sldId="259"/>
+            <ac:cxnSpMk id="67" creationId="{38A34772-9011-42B5-AA63-FD6DEC92EE72}"/>
+          </ac:cxnSpMkLst>
+        </pc:cxnChg>
+        <pc:cxnChg chg="add del">
+          <ac:chgData name="Magdalena Cieslak" userId="942c8a57c2faf2b4" providerId="LiveId" clId="{D9CE6366-D963-415B-8100-7D2C852AC910}" dt="2020-07-26T19:20:05.297" v="3003" actId="26606"/>
+          <ac:cxnSpMkLst>
+            <pc:docMk/>
+            <pc:sldMk cId="923883141" sldId="259"/>
+            <ac:cxnSpMk id="71" creationId="{C5025DAC-8B93-4160-B017-3A274A5828C0}"/>
+          </ac:cxnSpMkLst>
+        </pc:cxnChg>
+        <pc:cxnChg chg="add del">
+          <ac:chgData name="Magdalena Cieslak" userId="942c8a57c2faf2b4" providerId="LiveId" clId="{D9CE6366-D963-415B-8100-7D2C852AC910}" dt="2020-07-26T19:20:05.297" v="3003" actId="26606"/>
+          <ac:cxnSpMkLst>
+            <pc:docMk/>
+            <pc:sldMk cId="923883141" sldId="259"/>
+            <ac:cxnSpMk id="73" creationId="{055CEADF-09EA-423C-8C45-F94AF44D5AF0}"/>
+          </ac:cxnSpMkLst>
+        </pc:cxnChg>
+        <pc:cxnChg chg="add del">
+          <ac:chgData name="Magdalena Cieslak" userId="942c8a57c2faf2b4" providerId="LiveId" clId="{D9CE6366-D963-415B-8100-7D2C852AC910}" dt="2020-07-26T19:20:07.200" v="3005" actId="26606"/>
+          <ac:cxnSpMkLst>
+            <pc:docMk/>
+            <pc:sldMk cId="923883141" sldId="259"/>
+            <ac:cxnSpMk id="76" creationId="{C5025DAC-8B93-4160-B017-3A274A5828C0}"/>
+          </ac:cxnSpMkLst>
+        </pc:cxnChg>
+        <pc:cxnChg chg="add del">
+          <ac:chgData name="Magdalena Cieslak" userId="942c8a57c2faf2b4" providerId="LiveId" clId="{D9CE6366-D963-415B-8100-7D2C852AC910}" dt="2020-07-26T19:20:07.200" v="3005" actId="26606"/>
+          <ac:cxnSpMkLst>
+            <pc:docMk/>
+            <pc:sldMk cId="923883141" sldId="259"/>
+            <ac:cxnSpMk id="78" creationId="{055CEADF-09EA-423C-8C45-F94AF44D5AF0}"/>
+          </ac:cxnSpMkLst>
+        </pc:cxnChg>
+        <pc:cxnChg chg="add del">
+          <ac:chgData name="Magdalena Cieslak" userId="942c8a57c2faf2b4" providerId="LiveId" clId="{D9CE6366-D963-415B-8100-7D2C852AC910}" dt="2020-07-26T19:20:11.342" v="3007" actId="26606"/>
+          <ac:cxnSpMkLst>
+            <pc:docMk/>
+            <pc:sldMk cId="923883141" sldId="259"/>
+            <ac:cxnSpMk id="81" creationId="{C5025DAC-8B93-4160-B017-3A274A5828C0}"/>
+          </ac:cxnSpMkLst>
+        </pc:cxnChg>
+        <pc:cxnChg chg="add del">
+          <ac:chgData name="Magdalena Cieslak" userId="942c8a57c2faf2b4" providerId="LiveId" clId="{D9CE6366-D963-415B-8100-7D2C852AC910}" dt="2020-07-26T19:20:11.342" v="3007" actId="26606"/>
+          <ac:cxnSpMkLst>
+            <pc:docMk/>
+            <pc:sldMk cId="923883141" sldId="259"/>
+            <ac:cxnSpMk id="84" creationId="{38A34772-9011-42B5-AA63-FD6DEC92EE72}"/>
+          </ac:cxnSpMkLst>
+        </pc:cxnChg>
+        <pc:cxnChg chg="add del">
+          <ac:chgData name="Magdalena Cieslak" userId="942c8a57c2faf2b4" providerId="LiveId" clId="{D9CE6366-D963-415B-8100-7D2C852AC910}" dt="2020-07-26T19:20:13.813" v="3009" actId="26606"/>
+          <ac:cxnSpMkLst>
+            <pc:docMk/>
+            <pc:sldMk cId="923883141" sldId="259"/>
+            <ac:cxnSpMk id="88" creationId="{C5025DAC-8B93-4160-B017-3A274A5828C0}"/>
+          </ac:cxnSpMkLst>
+        </pc:cxnChg>
+        <pc:cxnChg chg="add del">
+          <ac:chgData name="Magdalena Cieslak" userId="942c8a57c2faf2b4" providerId="LiveId" clId="{D9CE6366-D963-415B-8100-7D2C852AC910}" dt="2020-07-26T19:20:21.444" v="3011" actId="26606"/>
+          <ac:cxnSpMkLst>
+            <pc:docMk/>
+            <pc:sldMk cId="923883141" sldId="259"/>
+            <ac:cxnSpMk id="93" creationId="{C5025DAC-8B93-4160-B017-3A274A5828C0}"/>
+          </ac:cxnSpMkLst>
+        </pc:cxnChg>
+        <pc:cxnChg chg="add del">
+          <ac:chgData name="Magdalena Cieslak" userId="942c8a57c2faf2b4" providerId="LiveId" clId="{D9CE6366-D963-415B-8100-7D2C852AC910}" dt="2020-07-26T19:20:21.444" v="3011" actId="26606"/>
+          <ac:cxnSpMkLst>
+            <pc:docMk/>
+            <pc:sldMk cId="923883141" sldId="259"/>
+            <ac:cxnSpMk id="95" creationId="{38A34772-9011-42B5-AA63-FD6DEC92EE72}"/>
+          </ac:cxnSpMkLst>
+        </pc:cxnChg>
+        <pc:cxnChg chg="add del">
+          <ac:chgData name="Magdalena Cieslak" userId="942c8a57c2faf2b4" providerId="LiveId" clId="{D9CE6366-D963-415B-8100-7D2C852AC910}" dt="2020-07-26T19:20:39.943" v="3013" actId="26606"/>
+          <ac:cxnSpMkLst>
+            <pc:docMk/>
+            <pc:sldMk cId="923883141" sldId="259"/>
+            <ac:cxnSpMk id="99" creationId="{C5025DAC-8B93-4160-B017-3A274A5828C0}"/>
+          </ac:cxnSpMkLst>
+        </pc:cxnChg>
+        <pc:cxnChg chg="add del">
+          <ac:chgData name="Magdalena Cieslak" userId="942c8a57c2faf2b4" providerId="LiveId" clId="{D9CE6366-D963-415B-8100-7D2C852AC910}" dt="2020-07-26T19:20:39.943" v="3013" actId="26606"/>
+          <ac:cxnSpMkLst>
+            <pc:docMk/>
+            <pc:sldMk cId="923883141" sldId="259"/>
+            <ac:cxnSpMk id="101" creationId="{740F83A4-FAC4-4867-95A5-BBFD280C7BF5}"/>
+          </ac:cxnSpMkLst>
+        </pc:cxnChg>
+        <pc:cxnChg chg="add del">
+          <ac:chgData name="Magdalena Cieslak" userId="942c8a57c2faf2b4" providerId="LiveId" clId="{D9CE6366-D963-415B-8100-7D2C852AC910}" dt="2020-07-26T19:20:48.239" v="3015" actId="26606"/>
+          <ac:cxnSpMkLst>
+            <pc:docMk/>
+            <pc:sldMk cId="923883141" sldId="259"/>
+            <ac:cxnSpMk id="105" creationId="{C5025DAC-8B93-4160-B017-3A274A5828C0}"/>
+          </ac:cxnSpMkLst>
+        </pc:cxnChg>
+        <pc:cxnChg chg="add del">
+          <ac:chgData name="Magdalena Cieslak" userId="942c8a57c2faf2b4" providerId="LiveId" clId="{D9CE6366-D963-415B-8100-7D2C852AC910}" dt="2020-07-26T19:20:48.239" v="3015" actId="26606"/>
+          <ac:cxnSpMkLst>
+            <pc:docMk/>
+            <pc:sldMk cId="923883141" sldId="259"/>
+            <ac:cxnSpMk id="108" creationId="{38A34772-9011-42B5-AA63-FD6DEC92EE72}"/>
+          </ac:cxnSpMkLst>
+        </pc:cxnChg>
+        <pc:cxnChg chg="add del">
+          <ac:chgData name="Magdalena Cieslak" userId="942c8a57c2faf2b4" providerId="LiveId" clId="{D9CE6366-D963-415B-8100-7D2C852AC910}" dt="2020-07-26T19:20:52.617" v="3017" actId="26606"/>
+          <ac:cxnSpMkLst>
+            <pc:docMk/>
+            <pc:sldMk cId="923883141" sldId="259"/>
+            <ac:cxnSpMk id="112" creationId="{C5025DAC-8B93-4160-B017-3A274A5828C0}"/>
+          </ac:cxnSpMkLst>
+        </pc:cxnChg>
+        <pc:cxnChg chg="add del">
+          <ac:chgData name="Magdalena Cieslak" userId="942c8a57c2faf2b4" providerId="LiveId" clId="{D9CE6366-D963-415B-8100-7D2C852AC910}" dt="2020-07-26T19:20:52.617" v="3017" actId="26606"/>
+          <ac:cxnSpMkLst>
+            <pc:docMk/>
+            <pc:sldMk cId="923883141" sldId="259"/>
+            <ac:cxnSpMk id="114" creationId="{055CEADF-09EA-423C-8C45-F94AF44D5AF0}"/>
+          </ac:cxnSpMkLst>
+        </pc:cxnChg>
+        <pc:cxnChg chg="add del">
+          <ac:chgData name="Magdalena Cieslak" userId="942c8a57c2faf2b4" providerId="LiveId" clId="{D9CE6366-D963-415B-8100-7D2C852AC910}" dt="2020-07-26T19:20:56.996" v="3019" actId="26606"/>
+          <ac:cxnSpMkLst>
+            <pc:docMk/>
+            <pc:sldMk cId="923883141" sldId="259"/>
+            <ac:cxnSpMk id="117" creationId="{C5025DAC-8B93-4160-B017-3A274A5828C0}"/>
+          </ac:cxnSpMkLst>
+        </pc:cxnChg>
+        <pc:cxnChg chg="add del">
+          <ac:chgData name="Magdalena Cieslak" userId="942c8a57c2faf2b4" providerId="LiveId" clId="{D9CE6366-D963-415B-8100-7D2C852AC910}" dt="2020-07-26T19:20:56.996" v="3019" actId="26606"/>
+          <ac:cxnSpMkLst>
+            <pc:docMk/>
+            <pc:sldMk cId="923883141" sldId="259"/>
+            <ac:cxnSpMk id="119" creationId="{055CEADF-09EA-423C-8C45-F94AF44D5AF0}"/>
+          </ac:cxnSpMkLst>
+        </pc:cxnChg>
+        <pc:cxnChg chg="add del">
+          <ac:chgData name="Magdalena Cieslak" userId="942c8a57c2faf2b4" providerId="LiveId" clId="{D9CE6366-D963-415B-8100-7D2C852AC910}" dt="2020-07-26T19:21:07.486" v="3025" actId="26606"/>
+          <ac:cxnSpMkLst>
+            <pc:docMk/>
+            <pc:sldMk cId="923883141" sldId="259"/>
+            <ac:cxnSpMk id="122" creationId="{C5025DAC-8B93-4160-B017-3A274A5828C0}"/>
+          </ac:cxnSpMkLst>
+        </pc:cxnChg>
+        <pc:cxnChg chg="add del">
+          <ac:chgData name="Magdalena Cieslak" userId="942c8a57c2faf2b4" providerId="LiveId" clId="{D9CE6366-D963-415B-8100-7D2C852AC910}" dt="2020-07-26T19:21:07.486" v="3025" actId="26606"/>
+          <ac:cxnSpMkLst>
+            <pc:docMk/>
+            <pc:sldMk cId="923883141" sldId="259"/>
+            <ac:cxnSpMk id="124" creationId="{38A34772-9011-42B5-AA63-FD6DEC92EE72}"/>
+          </ac:cxnSpMkLst>
+        </pc:cxnChg>
+      </pc:sldChg>
+      <pc:sldChg chg="new del">
+        <pc:chgData name="Magdalena Cieslak" userId="942c8a57c2faf2b4" providerId="LiveId" clId="{D9CE6366-D963-415B-8100-7D2C852AC910}" dt="2020-07-26T19:08:55.288" v="2951" actId="47"/>
+        <pc:sldMkLst>
+          <pc:docMk/>
+          <pc:sldMk cId="2144101825" sldId="260"/>
+        </pc:sldMkLst>
+      </pc:sldChg>
+      <pc:sldChg chg="addSp delSp modSp new del mod setBg">
+        <pc:chgData name="Magdalena Cieslak" userId="942c8a57c2faf2b4" providerId="LiveId" clId="{D9CE6366-D963-415B-8100-7D2C852AC910}" dt="2020-07-26T19:19:09.928" v="2985" actId="47"/>
+        <pc:sldMkLst>
+          <pc:docMk/>
+          <pc:sldMk cId="2326833355" sldId="261"/>
+        </pc:sldMkLst>
+        <pc:spChg chg="add del mod">
+          <ac:chgData name="Magdalena Cieslak" userId="942c8a57c2faf2b4" providerId="LiveId" clId="{D9CE6366-D963-415B-8100-7D2C852AC910}" dt="2020-07-26T19:16:06.745" v="2972"/>
+          <ac:spMkLst>
+            <pc:docMk/>
+            <pc:sldMk cId="2326833355" sldId="261"/>
+            <ac:spMk id="2" creationId="{2C316E34-F1B8-4076-A835-4FD32E34ECC8}"/>
+          </ac:spMkLst>
+        </pc:spChg>
+      </pc:sldChg>
+      <pc:sldChg chg="new add del setBg">
+        <pc:chgData name="Magdalena Cieslak" userId="942c8a57c2faf2b4" providerId="LiveId" clId="{D9CE6366-D963-415B-8100-7D2C852AC910}" dt="2020-07-26T19:21:03.447" v="3023" actId="47"/>
+        <pc:sldMkLst>
+          <pc:docMk/>
+          <pc:sldMk cId="3234331507" sldId="262"/>
+        </pc:sldMkLst>
+      </pc:sldChg>
+      <pc:sldChg chg="new del setBg">
+        <pc:chgData name="Magdalena Cieslak" userId="942c8a57c2faf2b4" providerId="LiveId" clId="{D9CE6366-D963-415B-8100-7D2C852AC910}" dt="2020-07-26T19:19:11.495" v="2986" actId="47"/>
+        <pc:sldMkLst>
+          <pc:docMk/>
+          <pc:sldMk cId="72208928" sldId="263"/>
+        </pc:sldMkLst>
+      </pc:sldChg>
+      <pc:sldChg chg="new del setBg">
+        <pc:chgData name="Magdalena Cieslak" userId="942c8a57c2faf2b4" providerId="LiveId" clId="{D9CE6366-D963-415B-8100-7D2C852AC910}" dt="2020-07-26T19:19:13.338" v="2987" actId="47"/>
+        <pc:sldMkLst>
+          <pc:docMk/>
+          <pc:sldMk cId="2032690738" sldId="264"/>
+        </pc:sldMkLst>
+      </pc:sldChg>
+      <pc:sldChg chg="new del setBg">
+        <pc:chgData name="Magdalena Cieslak" userId="942c8a57c2faf2b4" providerId="LiveId" clId="{D9CE6366-D963-415B-8100-7D2C852AC910}" dt="2020-07-26T19:19:15.607" v="2988" actId="47"/>
+        <pc:sldMkLst>
+          <pc:docMk/>
+          <pc:sldMk cId="3966023174" sldId="265"/>
+        </pc:sldMkLst>
+      </pc:sldChg>
+      <pc:sldChg chg="new del setBg">
+        <pc:chgData name="Magdalena Cieslak" userId="942c8a57c2faf2b4" providerId="LiveId" clId="{D9CE6366-D963-415B-8100-7D2C852AC910}" dt="2020-07-26T19:19:17.073" v="2989" actId="47"/>
+        <pc:sldMkLst>
+          <pc:docMk/>
+          <pc:sldMk cId="2551802077" sldId="266"/>
+        </pc:sldMkLst>
+      </pc:sldChg>
+      <pc:sldChg chg="new del ord setBg">
+        <pc:chgData name="Magdalena Cieslak" userId="942c8a57c2faf2b4" providerId="LiveId" clId="{D9CE6366-D963-415B-8100-7D2C852AC910}" dt="2020-07-26T19:19:23.651" v="2993" actId="47"/>
+        <pc:sldMkLst>
+          <pc:docMk/>
+          <pc:sldMk cId="2767956951" sldId="267"/>
+        </pc:sldMkLst>
+      </pc:sldChg>
+      <pc:sldChg chg="new del setBg">
+        <pc:chgData name="Magdalena Cieslak" userId="942c8a57c2faf2b4" providerId="LiveId" clId="{D9CE6366-D963-415B-8100-7D2C852AC910}" dt="2020-07-26T19:19:22.916" v="2992" actId="47"/>
+        <pc:sldMkLst>
+          <pc:docMk/>
+          <pc:sldMk cId="2901695710" sldId="268"/>
+        </pc:sldMkLst>
+      </pc:sldChg>
+      <pc:sldChg chg="new del setBg">
+        <pc:chgData name="Magdalena Cieslak" userId="942c8a57c2faf2b4" providerId="LiveId" clId="{D9CE6366-D963-415B-8100-7D2C852AC910}" dt="2020-07-26T19:19:24.319" v="2994" actId="47"/>
+        <pc:sldMkLst>
+          <pc:docMk/>
+          <pc:sldMk cId="2649374552" sldId="269"/>
+        </pc:sldMkLst>
+      </pc:sldChg>
+      <pc:sldChg chg="addSp delSp modSp new mod setBg setClrOvrMap addCm delCm">
+        <pc:chgData name="Magdalena Cieslak" userId="942c8a57c2faf2b4" providerId="LiveId" clId="{D9CE6366-D963-415B-8100-7D2C852AC910}" dt="2020-07-26T20:02:11.507" v="3730" actId="20577"/>
+        <pc:sldMkLst>
+          <pc:docMk/>
+          <pc:sldMk cId="959057116" sldId="270"/>
+        </pc:sldMkLst>
+        <pc:spChg chg="del">
+          <ac:chgData name="Magdalena Cieslak" userId="942c8a57c2faf2b4" providerId="LiveId" clId="{D9CE6366-D963-415B-8100-7D2C852AC910}" dt="2020-07-26T19:16:21.305" v="2974" actId="931"/>
+          <ac:spMkLst>
+            <pc:docMk/>
+            <pc:sldMk cId="959057116" sldId="270"/>
+            <ac:spMk id="2" creationId="{D22F788C-1050-445E-8E85-E5349B2BD910}"/>
+          </ac:spMkLst>
+        </pc:spChg>
+        <pc:spChg chg="mod">
+          <ac:chgData name="Magdalena Cieslak" userId="942c8a57c2faf2b4" providerId="LiveId" clId="{D9CE6366-D963-415B-8100-7D2C852AC910}" dt="2020-07-26T19:46:38.336" v="3511" actId="26606"/>
+          <ac:spMkLst>
+            <pc:docMk/>
+            <pc:sldMk cId="959057116" sldId="270"/>
+            <ac:spMk id="3" creationId="{99BD198B-B182-4976-B6BF-659CA1C83648}"/>
+          </ac:spMkLst>
+        </pc:spChg>
+        <pc:spChg chg="mod">
+          <ac:chgData name="Magdalena Cieslak" userId="942c8a57c2faf2b4" providerId="LiveId" clId="{D9CE6366-D963-415B-8100-7D2C852AC910}" dt="2020-07-26T19:46:38.336" v="3511" actId="26606"/>
+          <ac:spMkLst>
+            <pc:docMk/>
+            <pc:sldMk cId="959057116" sldId="270"/>
+            <ac:spMk id="4" creationId="{AA3759ED-5254-4F87-A0B3-8AC6B41FBCF2}"/>
+          </ac:spMkLst>
+        </pc:spChg>
+        <pc:spChg chg="add del mod">
+          <ac:chgData name="Magdalena Cieslak" userId="942c8a57c2faf2b4" providerId="LiveId" clId="{D9CE6366-D963-415B-8100-7D2C852AC910}" dt="2020-07-26T19:41:43.981" v="3464"/>
+          <ac:spMkLst>
+            <pc:docMk/>
+            <pc:sldMk cId="959057116" sldId="270"/>
+            <ac:spMk id="8" creationId="{CDB3AB76-4301-4AD6-B16E-FAE73316646F}"/>
+          </ac:spMkLst>
+        </pc:spChg>
+        <pc:spChg chg="add del">
+          <ac:chgData name="Magdalena Cieslak" userId="942c8a57c2faf2b4" providerId="LiveId" clId="{D9CE6366-D963-415B-8100-7D2C852AC910}" dt="2020-07-26T19:41:13.759" v="3461" actId="26606"/>
+          <ac:spMkLst>
+            <pc:docMk/>
+            <pc:sldMk cId="959057116" sldId="270"/>
+            <ac:spMk id="11" creationId="{39E3965E-AC41-4711-9D10-E25ABB132D86}"/>
+          </ac:spMkLst>
+        </pc:spChg>
+        <pc:spChg chg="add del mod">
+          <ac:chgData name="Magdalena Cieslak" userId="942c8a57c2faf2b4" providerId="LiveId" clId="{D9CE6366-D963-415B-8100-7D2C852AC910}" dt="2020-07-26T19:42:23.482" v="3474" actId="931"/>
+          <ac:spMkLst>
+            <pc:docMk/>
+            <pc:sldMk cId="959057116" sldId="270"/>
+            <ac:spMk id="14" creationId="{063AE448-B563-4246-BF0C-1BCD5385FB21}"/>
+          </ac:spMkLst>
+        </pc:spChg>
+        <pc:spChg chg="add del">
+          <ac:chgData name="Magdalena Cieslak" userId="942c8a57c2faf2b4" providerId="LiveId" clId="{D9CE6366-D963-415B-8100-7D2C852AC910}" dt="2020-07-26T19:41:13.759" v="3461" actId="26606"/>
+          <ac:spMkLst>
+            <pc:docMk/>
+            <pc:sldMk cId="959057116" sldId="270"/>
+            <ac:spMk id="15" creationId="{990BAFCD-EA0A-47F4-8B00-AAB1E67A90CC}"/>
+          </ac:spMkLst>
+        </pc:spChg>
+        <pc:spChg chg="add del">
+          <ac:chgData name="Magdalena Cieslak" userId="942c8a57c2faf2b4" providerId="LiveId" clId="{D9CE6366-D963-415B-8100-7D2C852AC910}" dt="2020-07-26T19:41:13.759" v="3461" actId="26606"/>
+          <ac:spMkLst>
+            <pc:docMk/>
+            <pc:sldMk cId="959057116" sldId="270"/>
+            <ac:spMk id="17" creationId="{2F9C61D6-37CC-4AD4-83C3-022D08874179}"/>
+          </ac:spMkLst>
+        </pc:spChg>
+        <pc:spChg chg="add del">
+          <ac:chgData name="Magdalena Cieslak" userId="942c8a57c2faf2b4" providerId="LiveId" clId="{D9CE6366-D963-415B-8100-7D2C852AC910}" dt="2020-07-26T19:42:37.320" v="3481" actId="26606"/>
+          <ac:spMkLst>
+            <pc:docMk/>
+            <pc:sldMk cId="959057116" sldId="270"/>
+            <ac:spMk id="21" creationId="{416A0E3C-60E6-4F39-BC55-5F7C224E1F7C}"/>
+          </ac:spMkLst>
+        </pc:spChg>
+        <pc:spChg chg="add del">
+          <ac:chgData name="Magdalena Cieslak" userId="942c8a57c2faf2b4" providerId="LiveId" clId="{D9CE6366-D963-415B-8100-7D2C852AC910}" dt="2020-07-26T19:42:37.320" v="3481" actId="26606"/>
+          <ac:spMkLst>
+            <pc:docMk/>
+            <pc:sldMk cId="959057116" sldId="270"/>
+            <ac:spMk id="23" creationId="{39B4056F-1959-4627-A683-77F6C0603FCD}"/>
+          </ac:spMkLst>
+        </pc:spChg>
+        <pc:spChg chg="add del">
+          <ac:chgData name="Magdalena Cieslak" userId="942c8a57c2faf2b4" providerId="LiveId" clId="{D9CE6366-D963-415B-8100-7D2C852AC910}" dt="2020-07-26T19:42:37.320" v="3481" actId="26606"/>
+          <ac:spMkLst>
+            <pc:docMk/>
+            <pc:sldMk cId="959057116" sldId="270"/>
+            <ac:spMk id="24" creationId="{D8D7349B-C9FA-4FCE-A1FF-948F460A3A9A}"/>
+          </ac:spMkLst>
+        </pc:spChg>
+        <pc:spChg chg="add mod">
+          <ac:chgData name="Magdalena Cieslak" userId="942c8a57c2faf2b4" providerId="LiveId" clId="{D9CE6366-D963-415B-8100-7D2C852AC910}" dt="2020-07-26T20:02:11.507" v="3730" actId="20577"/>
+          <ac:spMkLst>
+            <pc:docMk/>
+            <pc:sldMk cId="959057116" sldId="270"/>
+            <ac:spMk id="27" creationId="{7005F134-E505-4E14-8D3C-240152FD395B}"/>
+          </ac:spMkLst>
+        </pc:spChg>
+        <pc:spChg chg="add del">
+          <ac:chgData name="Magdalena Cieslak" userId="942c8a57c2faf2b4" providerId="LiveId" clId="{D9CE6366-D963-415B-8100-7D2C852AC910}" dt="2020-07-26T19:46:38.336" v="3511" actId="26606"/>
+          <ac:spMkLst>
+            <pc:docMk/>
+            <pc:sldMk cId="959057116" sldId="270"/>
+            <ac:spMk id="30" creationId="{416A0E3C-60E6-4F39-BC55-5F7C224E1F7C}"/>
+          </ac:spMkLst>
+        </pc:spChg>
+        <pc:spChg chg="add del">
+          <ac:chgData name="Magdalena Cieslak" userId="942c8a57c2faf2b4" providerId="LiveId" clId="{D9CE6366-D963-415B-8100-7D2C852AC910}" dt="2020-07-26T19:46:38.336" v="3511" actId="26606"/>
+          <ac:spMkLst>
+            <pc:docMk/>
+            <pc:sldMk cId="959057116" sldId="270"/>
+            <ac:spMk id="34" creationId="{E844E128-FF69-4E9F-8327-6B504B3C5AE1}"/>
+          </ac:spMkLst>
+        </pc:spChg>
+        <pc:spChg chg="add del">
+          <ac:chgData name="Magdalena Cieslak" userId="942c8a57c2faf2b4" providerId="LiveId" clId="{D9CE6366-D963-415B-8100-7D2C852AC910}" dt="2020-07-26T19:46:38.336" v="3511" actId="26606"/>
+          <ac:spMkLst>
+            <pc:docMk/>
+            <pc:sldMk cId="959057116" sldId="270"/>
+            <ac:spMk id="41" creationId="{416A0E3C-60E6-4F39-BC55-5F7C224E1F7C}"/>
+          </ac:spMkLst>
+        </pc:spChg>
+        <pc:spChg chg="add del">
+          <ac:chgData name="Magdalena Cieslak" userId="942c8a57c2faf2b4" providerId="LiveId" clId="{D9CE6366-D963-415B-8100-7D2C852AC910}" dt="2020-07-26T19:46:38.336" v="3511" actId="26606"/>
+          <ac:spMkLst>
+            <pc:docMk/>
+            <pc:sldMk cId="959057116" sldId="270"/>
+            <ac:spMk id="45" creationId="{E844E128-FF69-4E9F-8327-6B504B3C5AE1}"/>
+          </ac:spMkLst>
+        </pc:spChg>
+        <pc:picChg chg="add del mod">
+          <ac:chgData name="Magdalena Cieslak" userId="942c8a57c2faf2b4" providerId="LiveId" clId="{D9CE6366-D963-415B-8100-7D2C852AC910}" dt="2020-07-26T19:41:32.392" v="3463" actId="478"/>
+          <ac:picMkLst>
+            <pc:docMk/>
+            <pc:sldMk cId="959057116" sldId="270"/>
+            <ac:picMk id="6" creationId="{2E15E22A-174A-44A1-A117-5A784EB5CCE9}"/>
+          </ac:picMkLst>
+        </pc:picChg>
+        <pc:picChg chg="add del mod">
+          <ac:chgData name="Magdalena Cieslak" userId="942c8a57c2faf2b4" providerId="LiveId" clId="{D9CE6366-D963-415B-8100-7D2C852AC910}" dt="2020-07-26T19:42:06.624" v="3473" actId="478"/>
+          <ac:picMkLst>
+            <pc:docMk/>
+            <pc:sldMk cId="959057116" sldId="270"/>
+            <ac:picMk id="10" creationId="{FA1C39A6-C80F-4391-81E0-DF0748A8CDA7}"/>
+          </ac:picMkLst>
+        </pc:picChg>
+        <pc:picChg chg="add mod">
+          <ac:chgData name="Magdalena Cieslak" userId="942c8a57c2faf2b4" providerId="LiveId" clId="{D9CE6366-D963-415B-8100-7D2C852AC910}" dt="2020-07-26T19:46:38.336" v="3511" actId="26606"/>
+          <ac:picMkLst>
+            <pc:docMk/>
+            <pc:sldMk cId="959057116" sldId="270"/>
+            <ac:picMk id="18" creationId="{E4310FFD-93A6-4CFF-95E0-6AA59BACD90E}"/>
+          </ac:picMkLst>
+        </pc:picChg>
+        <pc:picChg chg="add mod">
+          <ac:chgData name="Magdalena Cieslak" userId="942c8a57c2faf2b4" providerId="LiveId" clId="{D9CE6366-D963-415B-8100-7D2C852AC910}" dt="2020-07-26T19:46:38.336" v="3511" actId="26606"/>
+          <ac:picMkLst>
+            <pc:docMk/>
+            <pc:sldMk cId="959057116" sldId="270"/>
+            <ac:picMk id="26" creationId="{D1731DE7-2D13-4A43-8F8D-B97E4F66C80D}"/>
+          </ac:picMkLst>
+        </pc:picChg>
+        <pc:cxnChg chg="add del">
+          <ac:chgData name="Magdalena Cieslak" userId="942c8a57c2faf2b4" providerId="LiveId" clId="{D9CE6366-D963-415B-8100-7D2C852AC910}" dt="2020-07-26T19:41:13.759" v="3461" actId="26606"/>
+          <ac:cxnSpMkLst>
+            <pc:docMk/>
+            <pc:sldMk cId="959057116" sldId="270"/>
+            <ac:cxnSpMk id="13" creationId="{1F5DC8C3-BA5F-4EED-BB9A-A14272BD82A1}"/>
+          </ac:cxnSpMkLst>
+        </pc:cxnChg>
+        <pc:cxnChg chg="add del">
+          <ac:chgData name="Magdalena Cieslak" userId="942c8a57c2faf2b4" providerId="LiveId" clId="{D9CE6366-D963-415B-8100-7D2C852AC910}" dt="2020-07-26T19:41:13.759" v="3461" actId="26606"/>
+          <ac:cxnSpMkLst>
+            <pc:docMk/>
+            <pc:sldMk cId="959057116" sldId="270"/>
+            <ac:cxnSpMk id="19" creationId="{2669285E-35F6-4010-B084-229A808458CD}"/>
+          </ac:cxnSpMkLst>
+        </pc:cxnChg>
+        <pc:cxnChg chg="add del">
+          <ac:chgData name="Magdalena Cieslak" userId="942c8a57c2faf2b4" providerId="LiveId" clId="{D9CE6366-D963-415B-8100-7D2C852AC910}" dt="2020-07-26T19:42:37.320" v="3481" actId="26606"/>
+          <ac:cxnSpMkLst>
+            <pc:docMk/>
+            <pc:sldMk cId="959057116" sldId="270"/>
+            <ac:cxnSpMk id="22" creationId="{C5025DAC-8B93-4160-B017-3A274A5828C0}"/>
+          </ac:cxnSpMkLst>
+        </pc:cxnChg>
+        <pc:cxnChg chg="add del">
+          <ac:chgData name="Magdalena Cieslak" userId="942c8a57c2faf2b4" providerId="LiveId" clId="{D9CE6366-D963-415B-8100-7D2C852AC910}" dt="2020-07-26T19:42:37.320" v="3481" actId="26606"/>
+          <ac:cxnSpMkLst>
+            <pc:docMk/>
+            <pc:sldMk cId="959057116" sldId="270"/>
+            <ac:cxnSpMk id="25" creationId="{55646586-8E5D-4A2B-BDA9-01CE28AC89A1}"/>
+          </ac:cxnSpMkLst>
+        </pc:cxnChg>
+        <pc:cxnChg chg="add del">
+          <ac:chgData name="Magdalena Cieslak" userId="942c8a57c2faf2b4" providerId="LiveId" clId="{D9CE6366-D963-415B-8100-7D2C852AC910}" dt="2020-07-26T19:46:38.336" v="3511" actId="26606"/>
+          <ac:cxnSpMkLst>
+            <pc:docMk/>
+            <pc:sldMk cId="959057116" sldId="270"/>
+            <ac:cxnSpMk id="32" creationId="{C5025DAC-8B93-4160-B017-3A274A5828C0}"/>
+          </ac:cxnSpMkLst>
+        </pc:cxnChg>
+        <pc:cxnChg chg="add del">
+          <ac:chgData name="Magdalena Cieslak" userId="942c8a57c2faf2b4" providerId="LiveId" clId="{D9CE6366-D963-415B-8100-7D2C852AC910}" dt="2020-07-26T19:46:38.336" v="3511" actId="26606"/>
+          <ac:cxnSpMkLst>
+            <pc:docMk/>
+            <pc:sldMk cId="959057116" sldId="270"/>
+            <ac:cxnSpMk id="36" creationId="{055CEADF-09EA-423C-8C45-F94AF44D5AF0}"/>
+          </ac:cxnSpMkLst>
+        </pc:cxnChg>
+        <pc:cxnChg chg="add del">
+          <ac:chgData name="Magdalena Cieslak" userId="942c8a57c2faf2b4" providerId="LiveId" clId="{D9CE6366-D963-415B-8100-7D2C852AC910}" dt="2020-07-26T19:46:38.336" v="3511" actId="26606"/>
+          <ac:cxnSpMkLst>
+            <pc:docMk/>
+            <pc:sldMk cId="959057116" sldId="270"/>
+            <ac:cxnSpMk id="43" creationId="{C5025DAC-8B93-4160-B017-3A274A5828C0}"/>
+          </ac:cxnSpMkLst>
+        </pc:cxnChg>
+        <pc:cxnChg chg="add del">
+          <ac:chgData name="Magdalena Cieslak" userId="942c8a57c2faf2b4" providerId="LiveId" clId="{D9CE6366-D963-415B-8100-7D2C852AC910}" dt="2020-07-26T19:46:38.336" v="3511" actId="26606"/>
+          <ac:cxnSpMkLst>
+            <pc:docMk/>
+            <pc:sldMk cId="959057116" sldId="270"/>
+            <ac:cxnSpMk id="47" creationId="{055CEADF-09EA-423C-8C45-F94AF44D5AF0}"/>
+          </ac:cxnSpMkLst>
+        </pc:cxnChg>
+      </pc:sldChg>
+      <pc:sldChg chg="addSp delSp modSp new mod setBg setClrOvrMap">
+        <pc:chgData name="Magdalena Cieslak" userId="942c8a57c2faf2b4" providerId="LiveId" clId="{D9CE6366-D963-415B-8100-7D2C852AC910}" dt="2020-07-26T21:49:51.607" v="5570" actId="1076"/>
+        <pc:sldMkLst>
+          <pc:docMk/>
+          <pc:sldMk cId="2901312103" sldId="271"/>
+        </pc:sldMkLst>
+        <pc:spChg chg="del">
+          <ac:chgData name="Magdalena Cieslak" userId="942c8a57c2faf2b4" providerId="LiveId" clId="{D9CE6366-D963-415B-8100-7D2C852AC910}" dt="2020-07-26T20:04:17.193" v="3752"/>
+          <ac:spMkLst>
+            <pc:docMk/>
+            <pc:sldMk cId="2901312103" sldId="271"/>
+            <ac:spMk id="2" creationId="{1004ACC9-F5D3-4D6F-BF99-0E92E5E74986}"/>
+          </ac:spMkLst>
+        </pc:spChg>
+        <pc:spChg chg="mod">
+          <ac:chgData name="Magdalena Cieslak" userId="942c8a57c2faf2b4" providerId="LiveId" clId="{D9CE6366-D963-415B-8100-7D2C852AC910}" dt="2020-07-26T20:09:20.758" v="3841" actId="20577"/>
+          <ac:spMkLst>
+            <pc:docMk/>
+            <pc:sldMk cId="2901312103" sldId="271"/>
+            <ac:spMk id="3" creationId="{EF672829-BDDB-4692-843D-5E9EA8E6F881}"/>
+          </ac:spMkLst>
+        </pc:spChg>
+        <pc:spChg chg="mod">
+          <ac:chgData name="Magdalena Cieslak" userId="942c8a57c2faf2b4" providerId="LiveId" clId="{D9CE6366-D963-415B-8100-7D2C852AC910}" dt="2020-07-26T21:49:51.607" v="5570" actId="1076"/>
+          <ac:spMkLst>
+            <pc:docMk/>
+            <pc:sldMk cId="2901312103" sldId="271"/>
+            <ac:spMk id="4" creationId="{D607761E-E61C-4EC9-88FB-919A254E7FF4}"/>
+          </ac:spMkLst>
+        </pc:spChg>
+        <pc:spChg chg="add del mod">
+          <ac:chgData name="Magdalena Cieslak" userId="942c8a57c2faf2b4" providerId="LiveId" clId="{D9CE6366-D963-415B-8100-7D2C852AC910}" dt="2020-07-26T20:04:58.027" v="3761" actId="931"/>
+          <ac:spMkLst>
+            <pc:docMk/>
+            <pc:sldMk cId="2901312103" sldId="271"/>
+            <ac:spMk id="8" creationId="{A8590080-187D-45BC-A788-C7820B697295}"/>
+          </ac:spMkLst>
+        </pc:spChg>
+        <pc:spChg chg="add del">
+          <ac:chgData name="Magdalena Cieslak" userId="942c8a57c2faf2b4" providerId="LiveId" clId="{D9CE6366-D963-415B-8100-7D2C852AC910}" dt="2020-07-26T20:06:42.905" v="3785" actId="26606"/>
+          <ac:spMkLst>
+            <pc:docMk/>
+            <pc:sldMk cId="2901312103" sldId="271"/>
+            <ac:spMk id="15" creationId="{416A0E3C-60E6-4F39-BC55-5F7C224E1F7C}"/>
+          </ac:spMkLst>
+        </pc:spChg>
+        <pc:spChg chg="add del">
+          <ac:chgData name="Magdalena Cieslak" userId="942c8a57c2faf2b4" providerId="LiveId" clId="{D9CE6366-D963-415B-8100-7D2C852AC910}" dt="2020-07-26T20:06:42.905" v="3785" actId="26606"/>
+          <ac:spMkLst>
+            <pc:docMk/>
+            <pc:sldMk cId="2901312103" sldId="271"/>
+            <ac:spMk id="19" creationId="{0AB6E427-3F73-4C06-A5D5-AE52C3883B50}"/>
+          </ac:spMkLst>
+        </pc:spChg>
+        <pc:spChg chg="add del">
+          <ac:chgData name="Magdalena Cieslak" userId="942c8a57c2faf2b4" providerId="LiveId" clId="{D9CE6366-D963-415B-8100-7D2C852AC910}" dt="2020-07-26T20:06:42.905" v="3785" actId="26606"/>
+          <ac:spMkLst>
+            <pc:docMk/>
+            <pc:sldMk cId="2901312103" sldId="271"/>
+            <ac:spMk id="21" creationId="{D8C9BDAA-0390-4B39-9B5C-BC95E5120DA4}"/>
+          </ac:spMkLst>
+        </pc:spChg>
+        <pc:spChg chg="add del">
+          <ac:chgData name="Magdalena Cieslak" userId="942c8a57c2faf2b4" providerId="LiveId" clId="{D9CE6366-D963-415B-8100-7D2C852AC910}" dt="2020-07-26T20:06:35.853" v="3777" actId="26606"/>
+          <ac:spMkLst>
+            <pc:docMk/>
+            <pc:sldMk cId="2901312103" sldId="271"/>
+            <ac:spMk id="28" creationId="{416A0E3C-60E6-4F39-BC55-5F7C224E1F7C}"/>
+          </ac:spMkLst>
+        </pc:spChg>
+        <pc:spChg chg="add del">
+          <ac:chgData name="Magdalena Cieslak" userId="942c8a57c2faf2b4" providerId="LiveId" clId="{D9CE6366-D963-415B-8100-7D2C852AC910}" dt="2020-07-26T20:06:35.853" v="3777" actId="26606"/>
+          <ac:spMkLst>
+            <pc:docMk/>
+            <pc:sldMk cId="2901312103" sldId="271"/>
+            <ac:spMk id="32" creationId="{E844E128-FF69-4E9F-8327-6B504B3C5AE1}"/>
+          </ac:spMkLst>
+        </pc:spChg>
+        <pc:picChg chg="add del mod">
+          <ac:chgData name="Magdalena Cieslak" userId="942c8a57c2faf2b4" providerId="LiveId" clId="{D9CE6366-D963-415B-8100-7D2C852AC910}" dt="2020-07-26T20:04:35.350" v="3760" actId="478"/>
+          <ac:picMkLst>
+            <pc:docMk/>
+            <pc:sldMk cId="2901312103" sldId="271"/>
+            <ac:picMk id="6" creationId="{07B0B8C5-33E0-43A2-A6F2-251A516B7E6C}"/>
+          </ac:picMkLst>
+        </pc:picChg>
+        <pc:picChg chg="add mod ord">
+          <ac:chgData name="Magdalena Cieslak" userId="942c8a57c2faf2b4" providerId="LiveId" clId="{D9CE6366-D963-415B-8100-7D2C852AC910}" dt="2020-07-26T20:11:35.536" v="3932" actId="1076"/>
+          <ac:picMkLst>
+            <pc:docMk/>
+            <pc:sldMk cId="2901312103" sldId="271"/>
+            <ac:picMk id="10" creationId="{22328F5F-B401-4C86-8CEA-345456F44579}"/>
+          </ac:picMkLst>
+        </pc:picChg>
+        <pc:picChg chg="add del mod">
+          <ac:chgData name="Magdalena Cieslak" userId="942c8a57c2faf2b4" providerId="LiveId" clId="{D9CE6366-D963-415B-8100-7D2C852AC910}" dt="2020-07-26T20:06:40.014" v="3781"/>
+          <ac:picMkLst>
+            <pc:docMk/>
+            <pc:sldMk cId="2901312103" sldId="271"/>
+            <ac:picMk id="12" creationId="{E7172967-F20D-47BA-A7BE-5DA65A2BFD2D}"/>
+          </ac:picMkLst>
+        </pc:picChg>
+        <pc:picChg chg="add mod">
+          <ac:chgData name="Magdalena Cieslak" userId="942c8a57c2faf2b4" providerId="LiveId" clId="{D9CE6366-D963-415B-8100-7D2C852AC910}" dt="2020-07-26T20:11:31.054" v="3931" actId="1076"/>
+          <ac:picMkLst>
+            <pc:docMk/>
+            <pc:sldMk cId="2901312103" sldId="271"/>
+            <ac:picMk id="14" creationId="{9A33DC0F-B4CB-40B2-A28B-A5CE0F02E704}"/>
+          </ac:picMkLst>
+        </pc:picChg>
+        <pc:cxnChg chg="add del">
+          <ac:chgData name="Magdalena Cieslak" userId="942c8a57c2faf2b4" providerId="LiveId" clId="{D9CE6366-D963-415B-8100-7D2C852AC910}" dt="2020-07-26T20:06:42.905" v="3785" actId="26606"/>
+          <ac:cxnSpMkLst>
+            <pc:docMk/>
+            <pc:sldMk cId="2901312103" sldId="271"/>
+            <ac:cxnSpMk id="17" creationId="{C5025DAC-8B93-4160-B017-3A274A5828C0}"/>
+          </ac:cxnSpMkLst>
+        </pc:cxnChg>
+        <pc:cxnChg chg="add del">
+          <ac:chgData name="Magdalena Cieslak" userId="942c8a57c2faf2b4" providerId="LiveId" clId="{D9CE6366-D963-415B-8100-7D2C852AC910}" dt="2020-07-26T20:06:42.905" v="3785" actId="26606"/>
+          <ac:cxnSpMkLst>
+            <pc:docMk/>
+            <pc:sldMk cId="2901312103" sldId="271"/>
+            <ac:cxnSpMk id="23" creationId="{E04A321A-A039-4720-87B4-66A4210E0D57}"/>
+          </ac:cxnSpMkLst>
+        </pc:cxnChg>
+        <pc:cxnChg chg="add del">
+          <ac:chgData name="Magdalena Cieslak" userId="942c8a57c2faf2b4" providerId="LiveId" clId="{D9CE6366-D963-415B-8100-7D2C852AC910}" dt="2020-07-26T20:06:35.853" v="3777" actId="26606"/>
+          <ac:cxnSpMkLst>
+            <pc:docMk/>
+            <pc:sldMk cId="2901312103" sldId="271"/>
+            <ac:cxnSpMk id="30" creationId="{C5025DAC-8B93-4160-B017-3A274A5828C0}"/>
+          </ac:cxnSpMkLst>
+        </pc:cxnChg>
+        <pc:cxnChg chg="add del">
+          <ac:chgData name="Magdalena Cieslak" userId="942c8a57c2faf2b4" providerId="LiveId" clId="{D9CE6366-D963-415B-8100-7D2C852AC910}" dt="2020-07-26T20:06:35.853" v="3777" actId="26606"/>
+          <ac:cxnSpMkLst>
+            <pc:docMk/>
+            <pc:sldMk cId="2901312103" sldId="271"/>
+            <ac:cxnSpMk id="34" creationId="{055CEADF-09EA-423C-8C45-F94AF44D5AF0}"/>
+          </ac:cxnSpMkLst>
+        </pc:cxnChg>
+      </pc:sldChg>
+      <pc:sldChg chg="addSp delSp modSp new del mod setBg setClrOvrMap delDesignElem chgLayout">
+        <pc:chgData name="Magdalena Cieslak" userId="942c8a57c2faf2b4" providerId="LiveId" clId="{D9CE6366-D963-415B-8100-7D2C852AC910}" dt="2020-07-26T19:19:07.124" v="2984" actId="47"/>
+        <pc:sldMkLst>
+          <pc:docMk/>
+          <pc:sldMk cId="2945365345" sldId="271"/>
+        </pc:sldMkLst>
+        <pc:spChg chg="del">
+          <ac:chgData name="Magdalena Cieslak" userId="942c8a57c2faf2b4" providerId="LiveId" clId="{D9CE6366-D963-415B-8100-7D2C852AC910}" dt="2020-07-26T19:17:28.234" v="2978" actId="26606"/>
+          <ac:spMkLst>
+            <pc:docMk/>
+            <pc:sldMk cId="2945365345" sldId="271"/>
+            <ac:spMk id="2" creationId="{B8C82FAF-93DE-415F-9EC7-51205F9F7926}"/>
+          </ac:spMkLst>
+        </pc:spChg>
+        <pc:spChg chg="del mod">
+          <ac:chgData name="Magdalena Cieslak" userId="942c8a57c2faf2b4" providerId="LiveId" clId="{D9CE6366-D963-415B-8100-7D2C852AC910}" dt="2020-07-26T19:18:54.400" v="2983" actId="700"/>
+          <ac:spMkLst>
+            <pc:docMk/>
+            <pc:sldMk cId="2945365345" sldId="271"/>
+            <ac:spMk id="3" creationId="{08227353-C3DD-4FEB-B122-F0904069C5DF}"/>
+          </ac:spMkLst>
+        </pc:spChg>
+        <pc:spChg chg="del mod">
+          <ac:chgData name="Magdalena Cieslak" userId="942c8a57c2faf2b4" providerId="LiveId" clId="{D9CE6366-D963-415B-8100-7D2C852AC910}" dt="2020-07-26T19:18:54.400" v="2983" actId="700"/>
+          <ac:spMkLst>
+            <pc:docMk/>
+            <pc:sldMk cId="2945365345" sldId="271"/>
+            <ac:spMk id="4" creationId="{593AE3C9-D508-477A-9875-4E805370C3C6}"/>
+          </ac:spMkLst>
+        </pc:spChg>
+        <pc:spChg chg="add del">
+          <ac:chgData name="Magdalena Cieslak" userId="942c8a57c2faf2b4" providerId="LiveId" clId="{D9CE6366-D963-415B-8100-7D2C852AC910}" dt="2020-07-26T19:18:54.400" v="2983" actId="700"/>
+          <ac:spMkLst>
+            <pc:docMk/>
+            <pc:sldMk cId="2945365345" sldId="271"/>
+            <ac:spMk id="9" creationId="{416A0E3C-60E6-4F39-BC55-5F7C224E1F7C}"/>
+          </ac:spMkLst>
+        </pc:spChg>
+        <pc:spChg chg="add del">
+          <ac:chgData name="Magdalena Cieslak" userId="942c8a57c2faf2b4" providerId="LiveId" clId="{D9CE6366-D963-415B-8100-7D2C852AC910}" dt="2020-07-26T19:18:54.400" v="2983" actId="700"/>
+          <ac:spMkLst>
+            <pc:docMk/>
+            <pc:sldMk cId="2945365345" sldId="271"/>
+            <ac:spMk id="13" creationId="{C8DD82D3-D002-45B0-B16A-82B3DA4EFDDB}"/>
+          </ac:spMkLst>
+        </pc:spChg>
+        <pc:cxnChg chg="add del">
+          <ac:chgData name="Magdalena Cieslak" userId="942c8a57c2faf2b4" providerId="LiveId" clId="{D9CE6366-D963-415B-8100-7D2C852AC910}" dt="2020-07-26T19:18:54.400" v="2983" actId="700"/>
+          <ac:cxnSpMkLst>
+            <pc:docMk/>
+            <pc:sldMk cId="2945365345" sldId="271"/>
+            <ac:cxnSpMk id="11" creationId="{C5025DAC-8B93-4160-B017-3A274A5828C0}"/>
+          </ac:cxnSpMkLst>
+        </pc:cxnChg>
+        <pc:cxnChg chg="add del">
+          <ac:chgData name="Magdalena Cieslak" userId="942c8a57c2faf2b4" providerId="LiveId" clId="{D9CE6366-D963-415B-8100-7D2C852AC910}" dt="2020-07-26T19:18:54.400" v="2983" actId="700"/>
+          <ac:cxnSpMkLst>
+            <pc:docMk/>
+            <pc:sldMk cId="2945365345" sldId="271"/>
+            <ac:cxnSpMk id="15" creationId="{9F09C252-16FE-4557-AD6D-BB5CA773496C}"/>
+          </ac:cxnSpMkLst>
+        </pc:cxnChg>
+      </pc:sldChg>
+      <pc:sldChg chg="addSp delSp modSp new mod setBg setClrOvrMap">
+        <pc:chgData name="Magdalena Cieslak" userId="942c8a57c2faf2b4" providerId="LiveId" clId="{D9CE6366-D963-415B-8100-7D2C852AC910}" dt="2020-07-26T20:44:52.199" v="4434" actId="313"/>
+        <pc:sldMkLst>
+          <pc:docMk/>
+          <pc:sldMk cId="58050193" sldId="272"/>
+        </pc:sldMkLst>
+        <pc:spChg chg="del">
+          <ac:chgData name="Magdalena Cieslak" userId="942c8a57c2faf2b4" providerId="LiveId" clId="{D9CE6366-D963-415B-8100-7D2C852AC910}" dt="2020-07-26T20:19:31.015" v="4055" actId="931"/>
+          <ac:spMkLst>
+            <pc:docMk/>
+            <pc:sldMk cId="58050193" sldId="272"/>
+            <ac:spMk id="2" creationId="{59F6DF1F-5117-4C8A-AB2D-1186F204EA23}"/>
+          </ac:spMkLst>
+        </pc:spChg>
+        <pc:spChg chg="mod">
+          <ac:chgData name="Magdalena Cieslak" userId="942c8a57c2faf2b4" providerId="LiveId" clId="{D9CE6366-D963-415B-8100-7D2C852AC910}" dt="2020-07-26T20:30:41.204" v="4137" actId="2711"/>
+          <ac:spMkLst>
+            <pc:docMk/>
+            <pc:sldMk cId="58050193" sldId="272"/>
+            <ac:spMk id="3" creationId="{47043ACB-8A3B-4297-977B-3727C835561A}"/>
+          </ac:spMkLst>
+        </pc:spChg>
+        <pc:spChg chg="mod">
+          <ac:chgData name="Magdalena Cieslak" userId="942c8a57c2faf2b4" providerId="LiveId" clId="{D9CE6366-D963-415B-8100-7D2C852AC910}" dt="2020-07-26T20:44:52.199" v="4434" actId="313"/>
+          <ac:spMkLst>
+            <pc:docMk/>
+            <pc:sldMk cId="58050193" sldId="272"/>
+            <ac:spMk id="4" creationId="{D3DD9E27-0D52-4FC3-890B-6D826EA8EA44}"/>
+          </ac:spMkLst>
+        </pc:spChg>
+        <pc:spChg chg="add del mod">
+          <ac:chgData name="Magdalena Cieslak" userId="942c8a57c2faf2b4" providerId="LiveId" clId="{D9CE6366-D963-415B-8100-7D2C852AC910}" dt="2020-07-26T20:20:22.782" v="4063"/>
+          <ac:spMkLst>
+            <pc:docMk/>
+            <pc:sldMk cId="58050193" sldId="272"/>
+            <ac:spMk id="8" creationId="{F962188C-7F3B-4B8A-9BA8-DDD819F58434}"/>
+          </ac:spMkLst>
+        </pc:spChg>
+        <pc:spChg chg="add del mod">
+          <ac:chgData name="Magdalena Cieslak" userId="942c8a57c2faf2b4" providerId="LiveId" clId="{D9CE6366-D963-415B-8100-7D2C852AC910}" dt="2020-07-26T20:22:36.331" v="4078" actId="26606"/>
+          <ac:spMkLst>
+            <pc:docMk/>
+            <pc:sldMk cId="58050193" sldId="272"/>
+            <ac:spMk id="14" creationId="{30DF2811-FA32-4801-862E-BD06418A0050}"/>
+          </ac:spMkLst>
+        </pc:spChg>
+        <pc:spChg chg="add del">
+          <ac:chgData name="Magdalena Cieslak" userId="942c8a57c2faf2b4" providerId="LiveId" clId="{D9CE6366-D963-415B-8100-7D2C852AC910}" dt="2020-07-26T20:22:34.759" v="4075" actId="26606"/>
+          <ac:spMkLst>
+            <pc:docMk/>
+            <pc:sldMk cId="58050193" sldId="272"/>
+            <ac:spMk id="19" creationId="{416A0E3C-60E6-4F39-BC55-5F7C224E1F7C}"/>
+          </ac:spMkLst>
+        </pc:spChg>
+        <pc:spChg chg="add del">
+          <ac:chgData name="Magdalena Cieslak" userId="942c8a57c2faf2b4" providerId="LiveId" clId="{D9CE6366-D963-415B-8100-7D2C852AC910}" dt="2020-07-26T20:22:34.759" v="4075" actId="26606"/>
+          <ac:spMkLst>
+            <pc:docMk/>
+            <pc:sldMk cId="58050193" sldId="272"/>
+            <ac:spMk id="23" creationId="{E844E128-FF69-4E9F-8327-6B504B3C5AE1}"/>
+          </ac:spMkLst>
+        </pc:spChg>
+        <pc:spChg chg="add del">
+          <ac:chgData name="Magdalena Cieslak" userId="942c8a57c2faf2b4" providerId="LiveId" clId="{D9CE6366-D963-415B-8100-7D2C852AC910}" dt="2020-07-26T20:22:36.313" v="4077" actId="26606"/>
+          <ac:spMkLst>
+            <pc:docMk/>
+            <pc:sldMk cId="58050193" sldId="272"/>
+            <ac:spMk id="27" creationId="{8B53612E-ADB2-4457-9688-89506397AF28}"/>
+          </ac:spMkLst>
+        </pc:spChg>
+        <pc:spChg chg="add del">
+          <ac:chgData name="Magdalena Cieslak" userId="942c8a57c2faf2b4" providerId="LiveId" clId="{D9CE6366-D963-415B-8100-7D2C852AC910}" dt="2020-07-26T20:22:36.313" v="4077" actId="26606"/>
+          <ac:spMkLst>
+            <pc:docMk/>
+            <pc:sldMk cId="58050193" sldId="272"/>
+            <ac:spMk id="28" creationId="{416A0E3C-60E6-4F39-BC55-5F7C224E1F7C}"/>
+          </ac:spMkLst>
+        </pc:spChg>
+        <pc:spChg chg="add del">
+          <ac:chgData name="Magdalena Cieslak" userId="942c8a57c2faf2b4" providerId="LiveId" clId="{D9CE6366-D963-415B-8100-7D2C852AC910}" dt="2020-07-26T20:22:36.313" v="4077" actId="26606"/>
+          <ac:spMkLst>
+            <pc:docMk/>
+            <pc:sldMk cId="58050193" sldId="272"/>
+            <ac:spMk id="30" creationId="{873ECEC8-0F24-45B8-950F-35FC94BCEAC8}"/>
+          </ac:spMkLst>
+        </pc:spChg>
+        <pc:spChg chg="add">
+          <ac:chgData name="Magdalena Cieslak" userId="942c8a57c2faf2b4" providerId="LiveId" clId="{D9CE6366-D963-415B-8100-7D2C852AC910}" dt="2020-07-26T20:22:36.331" v="4078" actId="26606"/>
+          <ac:spMkLst>
+            <pc:docMk/>
+            <pc:sldMk cId="58050193" sldId="272"/>
+            <ac:spMk id="33" creationId="{416A0E3C-60E6-4F39-BC55-5F7C224E1F7C}"/>
+          </ac:spMkLst>
+        </pc:spChg>
+        <pc:spChg chg="add">
+          <ac:chgData name="Magdalena Cieslak" userId="942c8a57c2faf2b4" providerId="LiveId" clId="{D9CE6366-D963-415B-8100-7D2C852AC910}" dt="2020-07-26T20:22:36.331" v="4078" actId="26606"/>
+          <ac:spMkLst>
+            <pc:docMk/>
+            <pc:sldMk cId="58050193" sldId="272"/>
+            <ac:spMk id="35" creationId="{E844E128-FF69-4E9F-8327-6B504B3C5AE1}"/>
+          </ac:spMkLst>
+        </pc:spChg>
+        <pc:picChg chg="add del mod">
+          <ac:chgData name="Magdalena Cieslak" userId="942c8a57c2faf2b4" providerId="LiveId" clId="{D9CE6366-D963-415B-8100-7D2C852AC910}" dt="2020-07-26T20:19:57.270" v="4062" actId="478"/>
+          <ac:picMkLst>
+            <pc:docMk/>
+            <pc:sldMk cId="58050193" sldId="272"/>
+            <ac:picMk id="6" creationId="{49C218E0-C96D-4D02-98DF-114BFF07DF77}"/>
+          </ac:picMkLst>
+        </pc:picChg>
+        <pc:picChg chg="add del mod">
+          <ac:chgData name="Magdalena Cieslak" userId="942c8a57c2faf2b4" providerId="LiveId" clId="{D9CE6366-D963-415B-8100-7D2C852AC910}" dt="2020-07-26T20:21:44.920" v="4071" actId="478"/>
+          <ac:picMkLst>
+            <pc:docMk/>
+            <pc:sldMk cId="58050193" sldId="272"/>
+            <ac:picMk id="10" creationId="{D6F22404-467B-4198-8619-FC86120A56CC}"/>
+          </ac:picMkLst>
+        </pc:picChg>
+        <pc:picChg chg="add mod">
+          <ac:chgData name="Magdalena Cieslak" userId="942c8a57c2faf2b4" providerId="LiveId" clId="{D9CE6366-D963-415B-8100-7D2C852AC910}" dt="2020-07-26T20:31:05.521" v="4209" actId="1076"/>
+          <ac:picMkLst>
+            <pc:docMk/>
+            <pc:sldMk cId="58050193" sldId="272"/>
+            <ac:picMk id="12" creationId="{57407AA9-FCE1-45E6-A66D-286B8E3BA5D4}"/>
+          </ac:picMkLst>
+        </pc:picChg>
+        <pc:picChg chg="add del mod">
+          <ac:chgData name="Magdalena Cieslak" userId="942c8a57c2faf2b4" providerId="LiveId" clId="{D9CE6366-D963-415B-8100-7D2C852AC910}" dt="2020-07-26T20:26:28.961" v="4098" actId="478"/>
+          <ac:picMkLst>
+            <pc:docMk/>
+            <pc:sldMk cId="58050193" sldId="272"/>
+            <ac:picMk id="16" creationId="{7EE78E82-B22D-4300-A38C-7F991DAB6E43}"/>
+          </ac:picMkLst>
+        </pc:picChg>
+        <pc:picChg chg="add mod">
+          <ac:chgData name="Magdalena Cieslak" userId="942c8a57c2faf2b4" providerId="LiveId" clId="{D9CE6366-D963-415B-8100-7D2C852AC910}" dt="2020-07-26T20:26:52.659" v="4102" actId="1076"/>
+          <ac:picMkLst>
+            <pc:docMk/>
+            <pc:sldMk cId="58050193" sldId="272"/>
+            <ac:picMk id="18" creationId="{D03143CD-36C5-4115-843D-8ADBF035665C}"/>
+          </ac:picMkLst>
+        </pc:picChg>
+        <pc:picChg chg="add del mod">
+          <ac:chgData name="Magdalena Cieslak" userId="942c8a57c2faf2b4" providerId="LiveId" clId="{D9CE6366-D963-415B-8100-7D2C852AC910}" dt="2020-07-26T20:29:13.329" v="4127" actId="478"/>
+          <ac:picMkLst>
+            <pc:docMk/>
+            <pc:sldMk cId="58050193" sldId="272"/>
+            <ac:picMk id="22" creationId="{69C46249-8ACB-4377-8E8B-7AF19F33938F}"/>
+          </ac:picMkLst>
+        </pc:picChg>
+        <pc:cxnChg chg="add del">
+          <ac:chgData name="Magdalena Cieslak" userId="942c8a57c2faf2b4" providerId="LiveId" clId="{D9CE6366-D963-415B-8100-7D2C852AC910}" dt="2020-07-26T20:22:34.759" v="4075" actId="26606"/>
+          <ac:cxnSpMkLst>
+            <pc:docMk/>
+            <pc:sldMk cId="58050193" sldId="272"/>
+            <ac:cxnSpMk id="21" creationId="{C5025DAC-8B93-4160-B017-3A274A5828C0}"/>
+          </ac:cxnSpMkLst>
+        </pc:cxnChg>
+        <pc:cxnChg chg="add del">
+          <ac:chgData name="Magdalena Cieslak" userId="942c8a57c2faf2b4" providerId="LiveId" clId="{D9CE6366-D963-415B-8100-7D2C852AC910}" dt="2020-07-26T20:22:34.759" v="4075" actId="26606"/>
+          <ac:cxnSpMkLst>
+            <pc:docMk/>
+            <pc:sldMk cId="58050193" sldId="272"/>
+            <ac:cxnSpMk id="25" creationId="{055CEADF-09EA-423C-8C45-F94AF44D5AF0}"/>
+          </ac:cxnSpMkLst>
+        </pc:cxnChg>
+        <pc:cxnChg chg="add del">
+          <ac:chgData name="Magdalena Cieslak" userId="942c8a57c2faf2b4" providerId="LiveId" clId="{D9CE6366-D963-415B-8100-7D2C852AC910}" dt="2020-07-26T20:22:36.313" v="4077" actId="26606"/>
+          <ac:cxnSpMkLst>
+            <pc:docMk/>
+            <pc:sldMk cId="58050193" sldId="272"/>
+            <ac:cxnSpMk id="29" creationId="{C5025DAC-8B93-4160-B017-3A274A5828C0}"/>
+          </ac:cxnSpMkLst>
+        </pc:cxnChg>
+        <pc:cxnChg chg="add del">
+          <ac:chgData name="Magdalena Cieslak" userId="942c8a57c2faf2b4" providerId="LiveId" clId="{D9CE6366-D963-415B-8100-7D2C852AC910}" dt="2020-07-26T20:22:36.313" v="4077" actId="26606"/>
+          <ac:cxnSpMkLst>
+            <pc:docMk/>
+            <pc:sldMk cId="58050193" sldId="272"/>
+            <ac:cxnSpMk id="31" creationId="{89EB8C68-FF1B-4849-867B-32D29B19F102}"/>
+          </ac:cxnSpMkLst>
+        </pc:cxnChg>
+        <pc:cxnChg chg="add">
+          <ac:chgData name="Magdalena Cieslak" userId="942c8a57c2faf2b4" providerId="LiveId" clId="{D9CE6366-D963-415B-8100-7D2C852AC910}" dt="2020-07-26T20:22:36.331" v="4078" actId="26606"/>
+          <ac:cxnSpMkLst>
+            <pc:docMk/>
+            <pc:sldMk cId="58050193" sldId="272"/>
+            <ac:cxnSpMk id="34" creationId="{C5025DAC-8B93-4160-B017-3A274A5828C0}"/>
+          </ac:cxnSpMkLst>
+        </pc:cxnChg>
+        <pc:cxnChg chg="add">
+          <ac:chgData name="Magdalena Cieslak" userId="942c8a57c2faf2b4" providerId="LiveId" clId="{D9CE6366-D963-415B-8100-7D2C852AC910}" dt="2020-07-26T20:22:36.331" v="4078" actId="26606"/>
+          <ac:cxnSpMkLst>
+            <pc:docMk/>
+            <pc:sldMk cId="58050193" sldId="272"/>
+            <ac:cxnSpMk id="36" creationId="{055CEADF-09EA-423C-8C45-F94AF44D5AF0}"/>
+          </ac:cxnSpMkLst>
+        </pc:cxnChg>
+      </pc:sldChg>
+      <pc:sldChg chg="addSp delSp modSp new mod">
+        <pc:chgData name="Magdalena Cieslak" userId="942c8a57c2faf2b4" providerId="LiveId" clId="{D9CE6366-D963-415B-8100-7D2C852AC910}" dt="2020-07-26T20:55:06.468" v="4639" actId="20577"/>
+        <pc:sldMkLst>
+          <pc:docMk/>
+          <pc:sldMk cId="1164139958" sldId="273"/>
+        </pc:sldMkLst>
+        <pc:spChg chg="del">
+          <ac:chgData name="Magdalena Cieslak" userId="942c8a57c2faf2b4" providerId="LiveId" clId="{D9CE6366-D963-415B-8100-7D2C852AC910}" dt="2020-07-26T20:24:42.039" v="4091"/>
+          <ac:spMkLst>
+            <pc:docMk/>
+            <pc:sldMk cId="1164139958" sldId="273"/>
+            <ac:spMk id="2" creationId="{2AFF1FDB-1A36-40BE-A3ED-DE0D6FE82DAF}"/>
+          </ac:spMkLst>
+        </pc:spChg>
+        <pc:spChg chg="mod">
+          <ac:chgData name="Magdalena Cieslak" userId="942c8a57c2faf2b4" providerId="LiveId" clId="{D9CE6366-D963-415B-8100-7D2C852AC910}" dt="2020-07-26T20:39:57.150" v="4293" actId="313"/>
+          <ac:spMkLst>
+            <pc:docMk/>
+            <pc:sldMk cId="1164139958" sldId="273"/>
+            <ac:spMk id="3" creationId="{6093ADDC-5D37-45F3-8830-50D5EA6977E9}"/>
+          </ac:spMkLst>
+        </pc:spChg>
+        <pc:spChg chg="mod">
+          <ac:chgData name="Magdalena Cieslak" userId="942c8a57c2faf2b4" providerId="LiveId" clId="{D9CE6366-D963-415B-8100-7D2C852AC910}" dt="2020-07-26T20:55:06.468" v="4639" actId="20577"/>
+          <ac:spMkLst>
+            <pc:docMk/>
+            <pc:sldMk cId="1164139958" sldId="273"/>
+            <ac:spMk id="4" creationId="{1407DF09-E946-4381-9A56-6284AF23A96B}"/>
+          </ac:spMkLst>
+        </pc:spChg>
+        <pc:picChg chg="add mod">
+          <ac:chgData name="Magdalena Cieslak" userId="942c8a57c2faf2b4" providerId="LiveId" clId="{D9CE6366-D963-415B-8100-7D2C852AC910}" dt="2020-07-26T20:24:43.534" v="4093" actId="962"/>
+          <ac:picMkLst>
+            <pc:docMk/>
+            <pc:sldMk cId="1164139958" sldId="273"/>
+            <ac:picMk id="6" creationId="{78011E3F-3DEB-4536-8FF0-2F1B4A360DF5}"/>
+          </ac:picMkLst>
+        </pc:picChg>
+      </pc:sldChg>
+      <pc:sldChg chg="addSp delSp modSp new add del mod ord">
+        <pc:chgData name="Magdalena Cieslak" userId="942c8a57c2faf2b4" providerId="LiveId" clId="{D9CE6366-D963-415B-8100-7D2C852AC910}" dt="2020-07-26T20:54:31.547" v="4628" actId="478"/>
+        <pc:sldMkLst>
+          <pc:docMk/>
+          <pc:sldMk cId="1186568723" sldId="274"/>
+        </pc:sldMkLst>
+        <pc:spChg chg="del">
+          <ac:chgData name="Magdalena Cieslak" userId="942c8a57c2faf2b4" providerId="LiveId" clId="{D9CE6366-D963-415B-8100-7D2C852AC910}" dt="2020-07-26T20:27:04.527" v="4103"/>
+          <ac:spMkLst>
+            <pc:docMk/>
+            <pc:sldMk cId="1186568723" sldId="274"/>
+            <ac:spMk id="2" creationId="{2A4465BF-5DE5-40EC-8908-55782F9478DA}"/>
+          </ac:spMkLst>
+        </pc:spChg>
+        <pc:spChg chg="mod">
+          <ac:chgData name="Magdalena Cieslak" userId="942c8a57c2faf2b4" providerId="LiveId" clId="{D9CE6366-D963-415B-8100-7D2C852AC910}" dt="2020-07-26T20:39:47.728" v="4292" actId="20577"/>
+          <ac:spMkLst>
+            <pc:docMk/>
+            <pc:sldMk cId="1186568723" sldId="274"/>
+            <ac:spMk id="3" creationId="{80548A6F-E943-425E-8CE4-A3BA79AF6AA7}"/>
+          </ac:spMkLst>
+        </pc:spChg>
+        <pc:spChg chg="del">
+          <ac:chgData name="Magdalena Cieslak" userId="942c8a57c2faf2b4" providerId="LiveId" clId="{D9CE6366-D963-415B-8100-7D2C852AC910}" dt="2020-07-26T20:54:31.547" v="4628" actId="478"/>
+          <ac:spMkLst>
+            <pc:docMk/>
+            <pc:sldMk cId="1186568723" sldId="274"/>
+            <ac:spMk id="4" creationId="{12366B0F-2546-42FB-A4AF-B0DF2A2BFE21}"/>
+          </ac:spMkLst>
+        </pc:spChg>
+        <pc:spChg chg="add del mod">
+          <ac:chgData name="Magdalena Cieslak" userId="942c8a57c2faf2b4" providerId="LiveId" clId="{D9CE6366-D963-415B-8100-7D2C852AC910}" dt="2020-07-26T20:27:29.611" v="4110"/>
+          <ac:spMkLst>
+            <pc:docMk/>
+            <pc:sldMk cId="1186568723" sldId="274"/>
+            <ac:spMk id="8" creationId="{2731B4E3-5687-4C7A-8358-C341CDABF0ED}"/>
+          </ac:spMkLst>
+        </pc:spChg>
+        <pc:spChg chg="add del mod">
+          <ac:chgData name="Magdalena Cieslak" userId="942c8a57c2faf2b4" providerId="LiveId" clId="{D9CE6366-D963-415B-8100-7D2C852AC910}" dt="2020-07-26T20:31:45.038" v="4212" actId="931"/>
+          <ac:spMkLst>
+            <pc:docMk/>
+            <pc:sldMk cId="1186568723" sldId="274"/>
+            <ac:spMk id="12" creationId="{70EBE44D-48FE-49B6-B126-966F69EC0530}"/>
+          </ac:spMkLst>
+        </pc:spChg>
+        <pc:spChg chg="add del mod">
+          <ac:chgData name="Magdalena Cieslak" userId="942c8a57c2faf2b4" providerId="LiveId" clId="{D9CE6366-D963-415B-8100-7D2C852AC910}" dt="2020-07-26T20:33:27.487" v="4217"/>
+          <ac:spMkLst>
+            <pc:docMk/>
+            <pc:sldMk cId="1186568723" sldId="274"/>
+            <ac:spMk id="16" creationId="{7A353D8C-DBC7-4416-8DF1-8E6B7511EA8D}"/>
+          </ac:spMkLst>
+        </pc:spChg>
+        <pc:spChg chg="add del mod">
+          <ac:chgData name="Magdalena Cieslak" userId="942c8a57c2faf2b4" providerId="LiveId" clId="{D9CE6366-D963-415B-8100-7D2C852AC910}" dt="2020-07-26T20:35:26.131" v="4223"/>
+          <ac:spMkLst>
+            <pc:docMk/>
+            <pc:sldMk cId="1186568723" sldId="274"/>
+            <ac:spMk id="20" creationId="{8976275F-8118-4FE8-B553-AE7E3967032E}"/>
+          </ac:spMkLst>
+        </pc:spChg>
+        <pc:picChg chg="add del mod">
+          <ac:chgData name="Magdalena Cieslak" userId="942c8a57c2faf2b4" providerId="LiveId" clId="{D9CE6366-D963-415B-8100-7D2C852AC910}" dt="2020-07-26T20:27:19.833" v="4109" actId="478"/>
+          <ac:picMkLst>
+            <pc:docMk/>
+            <pc:sldMk cId="1186568723" sldId="274"/>
+            <ac:picMk id="6" creationId="{C3DE7943-4276-447A-A207-1522C6072C47}"/>
+          </ac:picMkLst>
+        </pc:picChg>
+        <pc:picChg chg="add del mod">
+          <ac:chgData name="Magdalena Cieslak" userId="942c8a57c2faf2b4" providerId="LiveId" clId="{D9CE6366-D963-415B-8100-7D2C852AC910}" dt="2020-07-26T20:31:31.674" v="4211" actId="478"/>
+          <ac:picMkLst>
+            <pc:docMk/>
+            <pc:sldMk cId="1186568723" sldId="274"/>
+            <ac:picMk id="10" creationId="{B2417323-E4C3-4974-BEC5-08DAC2120189}"/>
+          </ac:picMkLst>
+        </pc:picChg>
+        <pc:picChg chg="add del mod">
+          <ac:chgData name="Magdalena Cieslak" userId="942c8a57c2faf2b4" providerId="LiveId" clId="{D9CE6366-D963-415B-8100-7D2C852AC910}" dt="2020-07-26T20:33:19.294" v="4216" actId="478"/>
+          <ac:picMkLst>
+            <pc:docMk/>
+            <pc:sldMk cId="1186568723" sldId="274"/>
+            <ac:picMk id="14" creationId="{CD073A9C-75E7-4984-8C37-D3B96D9388FB}"/>
+          </ac:picMkLst>
+        </pc:picChg>
+        <pc:picChg chg="add del mod">
+          <ac:chgData name="Magdalena Cieslak" userId="942c8a57c2faf2b4" providerId="LiveId" clId="{D9CE6366-D963-415B-8100-7D2C852AC910}" dt="2020-07-26T20:35:12.050" v="4222" actId="478"/>
+          <ac:picMkLst>
+            <pc:docMk/>
+            <pc:sldMk cId="1186568723" sldId="274"/>
+            <ac:picMk id="18" creationId="{BAEA5B18-4556-42EC-B253-1117970338FF}"/>
+          </ac:picMkLst>
+        </pc:picChg>
+        <pc:picChg chg="add mod">
+          <ac:chgData name="Magdalena Cieslak" userId="942c8a57c2faf2b4" providerId="LiveId" clId="{D9CE6366-D963-415B-8100-7D2C852AC910}" dt="2020-07-26T20:35:27.425" v="4225" actId="962"/>
+          <ac:picMkLst>
+            <pc:docMk/>
+            <pc:sldMk cId="1186568723" sldId="274"/>
+            <ac:picMk id="22" creationId="{3E3F53EB-4652-49B1-92A4-A749A5FBEAC2}"/>
+          </ac:picMkLst>
+        </pc:picChg>
+      </pc:sldChg>
+      <pc:sldChg chg="addSp delSp modSp new mod setBg setClrOvrMap">
+        <pc:chgData name="Magdalena Cieslak" userId="942c8a57c2faf2b4" providerId="LiveId" clId="{D9CE6366-D963-415B-8100-7D2C852AC910}" dt="2020-07-26T21:31:33.646" v="5313" actId="20577"/>
+        <pc:sldMkLst>
+          <pc:docMk/>
+          <pc:sldMk cId="955771421" sldId="275"/>
+        </pc:sldMkLst>
+        <pc:spChg chg="del">
+          <ac:chgData name="Magdalena Cieslak" userId="942c8a57c2faf2b4" providerId="LiveId" clId="{D9CE6366-D963-415B-8100-7D2C852AC910}" dt="2020-07-26T20:28:23.977" v="4116"/>
+          <ac:spMkLst>
+            <pc:docMk/>
+            <pc:sldMk cId="955771421" sldId="275"/>
+            <ac:spMk id="2" creationId="{DD30E31C-B836-460C-8269-14C7BC52F6D5}"/>
+          </ac:spMkLst>
+        </pc:spChg>
+        <pc:spChg chg="mod">
+          <ac:chgData name="Magdalena Cieslak" userId="942c8a57c2faf2b4" providerId="LiveId" clId="{D9CE6366-D963-415B-8100-7D2C852AC910}" dt="2020-07-26T21:31:33.646" v="5313" actId="20577"/>
+          <ac:spMkLst>
+            <pc:docMk/>
+            <pc:sldMk cId="955771421" sldId="275"/>
+            <ac:spMk id="3" creationId="{9F7F55C1-4BD9-4629-8025-9AD0075F51E4}"/>
+          </ac:spMkLst>
+        </pc:spChg>
+        <pc:spChg chg="del mod ord">
+          <ac:chgData name="Magdalena Cieslak" userId="942c8a57c2faf2b4" providerId="LiveId" clId="{D9CE6366-D963-415B-8100-7D2C852AC910}" dt="2020-07-26T21:06:48.501" v="4689" actId="478"/>
+          <ac:spMkLst>
+            <pc:docMk/>
+            <pc:sldMk cId="955771421" sldId="275"/>
+            <ac:spMk id="4" creationId="{2573B642-498D-4417-A4EC-A4E864D4955C}"/>
+          </ac:spMkLst>
+        </pc:spChg>
+        <pc:spChg chg="add del mod">
+          <ac:chgData name="Magdalena Cieslak" userId="942c8a57c2faf2b4" providerId="LiveId" clId="{D9CE6366-D963-415B-8100-7D2C852AC910}" dt="2020-07-26T20:52:33.030" v="4603" actId="26606"/>
+          <ac:spMkLst>
+            <pc:docMk/>
+            <pc:sldMk cId="955771421" sldId="275"/>
+            <ac:spMk id="8" creationId="{34261EA4-1E6D-4A6D-982D-028E5E22D475}"/>
+          </ac:spMkLst>
+        </pc:spChg>
+        <pc:spChg chg="add del">
+          <ac:chgData name="Magdalena Cieslak" userId="942c8a57c2faf2b4" providerId="LiveId" clId="{D9CE6366-D963-415B-8100-7D2C852AC910}" dt="2020-07-26T21:02:37.168" v="4681" actId="26606"/>
+          <ac:spMkLst>
+            <pc:docMk/>
+            <pc:sldMk cId="955771421" sldId="275"/>
+            <ac:spMk id="13" creationId="{416A0E3C-60E6-4F39-BC55-5F7C224E1F7C}"/>
+          </ac:spMkLst>
+        </pc:spChg>
+        <pc:spChg chg="add del">
+          <ac:chgData name="Magdalena Cieslak" userId="942c8a57c2faf2b4" providerId="LiveId" clId="{D9CE6366-D963-415B-8100-7D2C852AC910}" dt="2020-07-26T21:02:37.168" v="4681" actId="26606"/>
+          <ac:spMkLst>
+            <pc:docMk/>
+            <pc:sldMk cId="955771421" sldId="275"/>
+            <ac:spMk id="17" creationId="{C8DD82D3-D002-45B0-B16A-82B3DA4EFDDB}"/>
+          </ac:spMkLst>
+        </pc:spChg>
+        <pc:spChg chg="add del">
+          <ac:chgData name="Magdalena Cieslak" userId="942c8a57c2faf2b4" providerId="LiveId" clId="{D9CE6366-D963-415B-8100-7D2C852AC910}" dt="2020-07-26T21:01:35.348" v="4657" actId="26606"/>
+          <ac:spMkLst>
+            <pc:docMk/>
+            <pc:sldMk cId="955771421" sldId="275"/>
+            <ac:spMk id="24" creationId="{416A0E3C-60E6-4F39-BC55-5F7C224E1F7C}"/>
+          </ac:spMkLst>
+        </pc:spChg>
+        <pc:spChg chg="add del">
+          <ac:chgData name="Magdalena Cieslak" userId="942c8a57c2faf2b4" providerId="LiveId" clId="{D9CE6366-D963-415B-8100-7D2C852AC910}" dt="2020-07-26T21:01:35.348" v="4657" actId="26606"/>
+          <ac:spMkLst>
+            <pc:docMk/>
+            <pc:sldMk cId="955771421" sldId="275"/>
+            <ac:spMk id="28" creationId="{0AB6E427-3F73-4C06-A5D5-AE52C3883B50}"/>
+          </ac:spMkLst>
+        </pc:spChg>
+        <pc:spChg chg="add del">
+          <ac:chgData name="Magdalena Cieslak" userId="942c8a57c2faf2b4" providerId="LiveId" clId="{D9CE6366-D963-415B-8100-7D2C852AC910}" dt="2020-07-26T21:01:35.348" v="4657" actId="26606"/>
+          <ac:spMkLst>
+            <pc:docMk/>
+            <pc:sldMk cId="955771421" sldId="275"/>
+            <ac:spMk id="30" creationId="{D8C9BDAA-0390-4B39-9B5C-BC95E5120DA4}"/>
+          </ac:spMkLst>
+        </pc:spChg>
+        <pc:spChg chg="add del">
+          <ac:chgData name="Magdalena Cieslak" userId="942c8a57c2faf2b4" providerId="LiveId" clId="{D9CE6366-D963-415B-8100-7D2C852AC910}" dt="2020-07-26T21:02:37.168" v="4681" actId="26606"/>
+          <ac:spMkLst>
+            <pc:docMk/>
+            <pc:sldMk cId="955771421" sldId="275"/>
+            <ac:spMk id="34" creationId="{416A0E3C-60E6-4F39-BC55-5F7C224E1F7C}"/>
+          </ac:spMkLst>
+        </pc:spChg>
+        <pc:spChg chg="add del">
+          <ac:chgData name="Magdalena Cieslak" userId="942c8a57c2faf2b4" providerId="LiveId" clId="{D9CE6366-D963-415B-8100-7D2C852AC910}" dt="2020-07-26T21:02:37.168" v="4681" actId="26606"/>
+          <ac:spMkLst>
+            <pc:docMk/>
+            <pc:sldMk cId="955771421" sldId="275"/>
+            <ac:spMk id="36" creationId="{E844E128-FF69-4E9F-8327-6B504B3C5AE1}"/>
+          </ac:spMkLst>
+        </pc:spChg>
+        <pc:spChg chg="add del">
+          <ac:chgData name="Magdalena Cieslak" userId="942c8a57c2faf2b4" providerId="LiveId" clId="{D9CE6366-D963-415B-8100-7D2C852AC910}" dt="2020-07-26T21:01:53.556" v="4660" actId="26606"/>
+          <ac:spMkLst>
+            <pc:docMk/>
+            <pc:sldMk cId="955771421" sldId="275"/>
+            <ac:spMk id="42" creationId="{39E3965E-AC41-4711-9D10-E25ABB132D86}"/>
+          </ac:spMkLst>
+        </pc:spChg>
+        <pc:spChg chg="add del">
+          <ac:chgData name="Magdalena Cieslak" userId="942c8a57c2faf2b4" providerId="LiveId" clId="{D9CE6366-D963-415B-8100-7D2C852AC910}" dt="2020-07-26T21:01:53.556" v="4660" actId="26606"/>
+          <ac:spMkLst>
+            <pc:docMk/>
+            <pc:sldMk cId="955771421" sldId="275"/>
+            <ac:spMk id="46" creationId="{B4D0E555-16F6-44D0-BF56-AF5FF5BDE9D6}"/>
+          </ac:spMkLst>
+        </pc:spChg>
+        <pc:spChg chg="add del">
+          <ac:chgData name="Magdalena Cieslak" userId="942c8a57c2faf2b4" providerId="LiveId" clId="{D9CE6366-D963-415B-8100-7D2C852AC910}" dt="2020-07-26T21:01:53.556" v="4660" actId="26606"/>
+          <ac:spMkLst>
+            <pc:docMk/>
+            <pc:sldMk cId="955771421" sldId="275"/>
+            <ac:spMk id="48" creationId="{8117041D-1A7B-4ECA-AB68-3CFDB6726B8E}"/>
+          </ac:spMkLst>
+        </pc:spChg>
+        <pc:spChg chg="add del">
+          <ac:chgData name="Magdalena Cieslak" userId="942c8a57c2faf2b4" providerId="LiveId" clId="{D9CE6366-D963-415B-8100-7D2C852AC910}" dt="2020-07-26T21:01:58.213" v="4662" actId="26606"/>
+          <ac:spMkLst>
+            <pc:docMk/>
+            <pc:sldMk cId="955771421" sldId="275"/>
+            <ac:spMk id="52" creationId="{416A0E3C-60E6-4F39-BC55-5F7C224E1F7C}"/>
+          </ac:spMkLst>
+        </pc:spChg>
+        <pc:spChg chg="add del">
+          <ac:chgData name="Magdalena Cieslak" userId="942c8a57c2faf2b4" providerId="LiveId" clId="{D9CE6366-D963-415B-8100-7D2C852AC910}" dt="2020-07-26T21:01:58.213" v="4662" actId="26606"/>
+          <ac:spMkLst>
+            <pc:docMk/>
+            <pc:sldMk cId="955771421" sldId="275"/>
+            <ac:spMk id="54" creationId="{E844E128-FF69-4E9F-8327-6B504B3C5AE1}"/>
+          </ac:spMkLst>
+        </pc:spChg>
+        <pc:spChg chg="add del">
+          <ac:chgData name="Magdalena Cieslak" userId="942c8a57c2faf2b4" providerId="LiveId" clId="{D9CE6366-D963-415B-8100-7D2C852AC910}" dt="2020-07-26T21:01:59.961" v="4664" actId="26606"/>
+          <ac:spMkLst>
+            <pc:docMk/>
+            <pc:sldMk cId="955771421" sldId="275"/>
+            <ac:spMk id="57" creationId="{416A0E3C-60E6-4F39-BC55-5F7C224E1F7C}"/>
+          </ac:spMkLst>
+        </pc:spChg>
+        <pc:spChg chg="add del">
+          <ac:chgData name="Magdalena Cieslak" userId="942c8a57c2faf2b4" providerId="LiveId" clId="{D9CE6366-D963-415B-8100-7D2C852AC910}" dt="2020-07-26T21:01:59.961" v="4664" actId="26606"/>
+          <ac:spMkLst>
+            <pc:docMk/>
+            <pc:sldMk cId="955771421" sldId="275"/>
+            <ac:spMk id="59" creationId="{990D0034-F768-41E7-85D4-F38C4DE85770}"/>
+          </ac:spMkLst>
+        </pc:spChg>
+        <pc:spChg chg="add del">
+          <ac:chgData name="Magdalena Cieslak" userId="942c8a57c2faf2b4" providerId="LiveId" clId="{D9CE6366-D963-415B-8100-7D2C852AC910}" dt="2020-07-26T21:01:59.961" v="4664" actId="26606"/>
+          <ac:spMkLst>
+            <pc:docMk/>
+            <pc:sldMk cId="955771421" sldId="275"/>
+            <ac:spMk id="60" creationId="{95B38FD6-641F-41BF-B466-C1C6366420F0}"/>
+          </ac:spMkLst>
+        </pc:spChg>
+        <pc:spChg chg="add del">
+          <ac:chgData name="Magdalena Cieslak" userId="942c8a57c2faf2b4" providerId="LiveId" clId="{D9CE6366-D963-415B-8100-7D2C852AC910}" dt="2020-07-26T21:01:59.961" v="4664" actId="26606"/>
+          <ac:spMkLst>
+            <pc:docMk/>
+            <pc:sldMk cId="955771421" sldId="275"/>
+            <ac:spMk id="62" creationId="{7363FFA6-C551-4935-A474-8B2482E55BAC}"/>
+          </ac:spMkLst>
+        </pc:spChg>
+        <pc:spChg chg="add del">
+          <ac:chgData name="Magdalena Cieslak" userId="942c8a57c2faf2b4" providerId="LiveId" clId="{D9CE6366-D963-415B-8100-7D2C852AC910}" dt="2020-07-26T21:02:03.090" v="4666" actId="26606"/>
+          <ac:spMkLst>
+            <pc:docMk/>
+            <pc:sldMk cId="955771421" sldId="275"/>
+            <ac:spMk id="64" creationId="{416A0E3C-60E6-4F39-BC55-5F7C224E1F7C}"/>
+          </ac:spMkLst>
+        </pc:spChg>
+        <pc:spChg chg="add del">
+          <ac:chgData name="Magdalena Cieslak" userId="942c8a57c2faf2b4" providerId="LiveId" clId="{D9CE6366-D963-415B-8100-7D2C852AC910}" dt="2020-07-26T21:02:03.090" v="4666" actId="26606"/>
+          <ac:spMkLst>
+            <pc:docMk/>
+            <pc:sldMk cId="955771421" sldId="275"/>
+            <ac:spMk id="66" creationId="{990D0034-F768-41E7-85D4-F38C4DE85770}"/>
+          </ac:spMkLst>
+        </pc:spChg>
+        <pc:spChg chg="add del">
+          <ac:chgData name="Magdalena Cieslak" userId="942c8a57c2faf2b4" providerId="LiveId" clId="{D9CE6366-D963-415B-8100-7D2C852AC910}" dt="2020-07-26T21:02:10.557" v="4668" actId="26606"/>
+          <ac:spMkLst>
+            <pc:docMk/>
+            <pc:sldMk cId="955771421" sldId="275"/>
+            <ac:spMk id="69" creationId="{39E3965E-AC41-4711-9D10-E25ABB132D86}"/>
+          </ac:spMkLst>
+        </pc:spChg>
+        <pc:spChg chg="add del">
+          <ac:chgData name="Magdalena Cieslak" userId="942c8a57c2faf2b4" providerId="LiveId" clId="{D9CE6366-D963-415B-8100-7D2C852AC910}" dt="2020-07-26T21:02:10.557" v="4668" actId="26606"/>
+          <ac:spMkLst>
+            <pc:docMk/>
+            <pc:sldMk cId="955771421" sldId="275"/>
+            <ac:spMk id="71" creationId="{6482F060-A4AF-4E0B-B364-7C6BA4AE9C03}"/>
+          </ac:spMkLst>
+        </pc:spChg>
+        <pc:spChg chg="add del">
+          <ac:chgData name="Magdalena Cieslak" userId="942c8a57c2faf2b4" providerId="LiveId" clId="{D9CE6366-D963-415B-8100-7D2C852AC910}" dt="2020-07-26T21:02:14.011" v="4670" actId="26606"/>
+          <ac:spMkLst>
+            <pc:docMk/>
+            <pc:sldMk cId="955771421" sldId="275"/>
+            <ac:spMk id="74" creationId="{39E3965E-AC41-4711-9D10-E25ABB132D86}"/>
+          </ac:spMkLst>
+        </pc:spChg>
+        <pc:spChg chg="add del">
+          <ac:chgData name="Magdalena Cieslak" userId="942c8a57c2faf2b4" providerId="LiveId" clId="{D9CE6366-D963-415B-8100-7D2C852AC910}" dt="2020-07-26T21:02:14.011" v="4670" actId="26606"/>
+          <ac:spMkLst>
+            <pc:docMk/>
+            <pc:sldMk cId="955771421" sldId="275"/>
+            <ac:spMk id="76" creationId="{6482F060-A4AF-4E0B-B364-7C6BA4AE9C03}"/>
+          </ac:spMkLst>
+        </pc:spChg>
+        <pc:spChg chg="add del">
+          <ac:chgData name="Magdalena Cieslak" userId="942c8a57c2faf2b4" providerId="LiveId" clId="{D9CE6366-D963-415B-8100-7D2C852AC910}" dt="2020-07-26T21:02:15.425" v="4672" actId="26606"/>
+          <ac:spMkLst>
+            <pc:docMk/>
+            <pc:sldMk cId="955771421" sldId="275"/>
+            <ac:spMk id="79" creationId="{416A0E3C-60E6-4F39-BC55-5F7C224E1F7C}"/>
+          </ac:spMkLst>
+        </pc:spChg>
+        <pc:spChg chg="add del">
+          <ac:chgData name="Magdalena Cieslak" userId="942c8a57c2faf2b4" providerId="LiveId" clId="{D9CE6366-D963-415B-8100-7D2C852AC910}" dt="2020-07-26T21:02:15.425" v="4672" actId="26606"/>
+          <ac:spMkLst>
+            <pc:docMk/>
+            <pc:sldMk cId="955771421" sldId="275"/>
+            <ac:spMk id="81" creationId="{990D0034-F768-41E7-85D4-F38C4DE85770}"/>
+          </ac:spMkLst>
+        </pc:spChg>
+        <pc:spChg chg="add del">
+          <ac:chgData name="Magdalena Cieslak" userId="942c8a57c2faf2b4" providerId="LiveId" clId="{D9CE6366-D963-415B-8100-7D2C852AC910}" dt="2020-07-26T21:02:15.425" v="4672" actId="26606"/>
+          <ac:spMkLst>
+            <pc:docMk/>
+            <pc:sldMk cId="955771421" sldId="275"/>
+            <ac:spMk id="82" creationId="{95B38FD6-641F-41BF-B466-C1C6366420F0}"/>
+          </ac:spMkLst>
+        </pc:spChg>
+        <pc:spChg chg="add del">
+          <ac:chgData name="Magdalena Cieslak" userId="942c8a57c2faf2b4" providerId="LiveId" clId="{D9CE6366-D963-415B-8100-7D2C852AC910}" dt="2020-07-26T21:02:15.425" v="4672" actId="26606"/>
+          <ac:spMkLst>
+            <pc:docMk/>
+            <pc:sldMk cId="955771421" sldId="275"/>
+            <ac:spMk id="84" creationId="{1FE461C7-FF45-427F-83D7-18DFBD48188D}"/>
+          </ac:spMkLst>
+        </pc:spChg>
+        <pc:spChg chg="add del">
+          <ac:chgData name="Magdalena Cieslak" userId="942c8a57c2faf2b4" providerId="LiveId" clId="{D9CE6366-D963-415B-8100-7D2C852AC910}" dt="2020-07-26T21:02:21.304" v="4674" actId="26606"/>
+          <ac:spMkLst>
+            <pc:docMk/>
+            <pc:sldMk cId="955771421" sldId="275"/>
+            <ac:spMk id="86" creationId="{416A0E3C-60E6-4F39-BC55-5F7C224E1F7C}"/>
+          </ac:spMkLst>
+        </pc:spChg>
+        <pc:spChg chg="add del">
+          <ac:chgData name="Magdalena Cieslak" userId="942c8a57c2faf2b4" providerId="LiveId" clId="{D9CE6366-D963-415B-8100-7D2C852AC910}" dt="2020-07-26T21:02:21.304" v="4674" actId="26606"/>
+          <ac:spMkLst>
+            <pc:docMk/>
+            <pc:sldMk cId="955771421" sldId="275"/>
+            <ac:spMk id="88" creationId="{873ECEC8-0F24-45B8-950F-35FC94BCEAC8}"/>
+          </ac:spMkLst>
+        </pc:spChg>
+        <pc:spChg chg="add del">
+          <ac:chgData name="Magdalena Cieslak" userId="942c8a57c2faf2b4" providerId="LiveId" clId="{D9CE6366-D963-415B-8100-7D2C852AC910}" dt="2020-07-26T21:02:21.304" v="4674" actId="26606"/>
+          <ac:spMkLst>
+            <pc:docMk/>
+            <pc:sldMk cId="955771421" sldId="275"/>
+            <ac:spMk id="90" creationId="{8B53612E-ADB2-4457-9688-89506397AF28}"/>
+          </ac:spMkLst>
+        </pc:spChg>
+        <pc:spChg chg="add del">
+          <ac:chgData name="Magdalena Cieslak" userId="942c8a57c2faf2b4" providerId="LiveId" clId="{D9CE6366-D963-415B-8100-7D2C852AC910}" dt="2020-07-26T21:02:25.587" v="4676" actId="26606"/>
+          <ac:spMkLst>
+            <pc:docMk/>
+            <pc:sldMk cId="955771421" sldId="275"/>
+            <ac:spMk id="92" creationId="{416A0E3C-60E6-4F39-BC55-5F7C224E1F7C}"/>
+          </ac:spMkLst>
+        </pc:spChg>
+        <pc:spChg chg="add del">
+          <ac:chgData name="Magdalena Cieslak" userId="942c8a57c2faf2b4" providerId="LiveId" clId="{D9CE6366-D963-415B-8100-7D2C852AC910}" dt="2020-07-26T21:02:25.587" v="4676" actId="26606"/>
+          <ac:spMkLst>
+            <pc:docMk/>
+            <pc:sldMk cId="955771421" sldId="275"/>
+            <ac:spMk id="94" creationId="{E844E128-FF69-4E9F-8327-6B504B3C5AE1}"/>
+          </ac:spMkLst>
+        </pc:spChg>
+        <pc:spChg chg="add del">
+          <ac:chgData name="Magdalena Cieslak" userId="942c8a57c2faf2b4" providerId="LiveId" clId="{D9CE6366-D963-415B-8100-7D2C852AC910}" dt="2020-07-26T21:02:30.455" v="4678" actId="26606"/>
+          <ac:spMkLst>
+            <pc:docMk/>
+            <pc:sldMk cId="955771421" sldId="275"/>
+            <ac:spMk id="97" creationId="{416A0E3C-60E6-4F39-BC55-5F7C224E1F7C}"/>
+          </ac:spMkLst>
+        </pc:spChg>
+        <pc:spChg chg="add del">
+          <ac:chgData name="Magdalena Cieslak" userId="942c8a57c2faf2b4" providerId="LiveId" clId="{D9CE6366-D963-415B-8100-7D2C852AC910}" dt="2020-07-26T21:02:30.455" v="4678" actId="26606"/>
+          <ac:spMkLst>
+            <pc:docMk/>
+            <pc:sldMk cId="955771421" sldId="275"/>
+            <ac:spMk id="99" creationId="{E844E128-FF69-4E9F-8327-6B504B3C5AE1}"/>
+          </ac:spMkLst>
+        </pc:spChg>
+        <pc:spChg chg="add del">
+          <ac:chgData name="Magdalena Cieslak" userId="942c8a57c2faf2b4" providerId="LiveId" clId="{D9CE6366-D963-415B-8100-7D2C852AC910}" dt="2020-07-26T21:02:36.423" v="4680" actId="26606"/>
+          <ac:spMkLst>
+            <pc:docMk/>
+            <pc:sldMk cId="955771421" sldId="275"/>
+            <ac:spMk id="102" creationId="{416A0E3C-60E6-4F39-BC55-5F7C224E1F7C}"/>
+          </ac:spMkLst>
+        </pc:spChg>
+        <pc:spChg chg="add del">
+          <ac:chgData name="Magdalena Cieslak" userId="942c8a57c2faf2b4" providerId="LiveId" clId="{D9CE6366-D963-415B-8100-7D2C852AC910}" dt="2020-07-26T21:02:36.423" v="4680" actId="26606"/>
+          <ac:spMkLst>
+            <pc:docMk/>
+            <pc:sldMk cId="955771421" sldId="275"/>
+            <ac:spMk id="104" creationId="{E844E128-FF69-4E9F-8327-6B504B3C5AE1}"/>
+          </ac:spMkLst>
+        </pc:spChg>
+        <pc:picChg chg="add del mod">
+          <ac:chgData name="Magdalena Cieslak" userId="942c8a57c2faf2b4" providerId="LiveId" clId="{D9CE6366-D963-415B-8100-7D2C852AC910}" dt="2020-07-26T20:35:45.110" v="4226" actId="478"/>
+          <ac:picMkLst>
+            <pc:docMk/>
+            <pc:sldMk cId="955771421" sldId="275"/>
+            <ac:picMk id="6" creationId="{919E398D-91D8-4CED-B069-A8B7C1E99513}"/>
+          </ac:picMkLst>
+        </pc:picChg>
+        <pc:picChg chg="add del mod ord">
+          <ac:chgData name="Magdalena Cieslak" userId="942c8a57c2faf2b4" providerId="LiveId" clId="{D9CE6366-D963-415B-8100-7D2C852AC910}" dt="2020-07-26T21:06:54.219" v="4690" actId="1076"/>
+          <ac:picMkLst>
+            <pc:docMk/>
+            <pc:sldMk cId="955771421" sldId="275"/>
+            <ac:picMk id="10" creationId="{4469C271-C661-4230-911C-FDF5E2C93CCB}"/>
+          </ac:picMkLst>
+        </pc:picChg>
+        <pc:cxnChg chg="add del">
+          <ac:chgData name="Magdalena Cieslak" userId="942c8a57c2faf2b4" providerId="LiveId" clId="{D9CE6366-D963-415B-8100-7D2C852AC910}" dt="2020-07-26T21:02:37.168" v="4681" actId="26606"/>
+          <ac:cxnSpMkLst>
+            <pc:docMk/>
+            <pc:sldMk cId="955771421" sldId="275"/>
+            <ac:cxnSpMk id="15" creationId="{C5025DAC-8B93-4160-B017-3A274A5828C0}"/>
+          </ac:cxnSpMkLst>
+        </pc:cxnChg>
+        <pc:cxnChg chg="add del">
+          <ac:chgData name="Magdalena Cieslak" userId="942c8a57c2faf2b4" providerId="LiveId" clId="{D9CE6366-D963-415B-8100-7D2C852AC910}" dt="2020-07-26T21:02:37.168" v="4681" actId="26606"/>
+          <ac:cxnSpMkLst>
+            <pc:docMk/>
+            <pc:sldMk cId="955771421" sldId="275"/>
+            <ac:cxnSpMk id="19" creationId="{9F09C252-16FE-4557-AD6D-BB5CA773496C}"/>
+          </ac:cxnSpMkLst>
+        </pc:cxnChg>
+        <pc:cxnChg chg="add del">
+          <ac:chgData name="Magdalena Cieslak" userId="942c8a57c2faf2b4" providerId="LiveId" clId="{D9CE6366-D963-415B-8100-7D2C852AC910}" dt="2020-07-26T21:01:35.348" v="4657" actId="26606"/>
+          <ac:cxnSpMkLst>
+            <pc:docMk/>
+            <pc:sldMk cId="955771421" sldId="275"/>
+            <ac:cxnSpMk id="26" creationId="{C5025DAC-8B93-4160-B017-3A274A5828C0}"/>
+          </ac:cxnSpMkLst>
+        </pc:cxnChg>
+        <pc:cxnChg chg="add del">
+          <ac:chgData name="Magdalena Cieslak" userId="942c8a57c2faf2b4" providerId="LiveId" clId="{D9CE6366-D963-415B-8100-7D2C852AC910}" dt="2020-07-26T21:01:35.348" v="4657" actId="26606"/>
+          <ac:cxnSpMkLst>
+            <pc:docMk/>
+            <pc:sldMk cId="955771421" sldId="275"/>
+            <ac:cxnSpMk id="32" creationId="{E04A321A-A039-4720-87B4-66A4210E0D57}"/>
+          </ac:cxnSpMkLst>
+        </pc:cxnChg>
+        <pc:cxnChg chg="add del">
+          <ac:chgData name="Magdalena Cieslak" userId="942c8a57c2faf2b4" providerId="LiveId" clId="{D9CE6366-D963-415B-8100-7D2C852AC910}" dt="2020-07-26T21:02:37.168" v="4681" actId="26606"/>
+          <ac:cxnSpMkLst>
+            <pc:docMk/>
+            <pc:sldMk cId="955771421" sldId="275"/>
+            <ac:cxnSpMk id="35" creationId="{C5025DAC-8B93-4160-B017-3A274A5828C0}"/>
+          </ac:cxnSpMkLst>
+        </pc:cxnChg>
+        <pc:cxnChg chg="add del">
+          <ac:chgData name="Magdalena Cieslak" userId="942c8a57c2faf2b4" providerId="LiveId" clId="{D9CE6366-D963-415B-8100-7D2C852AC910}" dt="2020-07-26T21:02:37.168" v="4681" actId="26606"/>
+          <ac:cxnSpMkLst>
+            <pc:docMk/>
+            <pc:sldMk cId="955771421" sldId="275"/>
+            <ac:cxnSpMk id="37" creationId="{055CEADF-09EA-423C-8C45-F94AF44D5AF0}"/>
+          </ac:cxnSpMkLst>
+        </pc:cxnChg>
+        <pc:cxnChg chg="add del">
+          <ac:chgData name="Magdalena Cieslak" userId="942c8a57c2faf2b4" providerId="LiveId" clId="{D9CE6366-D963-415B-8100-7D2C852AC910}" dt="2020-07-26T21:01:53.556" v="4660" actId="26606"/>
+          <ac:cxnSpMkLst>
+            <pc:docMk/>
+            <pc:sldMk cId="955771421" sldId="275"/>
+            <ac:cxnSpMk id="44" creationId="{1F5DC8C3-BA5F-4EED-BB9A-A14272BD82A1}"/>
+          </ac:cxnSpMkLst>
+        </pc:cxnChg>
+        <pc:cxnChg chg="add del">
+          <ac:chgData name="Magdalena Cieslak" userId="942c8a57c2faf2b4" providerId="LiveId" clId="{D9CE6366-D963-415B-8100-7D2C852AC910}" dt="2020-07-26T21:01:53.556" v="4660" actId="26606"/>
+          <ac:cxnSpMkLst>
+            <pc:docMk/>
+            <pc:sldMk cId="955771421" sldId="275"/>
+            <ac:cxnSpMk id="50" creationId="{ABCD2462-4C1E-401A-AC2D-F799A138B245}"/>
+          </ac:cxnSpMkLst>
+        </pc:cxnChg>
+        <pc:cxnChg chg="add del">
+          <ac:chgData name="Magdalena Cieslak" userId="942c8a57c2faf2b4" providerId="LiveId" clId="{D9CE6366-D963-415B-8100-7D2C852AC910}" dt="2020-07-26T21:01:58.213" v="4662" actId="26606"/>
+          <ac:cxnSpMkLst>
+            <pc:docMk/>
+            <pc:sldMk cId="955771421" sldId="275"/>
+            <ac:cxnSpMk id="53" creationId="{C5025DAC-8B93-4160-B017-3A274A5828C0}"/>
+          </ac:cxnSpMkLst>
+        </pc:cxnChg>
+        <pc:cxnChg chg="add del">
+          <ac:chgData name="Magdalena Cieslak" userId="942c8a57c2faf2b4" providerId="LiveId" clId="{D9CE6366-D963-415B-8100-7D2C852AC910}" dt="2020-07-26T21:01:58.213" v="4662" actId="26606"/>
+          <ac:cxnSpMkLst>
+            <pc:docMk/>
+            <pc:sldMk cId="955771421" sldId="275"/>
+            <ac:cxnSpMk id="55" creationId="{055CEADF-09EA-423C-8C45-F94AF44D5AF0}"/>
+          </ac:cxnSpMkLst>
+        </pc:cxnChg>
+        <pc:cxnChg chg="add del">
+          <ac:chgData name="Magdalena Cieslak" userId="942c8a57c2faf2b4" providerId="LiveId" clId="{D9CE6366-D963-415B-8100-7D2C852AC910}" dt="2020-07-26T21:01:59.961" v="4664" actId="26606"/>
+          <ac:cxnSpMkLst>
+            <pc:docMk/>
+            <pc:sldMk cId="955771421" sldId="275"/>
+            <ac:cxnSpMk id="58" creationId="{C5025DAC-8B93-4160-B017-3A274A5828C0}"/>
+          </ac:cxnSpMkLst>
+        </pc:cxnChg>
+        <pc:cxnChg chg="add del">
+          <ac:chgData name="Magdalena Cieslak" userId="942c8a57c2faf2b4" providerId="LiveId" clId="{D9CE6366-D963-415B-8100-7D2C852AC910}" dt="2020-07-26T21:01:59.961" v="4664" actId="26606"/>
+          <ac:cxnSpMkLst>
+            <pc:docMk/>
+            <pc:sldMk cId="955771421" sldId="275"/>
+            <ac:cxnSpMk id="61" creationId="{6BF9119E-766E-4526-AAE5-639F577C0493}"/>
+          </ac:cxnSpMkLst>
+        </pc:cxnChg>
+        <pc:cxnChg chg="add del">
+          <ac:chgData name="Magdalena Cieslak" userId="942c8a57c2faf2b4" providerId="LiveId" clId="{D9CE6366-D963-415B-8100-7D2C852AC910}" dt="2020-07-26T21:02:03.090" v="4666" actId="26606"/>
+          <ac:cxnSpMkLst>
+            <pc:docMk/>
+            <pc:sldMk cId="955771421" sldId="275"/>
+            <ac:cxnSpMk id="65" creationId="{C5025DAC-8B93-4160-B017-3A274A5828C0}"/>
+          </ac:cxnSpMkLst>
+        </pc:cxnChg>
+        <pc:cxnChg chg="add del">
+          <ac:chgData name="Magdalena Cieslak" userId="942c8a57c2faf2b4" providerId="LiveId" clId="{D9CE6366-D963-415B-8100-7D2C852AC910}" dt="2020-07-26T21:02:03.090" v="4666" actId="26606"/>
+          <ac:cxnSpMkLst>
+            <pc:docMk/>
+            <pc:sldMk cId="955771421" sldId="275"/>
+            <ac:cxnSpMk id="67" creationId="{5A0A5CF6-407C-4691-8122-49DF69D0020D}"/>
+          </ac:cxnSpMkLst>
+        </pc:cxnChg>
+        <pc:cxnChg chg="add del">
+          <ac:chgData name="Magdalena Cieslak" userId="942c8a57c2faf2b4" providerId="LiveId" clId="{D9CE6366-D963-415B-8100-7D2C852AC910}" dt="2020-07-26T21:02:10.557" v="4668" actId="26606"/>
+          <ac:cxnSpMkLst>
+            <pc:docMk/>
+            <pc:sldMk cId="955771421" sldId="275"/>
+            <ac:cxnSpMk id="70" creationId="{1F5DC8C3-BA5F-4EED-BB9A-A14272BD82A1}"/>
+          </ac:cxnSpMkLst>
+        </pc:cxnChg>
+        <pc:cxnChg chg="add del">
+          <ac:chgData name="Magdalena Cieslak" userId="942c8a57c2faf2b4" providerId="LiveId" clId="{D9CE6366-D963-415B-8100-7D2C852AC910}" dt="2020-07-26T21:02:10.557" v="4668" actId="26606"/>
+          <ac:cxnSpMkLst>
+            <pc:docMk/>
+            <pc:sldMk cId="955771421" sldId="275"/>
+            <ac:cxnSpMk id="72" creationId="{B9EB6DAA-2F0C-43D5-A577-15D5D2C4E3F5}"/>
+          </ac:cxnSpMkLst>
+        </pc:cxnChg>
+        <pc:cxnChg chg="add del">
+          <ac:chgData name="Magdalena Cieslak" userId="942c8a57c2faf2b4" providerId="LiveId" clId="{D9CE6366-D963-415B-8100-7D2C852AC910}" dt="2020-07-26T21:02:14.011" v="4670" actId="26606"/>
+          <ac:cxnSpMkLst>
+            <pc:docMk/>
+            <pc:sldMk cId="955771421" sldId="275"/>
+            <ac:cxnSpMk id="75" creationId="{1F5DC8C3-BA5F-4EED-BB9A-A14272BD82A1}"/>
+          </ac:cxnSpMkLst>
+        </pc:cxnChg>
+        <pc:cxnChg chg="add del">
+          <ac:chgData name="Magdalena Cieslak" userId="942c8a57c2faf2b4" providerId="LiveId" clId="{D9CE6366-D963-415B-8100-7D2C852AC910}" dt="2020-07-26T21:02:14.011" v="4670" actId="26606"/>
+          <ac:cxnSpMkLst>
+            <pc:docMk/>
+            <pc:sldMk cId="955771421" sldId="275"/>
+            <ac:cxnSpMk id="77" creationId="{B9EB6DAA-2F0C-43D5-A577-15D5D2C4E3F5}"/>
+          </ac:cxnSpMkLst>
+        </pc:cxnChg>
+        <pc:cxnChg chg="add del">
+          <ac:chgData name="Magdalena Cieslak" userId="942c8a57c2faf2b4" providerId="LiveId" clId="{D9CE6366-D963-415B-8100-7D2C852AC910}" dt="2020-07-26T21:02:15.425" v="4672" actId="26606"/>
+          <ac:cxnSpMkLst>
+            <pc:docMk/>
+            <pc:sldMk cId="955771421" sldId="275"/>
+            <ac:cxnSpMk id="80" creationId="{C5025DAC-8B93-4160-B017-3A274A5828C0}"/>
+          </ac:cxnSpMkLst>
+        </pc:cxnChg>
+        <pc:cxnChg chg="add del">
+          <ac:chgData name="Magdalena Cieslak" userId="942c8a57c2faf2b4" providerId="LiveId" clId="{D9CE6366-D963-415B-8100-7D2C852AC910}" dt="2020-07-26T21:02:15.425" v="4672" actId="26606"/>
+          <ac:cxnSpMkLst>
+            <pc:docMk/>
+            <pc:sldMk cId="955771421" sldId="275"/>
+            <ac:cxnSpMk id="83" creationId="{6BF9119E-766E-4526-AAE5-639F577C0493}"/>
+          </ac:cxnSpMkLst>
+        </pc:cxnChg>
+        <pc:cxnChg chg="add del">
+          <ac:chgData name="Magdalena Cieslak" userId="942c8a57c2faf2b4" providerId="LiveId" clId="{D9CE6366-D963-415B-8100-7D2C852AC910}" dt="2020-07-26T21:02:21.304" v="4674" actId="26606"/>
+          <ac:cxnSpMkLst>
+            <pc:docMk/>
+            <pc:sldMk cId="955771421" sldId="275"/>
+            <ac:cxnSpMk id="87" creationId="{C5025DAC-8B93-4160-B017-3A274A5828C0}"/>
+          </ac:cxnSpMkLst>
+        </pc:cxnChg>
+        <pc:cxnChg chg="add del">
+          <ac:chgData name="Magdalena Cieslak" userId="942c8a57c2faf2b4" providerId="LiveId" clId="{D9CE6366-D963-415B-8100-7D2C852AC910}" dt="2020-07-26T21:02:21.304" v="4674" actId="26606"/>
+          <ac:cxnSpMkLst>
+            <pc:docMk/>
+            <pc:sldMk cId="955771421" sldId="275"/>
+            <ac:cxnSpMk id="89" creationId="{89EB8C68-FF1B-4849-867B-32D29B19F102}"/>
+          </ac:cxnSpMkLst>
+        </pc:cxnChg>
+        <pc:cxnChg chg="add del">
+          <ac:chgData name="Magdalena Cieslak" userId="942c8a57c2faf2b4" providerId="LiveId" clId="{D9CE6366-D963-415B-8100-7D2C852AC910}" dt="2020-07-26T21:02:25.587" v="4676" actId="26606"/>
+          <ac:cxnSpMkLst>
+            <pc:docMk/>
+            <pc:sldMk cId="955771421" sldId="275"/>
+            <ac:cxnSpMk id="93" creationId="{C5025DAC-8B93-4160-B017-3A274A5828C0}"/>
+          </ac:cxnSpMkLst>
+        </pc:cxnChg>
+        <pc:cxnChg chg="add del">
+          <ac:chgData name="Magdalena Cieslak" userId="942c8a57c2faf2b4" providerId="LiveId" clId="{D9CE6366-D963-415B-8100-7D2C852AC910}" dt="2020-07-26T21:02:25.587" v="4676" actId="26606"/>
+          <ac:cxnSpMkLst>
+            <pc:docMk/>
+            <pc:sldMk cId="955771421" sldId="275"/>
+            <ac:cxnSpMk id="95" creationId="{055CEADF-09EA-423C-8C45-F94AF44D5AF0}"/>
+          </ac:cxnSpMkLst>
+        </pc:cxnChg>
+        <pc:cxnChg chg="add del">
+          <ac:chgData name="Magdalena Cieslak" userId="942c8a57c2faf2b4" providerId="LiveId" clId="{D9CE6366-D963-415B-8100-7D2C852AC910}" dt="2020-07-26T21:02:30.455" v="4678" actId="26606"/>
+          <ac:cxnSpMkLst>
+            <pc:docMk/>
+            <pc:sldMk cId="955771421" sldId="275"/>
+            <ac:cxnSpMk id="98" creationId="{C5025DAC-8B93-4160-B017-3A274A5828C0}"/>
+          </ac:cxnSpMkLst>
+        </pc:cxnChg>
+        <pc:cxnChg chg="add del">
+          <ac:chgData name="Magdalena Cieslak" userId="942c8a57c2faf2b4" providerId="LiveId" clId="{D9CE6366-D963-415B-8100-7D2C852AC910}" dt="2020-07-26T21:02:30.455" v="4678" actId="26606"/>
+          <ac:cxnSpMkLst>
+            <pc:docMk/>
+            <pc:sldMk cId="955771421" sldId="275"/>
+            <ac:cxnSpMk id="100" creationId="{055CEADF-09EA-423C-8C45-F94AF44D5AF0}"/>
+          </ac:cxnSpMkLst>
+        </pc:cxnChg>
+        <pc:cxnChg chg="add del">
+          <ac:chgData name="Magdalena Cieslak" userId="942c8a57c2faf2b4" providerId="LiveId" clId="{D9CE6366-D963-415B-8100-7D2C852AC910}" dt="2020-07-26T21:02:36.423" v="4680" actId="26606"/>
+          <ac:cxnSpMkLst>
+            <pc:docMk/>
+            <pc:sldMk cId="955771421" sldId="275"/>
+            <ac:cxnSpMk id="103" creationId="{C5025DAC-8B93-4160-B017-3A274A5828C0}"/>
+          </ac:cxnSpMkLst>
+        </pc:cxnChg>
+        <pc:cxnChg chg="add del">
+          <ac:chgData name="Magdalena Cieslak" userId="942c8a57c2faf2b4" providerId="LiveId" clId="{D9CE6366-D963-415B-8100-7D2C852AC910}" dt="2020-07-26T21:02:36.423" v="4680" actId="26606"/>
+          <ac:cxnSpMkLst>
+            <pc:docMk/>
+            <pc:sldMk cId="955771421" sldId="275"/>
+            <ac:cxnSpMk id="105" creationId="{055CEADF-09EA-423C-8C45-F94AF44D5AF0}"/>
+          </ac:cxnSpMkLst>
+        </pc:cxnChg>
+      </pc:sldChg>
+      <pc:sldChg chg="addSp delSp modSp new mod setBg setClrOvrMap">
+        <pc:chgData name="Magdalena Cieslak" userId="942c8a57c2faf2b4" providerId="LiveId" clId="{D9CE6366-D963-415B-8100-7D2C852AC910}" dt="2020-07-26T21:43:41.433" v="5568" actId="20577"/>
+        <pc:sldMkLst>
+          <pc:docMk/>
+          <pc:sldMk cId="2536257691" sldId="276"/>
+        </pc:sldMkLst>
+        <pc:spChg chg="del">
+          <ac:chgData name="Magdalena Cieslak" userId="942c8a57c2faf2b4" providerId="LiveId" clId="{D9CE6366-D963-415B-8100-7D2C852AC910}" dt="2020-07-26T20:53:28.063" v="4615" actId="26606"/>
+          <ac:spMkLst>
+            <pc:docMk/>
+            <pc:sldMk cId="2536257691" sldId="276"/>
+            <ac:spMk id="2" creationId="{5789881C-63C9-44D3-A110-438034B7C1A4}"/>
+          </ac:spMkLst>
+        </pc:spChg>
+        <pc:spChg chg="mod">
+          <ac:chgData name="Magdalena Cieslak" userId="942c8a57c2faf2b4" providerId="LiveId" clId="{D9CE6366-D963-415B-8100-7D2C852AC910}" dt="2020-07-26T20:53:42.874" v="4625" actId="20577"/>
+          <ac:spMkLst>
+            <pc:docMk/>
+            <pc:sldMk cId="2536257691" sldId="276"/>
+            <ac:spMk id="3" creationId="{B094D1BE-30A8-4457-91B8-1D2001CA33DC}"/>
+          </ac:spMkLst>
+        </pc:spChg>
+        <pc:spChg chg="del">
+          <ac:chgData name="Magdalena Cieslak" userId="942c8a57c2faf2b4" providerId="LiveId" clId="{D9CE6366-D963-415B-8100-7D2C852AC910}" dt="2020-07-26T20:53:28.063" v="4615" actId="26606"/>
+          <ac:spMkLst>
+            <pc:docMk/>
+            <pc:sldMk cId="2536257691" sldId="276"/>
+            <ac:spMk id="4" creationId="{FB0AC4DD-41BF-4D30-9AE9-D0244A9BB2A6}"/>
+          </ac:spMkLst>
+        </pc:spChg>
+        <pc:spChg chg="add mod">
+          <ac:chgData name="Magdalena Cieslak" userId="942c8a57c2faf2b4" providerId="LiveId" clId="{D9CE6366-D963-415B-8100-7D2C852AC910}" dt="2020-07-26T21:43:41.433" v="5568" actId="20577"/>
+          <ac:spMkLst>
+            <pc:docMk/>
+            <pc:sldMk cId="2536257691" sldId="276"/>
+            <ac:spMk id="5" creationId="{6FFE833D-6D3D-45D7-86ED-9C9AD611AF6A}"/>
+          </ac:spMkLst>
+        </pc:spChg>
+        <pc:spChg chg="add">
+          <ac:chgData name="Magdalena Cieslak" userId="942c8a57c2faf2b4" providerId="LiveId" clId="{D9CE6366-D963-415B-8100-7D2C852AC910}" dt="2020-07-26T20:53:28.063" v="4615" actId="26606"/>
+          <ac:spMkLst>
+            <pc:docMk/>
+            <pc:sldMk cId="2536257691" sldId="276"/>
+            <ac:spMk id="9" creationId="{39E3965E-AC41-4711-9D10-E25ABB132D86}"/>
+          </ac:spMkLst>
+        </pc:spChg>
+        <pc:spChg chg="add">
+          <ac:chgData name="Magdalena Cieslak" userId="942c8a57c2faf2b4" providerId="LiveId" clId="{D9CE6366-D963-415B-8100-7D2C852AC910}" dt="2020-07-26T20:53:28.063" v="4615" actId="26606"/>
+          <ac:spMkLst>
+            <pc:docMk/>
+            <pc:sldMk cId="2536257691" sldId="276"/>
+            <ac:spMk id="13" creationId="{8C6E698C-8155-4B8B-BDC9-B7299772B509}"/>
+          </ac:spMkLst>
+        </pc:spChg>
+        <pc:spChg chg="add">
+          <ac:chgData name="Magdalena Cieslak" userId="942c8a57c2faf2b4" providerId="LiveId" clId="{D9CE6366-D963-415B-8100-7D2C852AC910}" dt="2020-07-26T20:53:28.063" v="4615" actId="26606"/>
+          <ac:spMkLst>
+            <pc:docMk/>
+            <pc:sldMk cId="2536257691" sldId="276"/>
+            <ac:spMk id="17" creationId="{B624C8D3-B9AD-4F4F-8554-4EAF3724DBCE}"/>
+          </ac:spMkLst>
+        </pc:spChg>
+        <pc:cxnChg chg="add">
+          <ac:chgData name="Magdalena Cieslak" userId="942c8a57c2faf2b4" providerId="LiveId" clId="{D9CE6366-D963-415B-8100-7D2C852AC910}" dt="2020-07-26T20:53:28.063" v="4615" actId="26606"/>
+          <ac:cxnSpMkLst>
+            <pc:docMk/>
+            <pc:sldMk cId="2536257691" sldId="276"/>
+            <ac:cxnSpMk id="11" creationId="{1F5DC8C3-BA5F-4EED-BB9A-A14272BD82A1}"/>
+          </ac:cxnSpMkLst>
+        </pc:cxnChg>
+        <pc:cxnChg chg="add">
+          <ac:chgData name="Magdalena Cieslak" userId="942c8a57c2faf2b4" providerId="LiveId" clId="{D9CE6366-D963-415B-8100-7D2C852AC910}" dt="2020-07-26T20:53:28.063" v="4615" actId="26606"/>
+          <ac:cxnSpMkLst>
+            <pc:docMk/>
+            <pc:sldMk cId="2536257691" sldId="276"/>
+            <ac:cxnSpMk id="15" creationId="{09525C9A-1972-4836-BA7A-706C946EF4DA}"/>
+          </ac:cxnSpMkLst>
+        </pc:cxnChg>
       </pc:sldChg>
       <pc:sldMasterChg chg="setBg modSldLayout">
         <pc:chgData name="Magdalena Cieslak" userId="942c8a57c2faf2b4" providerId="LiveId" clId="{D9CE6366-D963-415B-8100-7D2C852AC910}" dt="2020-07-26T13:40:41.818" v="1820"/>
@@ -4767,10 +6992,9 @@
           </a:lstStyle>
           <a:p>
             <a:r>
-              <a:rPr lang="en-US"/>
+              <a:rPr lang="en-US" dirty="0"/>
               <a:t>Click icon to add picture</a:t>
             </a:r>
-            <a:endParaRPr lang="en-US" dirty="0"/>
           </a:p>
         </p:txBody>
       </p:sp>
@@ -5818,7 +8042,7 @@
           <a:lstStyle/>
           <a:p>
             <a:pPr algn="ctr"/>
-            <a:endParaRPr lang="en-US"/>
+            <a:endParaRPr lang="en-US" dirty="0"/>
           </a:p>
         </p:txBody>
       </p:sp>
@@ -6084,6 +8308,464 @@
 </p:sld>
 </file>
 
+<file path=ppt/slides/slide10.xml><?xml version="1.0" encoding="utf-8"?>
+<p:sld xmlns:a="http://schemas.openxmlformats.org/drawingml/2006/main" xmlns:r="http://schemas.openxmlformats.org/officeDocument/2006/relationships" xmlns:p="http://schemas.openxmlformats.org/presentationml/2006/main">
+  <p:cSld>
+    <p:bg>
+      <p:bgPr>
+        <a:gradFill rotWithShape="1">
+          <a:gsLst>
+            <a:gs pos="0">
+              <a:schemeClr val="bg1">
+                <a:tint val="96000"/>
+                <a:shade val="99000"/>
+                <a:satMod val="140000"/>
+              </a:schemeClr>
+            </a:gs>
+            <a:gs pos="65000">
+              <a:schemeClr val="bg1">
+                <a:tint val="100000"/>
+                <a:shade val="80000"/>
+                <a:satMod val="130000"/>
+              </a:schemeClr>
+            </a:gs>
+            <a:gs pos="100000">
+              <a:schemeClr val="bg1">
+                <a:tint val="100000"/>
+                <a:shade val="48000"/>
+                <a:satMod val="120000"/>
+              </a:schemeClr>
+            </a:gs>
+          </a:gsLst>
+          <a:lin ang="16200000" scaled="0"/>
+        </a:gradFill>
+        <a:effectLst/>
+      </p:bgPr>
+    </p:bg>
+    <p:spTree>
+      <p:nvGrpSpPr>
+        <p:cNvPr id="1" name=""/>
+        <p:cNvGrpSpPr/>
+        <p:nvPr/>
+      </p:nvGrpSpPr>
+      <p:grpSpPr>
+        <a:xfrm>
+          <a:off x="0" y="0"/>
+          <a:ext cx="0" cy="0"/>
+          <a:chOff x="0" y="0"/>
+          <a:chExt cx="0" cy="0"/>
+        </a:xfrm>
+      </p:grpSpPr>
+      <p:sp>
+        <p:nvSpPr>
+          <p:cNvPr id="9" name="Rectangle 8">
+            <a:extLst>
+              <a:ext uri="{FF2B5EF4-FFF2-40B4-BE49-F238E27FC236}">
+                <a16:creationId xmlns:a16="http://schemas.microsoft.com/office/drawing/2014/main" id="{39E3965E-AC41-4711-9D10-E25ABB132D86}"/>
+              </a:ext>
+              <a:ext uri="{C183D7F6-B498-43B3-948B-1728B52AA6E4}">
+                <adec:decorative xmlns:adec="http://schemas.microsoft.com/office/drawing/2017/decorative" val="1"/>
+              </a:ext>
+            </a:extLst>
+          </p:cNvPr>
+          <p:cNvSpPr>
+            <a:spLocks noGrp="1" noRot="1" noChangeAspect="1" noMove="1" noResize="1" noEditPoints="1" noAdjustHandles="1" noChangeArrowheads="1" noChangeShapeType="1" noTextEdit="1"/>
+          </p:cNvSpPr>
+          <p:nvPr>
+            <p:extLst>
+              <p:ext uri="{386F3935-93C4-4BCD-93E2-E3B085C9AB24}">
+                <p16:designElem xmlns:p16="http://schemas.microsoft.com/office/powerpoint/2015/main" val="1"/>
+              </p:ext>
+            </p:extLst>
+          </p:nvPr>
+        </p:nvSpPr>
+        <p:spPr>
+          <a:xfrm>
+            <a:off x="3175" y="6400800"/>
+            <a:ext cx="12188825" cy="457200"/>
+          </a:xfrm>
+          <a:prstGeom prst="rect">
+            <a:avLst/>
+          </a:prstGeom>
+          <a:solidFill>
+            <a:srgbClr val="262626"/>
+          </a:solidFill>
+          <a:ln>
+            <a:noFill/>
+          </a:ln>
+        </p:spPr>
+        <p:style>
+          <a:lnRef idx="2">
+            <a:schemeClr val="accent1">
+              <a:shade val="50000"/>
+            </a:schemeClr>
+          </a:lnRef>
+          <a:fillRef idx="1">
+            <a:schemeClr val="accent1"/>
+          </a:fillRef>
+          <a:effectRef idx="0">
+            <a:schemeClr val="accent1"/>
+          </a:effectRef>
+          <a:fontRef idx="minor">
+            <a:schemeClr val="lt1"/>
+          </a:fontRef>
+        </p:style>
+      </p:sp>
+      <p:cxnSp>
+        <p:nvCxnSpPr>
+          <p:cNvPr id="11" name="Straight Connector 10">
+            <a:extLst>
+              <a:ext uri="{FF2B5EF4-FFF2-40B4-BE49-F238E27FC236}">
+                <a16:creationId xmlns:a16="http://schemas.microsoft.com/office/drawing/2014/main" id="{1F5DC8C3-BA5F-4EED-BB9A-A14272BD82A1}"/>
+              </a:ext>
+              <a:ext uri="{C183D7F6-B498-43B3-948B-1728B52AA6E4}">
+                <adec:decorative xmlns:adec="http://schemas.microsoft.com/office/drawing/2017/decorative" val="1"/>
+              </a:ext>
+            </a:extLst>
+          </p:cNvPr>
+          <p:cNvCxnSpPr>
+            <a:cxnSpLocks noGrp="1" noRot="1" noChangeAspect="1" noMove="1" noResize="1" noEditPoints="1" noAdjustHandles="1" noChangeArrowheads="1" noChangeShapeType="1"/>
+          </p:cNvCxnSpPr>
+          <p:nvPr>
+            <p:extLst>
+              <p:ext uri="{386F3935-93C4-4BCD-93E2-E3B085C9AB24}">
+                <p16:designElem xmlns:p16="http://schemas.microsoft.com/office/powerpoint/2015/main" val="1"/>
+              </p:ext>
+            </p:extLst>
+          </p:nvPr>
+        </p:nvCxnSpPr>
+        <p:spPr>
+          <a:xfrm>
+            <a:off x="1207658" y="4474741"/>
+            <a:ext cx="9875520" cy="0"/>
+          </a:xfrm>
+          <a:prstGeom prst="line">
+            <a:avLst/>
+          </a:prstGeom>
+          <a:ln w="12700">
+            <a:solidFill>
+              <a:schemeClr val="tx1">
+                <a:lumMod val="75000"/>
+                <a:lumOff val="25000"/>
+              </a:schemeClr>
+            </a:solidFill>
+          </a:ln>
+        </p:spPr>
+        <p:style>
+          <a:lnRef idx="1">
+            <a:schemeClr val="accent1"/>
+          </a:lnRef>
+          <a:fillRef idx="0">
+            <a:schemeClr val="accent1"/>
+          </a:fillRef>
+          <a:effectRef idx="0">
+            <a:schemeClr val="accent1"/>
+          </a:effectRef>
+          <a:fontRef idx="minor">
+            <a:schemeClr val="tx1"/>
+          </a:fontRef>
+        </p:style>
+      </p:cxnSp>
+      <p:sp useBgFill="1">
+        <p:nvSpPr>
+          <p:cNvPr id="13" name="Rectangle 12">
+            <a:extLst>
+              <a:ext uri="{FF2B5EF4-FFF2-40B4-BE49-F238E27FC236}">
+                <a16:creationId xmlns:a16="http://schemas.microsoft.com/office/drawing/2014/main" id="{8C6E698C-8155-4B8B-BDC9-B7299772B509}"/>
+              </a:ext>
+              <a:ext uri="{C183D7F6-B498-43B3-948B-1728B52AA6E4}">
+                <adec:decorative xmlns:adec="http://schemas.microsoft.com/office/drawing/2017/decorative" val="1"/>
+              </a:ext>
+            </a:extLst>
+          </p:cNvPr>
+          <p:cNvSpPr>
+            <a:spLocks noGrp="1" noRot="1" noChangeAspect="1" noMove="1" noResize="1" noEditPoints="1" noAdjustHandles="1" noChangeArrowheads="1" noChangeShapeType="1" noTextEdit="1"/>
+          </p:cNvSpPr>
+          <p:nvPr>
+            <p:extLst>
+              <p:ext uri="{386F3935-93C4-4BCD-93E2-E3B085C9AB24}">
+                <p16:designElem xmlns:p16="http://schemas.microsoft.com/office/powerpoint/2015/main" val="1"/>
+              </p:ext>
+            </p:extLst>
+          </p:nvPr>
+        </p:nvSpPr>
+        <p:spPr>
+          <a:xfrm>
+            <a:off x="0" y="0"/>
+            <a:ext cx="12188952" cy="6858000"/>
+          </a:xfrm>
+          <a:prstGeom prst="rect">
+            <a:avLst/>
+          </a:prstGeom>
+          <a:ln>
+            <a:noFill/>
+          </a:ln>
+        </p:spPr>
+        <p:style>
+          <a:lnRef idx="2">
+            <a:schemeClr val="accent1">
+              <a:shade val="50000"/>
+            </a:schemeClr>
+          </a:lnRef>
+          <a:fillRef idx="1">
+            <a:schemeClr val="accent1"/>
+          </a:fillRef>
+          <a:effectRef idx="0">
+            <a:schemeClr val="accent1"/>
+          </a:effectRef>
+          <a:fontRef idx="minor">
+            <a:schemeClr val="lt1"/>
+          </a:fontRef>
+        </p:style>
+        <p:txBody>
+          <a:bodyPr rtlCol="0" anchor="ctr"/>
+          <a:lstStyle/>
+          <a:p>
+            <a:pPr algn="ctr"/>
+            <a:endParaRPr lang="en-US" dirty="0"/>
+          </a:p>
+        </p:txBody>
+      </p:sp>
+      <p:sp>
+        <p:nvSpPr>
+          <p:cNvPr id="3" name="Title 2">
+            <a:extLst>
+              <a:ext uri="{FF2B5EF4-FFF2-40B4-BE49-F238E27FC236}">
+                <a16:creationId xmlns:a16="http://schemas.microsoft.com/office/drawing/2014/main" id="{B094D1BE-30A8-4457-91B8-1D2001CA33DC}"/>
+              </a:ext>
+            </a:extLst>
+          </p:cNvPr>
+          <p:cNvSpPr>
+            <a:spLocks noGrp="1"/>
+          </p:cNvSpPr>
+          <p:nvPr>
+            <p:ph type="title"/>
+          </p:nvPr>
+        </p:nvSpPr>
+        <p:spPr>
+          <a:xfrm>
+            <a:off x="965201" y="643467"/>
+            <a:ext cx="6255026" cy="5054008"/>
+          </a:xfrm>
+        </p:spPr>
+        <p:txBody>
+          <a:bodyPr vert="horz" lIns="91440" tIns="45720" rIns="91440" bIns="45720" rtlCol="0" anchor="ctr">
+            <a:normAutofit/>
+          </a:bodyPr>
+          <a:lstStyle/>
+          <a:p>
+            <a:pPr algn="r"/>
+            <a:r>
+              <a:rPr lang="en-US" sz="8000" dirty="0">
+                <a:solidFill>
+                  <a:schemeClr val="tx1">
+                    <a:lumMod val="85000"/>
+                    <a:lumOff val="15000"/>
+                  </a:schemeClr>
+                </a:solidFill>
+              </a:rPr>
+              <a:t>Conclusion</a:t>
+            </a:r>
+          </a:p>
+        </p:txBody>
+      </p:sp>
+      <p:cxnSp>
+        <p:nvCxnSpPr>
+          <p:cNvPr id="15" name="Straight Connector 14">
+            <a:extLst>
+              <a:ext uri="{FF2B5EF4-FFF2-40B4-BE49-F238E27FC236}">
+                <a16:creationId xmlns:a16="http://schemas.microsoft.com/office/drawing/2014/main" id="{09525C9A-1972-4836-BA7A-706C946EF4DA}"/>
+              </a:ext>
+              <a:ext uri="{C183D7F6-B498-43B3-948B-1728B52AA6E4}">
+                <adec:decorative xmlns:adec="http://schemas.microsoft.com/office/drawing/2017/decorative" val="1"/>
+              </a:ext>
+            </a:extLst>
+          </p:cNvPr>
+          <p:cNvCxnSpPr>
+            <a:cxnSpLocks noGrp="1" noRot="1" noChangeAspect="1" noMove="1" noResize="1" noEditPoints="1" noAdjustHandles="1" noChangeArrowheads="1" noChangeShapeType="1"/>
+          </p:cNvCxnSpPr>
+          <p:nvPr>
+            <p:extLst>
+              <p:ext uri="{386F3935-93C4-4BCD-93E2-E3B085C9AB24}">
+                <p16:designElem xmlns:p16="http://schemas.microsoft.com/office/powerpoint/2015/main" val="1"/>
+              </p:ext>
+            </p:extLst>
+          </p:nvPr>
+        </p:nvCxnSpPr>
+        <p:spPr>
+          <a:xfrm>
+            <a:off x="7534656" y="1391367"/>
+            <a:ext cx="0" cy="3558208"/>
+          </a:xfrm>
+          <a:prstGeom prst="line">
+            <a:avLst/>
+          </a:prstGeom>
+          <a:ln>
+            <a:solidFill>
+              <a:schemeClr val="tx1">
+                <a:lumMod val="75000"/>
+                <a:lumOff val="25000"/>
+              </a:schemeClr>
+            </a:solidFill>
+          </a:ln>
+        </p:spPr>
+        <p:style>
+          <a:lnRef idx="1">
+            <a:schemeClr val="accent1"/>
+          </a:lnRef>
+          <a:fillRef idx="0">
+            <a:schemeClr val="accent1"/>
+          </a:fillRef>
+          <a:effectRef idx="0">
+            <a:schemeClr val="accent1"/>
+          </a:effectRef>
+          <a:fontRef idx="minor">
+            <a:schemeClr val="tx1"/>
+          </a:fontRef>
+        </p:style>
+      </p:cxnSp>
+      <p:sp>
+        <p:nvSpPr>
+          <p:cNvPr id="17" name="Rectangle 16">
+            <a:extLst>
+              <a:ext uri="{FF2B5EF4-FFF2-40B4-BE49-F238E27FC236}">
+                <a16:creationId xmlns:a16="http://schemas.microsoft.com/office/drawing/2014/main" id="{B624C8D3-B9AD-4F4F-8554-4EAF3724DBCE}"/>
+              </a:ext>
+              <a:ext uri="{C183D7F6-B498-43B3-948B-1728B52AA6E4}">
+                <adec:decorative xmlns:adec="http://schemas.microsoft.com/office/drawing/2017/decorative" val="1"/>
+              </a:ext>
+            </a:extLst>
+          </p:cNvPr>
+          <p:cNvSpPr>
+            <a:spLocks noGrp="1" noRot="1" noChangeAspect="1" noMove="1" noResize="1" noEditPoints="1" noAdjustHandles="1" noChangeArrowheads="1" noChangeShapeType="1" noTextEdit="1"/>
+          </p:cNvSpPr>
+          <p:nvPr>
+            <p:extLst>
+              <p:ext uri="{386F3935-93C4-4BCD-93E2-E3B085C9AB24}">
+                <p16:designElem xmlns:p16="http://schemas.microsoft.com/office/powerpoint/2015/main" val="1"/>
+              </p:ext>
+            </p:extLst>
+          </p:nvPr>
+        </p:nvSpPr>
+        <p:spPr>
+          <a:xfrm>
+            <a:off x="3175" y="6400800"/>
+            <a:ext cx="12188825" cy="457200"/>
+          </a:xfrm>
+          <a:prstGeom prst="rect">
+            <a:avLst/>
+          </a:prstGeom>
+          <a:solidFill>
+            <a:srgbClr val="262626"/>
+          </a:solidFill>
+          <a:ln>
+            <a:noFill/>
+          </a:ln>
+        </p:spPr>
+        <p:style>
+          <a:lnRef idx="2">
+            <a:schemeClr val="accent1">
+              <a:shade val="50000"/>
+            </a:schemeClr>
+          </a:lnRef>
+          <a:fillRef idx="1">
+            <a:schemeClr val="accent1"/>
+          </a:fillRef>
+          <a:effectRef idx="0">
+            <a:schemeClr val="accent1"/>
+          </a:effectRef>
+          <a:fontRef idx="minor">
+            <a:schemeClr val="lt1"/>
+          </a:fontRef>
+        </p:style>
+      </p:sp>
+      <p:sp>
+        <p:nvSpPr>
+          <p:cNvPr id="5" name="TextBox 4">
+            <a:extLst>
+              <a:ext uri="{FF2B5EF4-FFF2-40B4-BE49-F238E27FC236}">
+                <a16:creationId xmlns:a16="http://schemas.microsoft.com/office/drawing/2014/main" id="{6FFE833D-6D3D-45D7-86ED-9C9AD611AF6A}"/>
+              </a:ext>
+            </a:extLst>
+          </p:cNvPr>
+          <p:cNvSpPr txBox="1"/>
+          <p:nvPr/>
+        </p:nvSpPr>
+        <p:spPr>
+          <a:xfrm>
+            <a:off x="8572500" y="2228850"/>
+            <a:ext cx="3688895" cy="2308324"/>
+          </a:xfrm>
+          <a:prstGeom prst="rect">
+            <a:avLst/>
+          </a:prstGeom>
+          <a:noFill/>
+        </p:spPr>
+        <p:txBody>
+          <a:bodyPr wrap="none" rtlCol="0">
+            <a:spAutoFit/>
+          </a:bodyPr>
+          <a:lstStyle/>
+          <a:p>
+            <a:r>
+              <a:rPr lang="en-GB" dirty="0"/>
+              <a:t>This project conclude that </a:t>
+            </a:r>
+          </a:p>
+          <a:p>
+            <a:r>
+              <a:rPr lang="en-GB" dirty="0"/>
+              <a:t>3 London Borough with the highest </a:t>
+            </a:r>
+          </a:p>
+          <a:p>
+            <a:r>
+              <a:rPr lang="en-GB" dirty="0"/>
+              <a:t>Income are potentially good </a:t>
+            </a:r>
+          </a:p>
+          <a:p>
+            <a:r>
+              <a:rPr lang="en-GB" dirty="0"/>
+              <a:t>for new business location</a:t>
+            </a:r>
+          </a:p>
+          <a:p>
+            <a:endParaRPr lang="en-GB" dirty="0"/>
+          </a:p>
+          <a:p>
+            <a:r>
+              <a:rPr lang="en-GB" dirty="0"/>
+              <a:t>Tower Hamlet</a:t>
+            </a:r>
+          </a:p>
+          <a:p>
+            <a:r>
+              <a:rPr lang="en-GB" dirty="0"/>
+              <a:t>Westminster</a:t>
+            </a:r>
+          </a:p>
+          <a:p>
+            <a:r>
+              <a:rPr lang="en-GB" dirty="0"/>
+              <a:t>Islington</a:t>
+            </a:r>
+          </a:p>
+        </p:txBody>
+      </p:sp>
+    </p:spTree>
+    <p:extLst>
+      <p:ext uri="{BB962C8B-B14F-4D97-AF65-F5344CB8AC3E}">
+        <p14:creationId xmlns:p14="http://schemas.microsoft.com/office/powerpoint/2010/main" val="2536257691"/>
+      </p:ext>
+    </p:extLst>
+  </p:cSld>
+  <p:clrMapOvr>
+    <a:overrideClrMapping bg1="dk1" tx1="lt1" bg2="dk2" tx2="lt2" accent1="accent1" accent2="accent2" accent3="accent3" accent4="accent4" accent5="accent5" accent6="accent6" hlink="hlink" folHlink="folHlink"/>
+  </p:clrMapOvr>
+</p:sld>
+</file>
+
 <file path=ppt/slides/slide2.xml><?xml version="1.0" encoding="utf-8"?>
 <p:sld xmlns:a="http://schemas.openxmlformats.org/drawingml/2006/main" xmlns:r="http://schemas.openxmlformats.org/officeDocument/2006/relationships" xmlns:p="http://schemas.openxmlformats.org/presentationml/2006/main">
   <p:cSld>
@@ -6761,6 +9443,14 @@
 <file path=ppt/slides/slide3.xml><?xml version="1.0" encoding="utf-8"?>
 <p:sld xmlns:a="http://schemas.openxmlformats.org/drawingml/2006/main" xmlns:r="http://schemas.openxmlformats.org/officeDocument/2006/relationships" xmlns:p="http://schemas.openxmlformats.org/presentationml/2006/main">
   <p:cSld>
+    <p:bg>
+      <p:bgPr>
+        <a:solidFill>
+          <a:schemeClr val="bg1"/>
+        </a:solidFill>
+        <a:effectLst/>
+      </p:bgPr>
+    </p:bg>
     <p:spTree>
       <p:nvGrpSpPr>
         <p:cNvPr id="1" name=""/>
@@ -6777,10 +9467,218 @@
       </p:grpSpPr>
       <p:sp>
         <p:nvSpPr>
-          <p:cNvPr id="2" name="Picture Placeholder 1">
+          <p:cNvPr id="37" name="Rectangle 23">
             <a:extLst>
               <a:ext uri="{FF2B5EF4-FFF2-40B4-BE49-F238E27FC236}">
-                <a16:creationId xmlns:a16="http://schemas.microsoft.com/office/drawing/2014/main" id="{98097073-8BBA-491B-B5CD-EEF8C079AD41}"/>
+                <a16:creationId xmlns:a16="http://schemas.microsoft.com/office/drawing/2014/main" id="{416A0E3C-60E6-4F39-BC55-5F7C224E1F7C}"/>
+              </a:ext>
+              <a:ext uri="{C183D7F6-B498-43B3-948B-1728B52AA6E4}">
+                <adec:decorative xmlns:adec="http://schemas.microsoft.com/office/drawing/2017/decorative" val="1"/>
+              </a:ext>
+            </a:extLst>
+          </p:cNvPr>
+          <p:cNvSpPr>
+            <a:spLocks noGrp="1" noRot="1" noChangeAspect="1" noMove="1" noResize="1" noEditPoints="1" noAdjustHandles="1" noChangeArrowheads="1" noChangeShapeType="1" noTextEdit="1"/>
+          </p:cNvSpPr>
+          <p:nvPr>
+            <p:extLst>
+              <p:ext uri="{386F3935-93C4-4BCD-93E2-E3B085C9AB24}">
+                <p16:designElem xmlns:p16="http://schemas.microsoft.com/office/powerpoint/2015/main" val="1"/>
+              </p:ext>
+            </p:extLst>
+          </p:nvPr>
+        </p:nvSpPr>
+        <p:spPr>
+          <a:xfrm>
+            <a:off x="3175" y="6400800"/>
+            <a:ext cx="12188825" cy="457200"/>
+          </a:xfrm>
+          <a:prstGeom prst="rect">
+            <a:avLst/>
+          </a:prstGeom>
+          <a:solidFill>
+            <a:srgbClr val="262626"/>
+          </a:solidFill>
+          <a:ln>
+            <a:noFill/>
+          </a:ln>
+        </p:spPr>
+        <p:style>
+          <a:lnRef idx="2">
+            <a:schemeClr val="accent1">
+              <a:shade val="50000"/>
+            </a:schemeClr>
+          </a:lnRef>
+          <a:fillRef idx="1">
+            <a:schemeClr val="accent1"/>
+          </a:fillRef>
+          <a:effectRef idx="0">
+            <a:schemeClr val="accent1"/>
+          </a:effectRef>
+          <a:fontRef idx="minor">
+            <a:schemeClr val="lt1"/>
+          </a:fontRef>
+        </p:style>
+      </p:sp>
+      <p:cxnSp>
+        <p:nvCxnSpPr>
+          <p:cNvPr id="38" name="Straight Connector 25">
+            <a:extLst>
+              <a:ext uri="{FF2B5EF4-FFF2-40B4-BE49-F238E27FC236}">
+                <a16:creationId xmlns:a16="http://schemas.microsoft.com/office/drawing/2014/main" id="{C5025DAC-8B93-4160-B017-3A274A5828C0}"/>
+              </a:ext>
+              <a:ext uri="{C183D7F6-B498-43B3-948B-1728B52AA6E4}">
+                <adec:decorative xmlns:adec="http://schemas.microsoft.com/office/drawing/2017/decorative" val="1"/>
+              </a:ext>
+            </a:extLst>
+          </p:cNvPr>
+          <p:cNvCxnSpPr>
+            <a:cxnSpLocks noGrp="1" noRot="1" noChangeAspect="1" noMove="1" noResize="1" noEditPoints="1" noAdjustHandles="1" noChangeArrowheads="1" noChangeShapeType="1"/>
+          </p:cNvCxnSpPr>
+          <p:nvPr>
+            <p:extLst>
+              <p:ext uri="{386F3935-93C4-4BCD-93E2-E3B085C9AB24}">
+                <p16:designElem xmlns:p16="http://schemas.microsoft.com/office/powerpoint/2015/main" val="1"/>
+              </p:ext>
+            </p:extLst>
+          </p:nvPr>
+        </p:nvCxnSpPr>
+        <p:spPr>
+          <a:xfrm>
+            <a:off x="1193532" y="1897380"/>
+            <a:ext cx="9966960" cy="0"/>
+          </a:xfrm>
+          <a:prstGeom prst="line">
+            <a:avLst/>
+          </a:prstGeom>
+          <a:ln w="12700">
+            <a:solidFill>
+              <a:schemeClr val="tx1">
+                <a:lumMod val="75000"/>
+                <a:lumOff val="25000"/>
+              </a:schemeClr>
+            </a:solidFill>
+          </a:ln>
+        </p:spPr>
+        <p:style>
+          <a:lnRef idx="1">
+            <a:schemeClr val="accent1"/>
+          </a:lnRef>
+          <a:fillRef idx="0">
+            <a:schemeClr val="accent1"/>
+          </a:fillRef>
+          <a:effectRef idx="0">
+            <a:schemeClr val="accent1"/>
+          </a:effectRef>
+          <a:fontRef idx="minor">
+            <a:schemeClr val="tx1"/>
+          </a:fontRef>
+        </p:style>
+      </p:cxnSp>
+      <p:sp useBgFill="1">
+        <p:nvSpPr>
+          <p:cNvPr id="39" name="Rectangle 27">
+            <a:extLst>
+              <a:ext uri="{FF2B5EF4-FFF2-40B4-BE49-F238E27FC236}">
+                <a16:creationId xmlns:a16="http://schemas.microsoft.com/office/drawing/2014/main" id="{B0E58038-8ACE-4AD9-B404-25C603550D83}"/>
+              </a:ext>
+              <a:ext uri="{C183D7F6-B498-43B3-948B-1728B52AA6E4}">
+                <adec:decorative xmlns:adec="http://schemas.microsoft.com/office/drawing/2017/decorative" val="1"/>
+              </a:ext>
+            </a:extLst>
+          </p:cNvPr>
+          <p:cNvSpPr>
+            <a:spLocks noGrp="1" noRot="1" noChangeAspect="1" noMove="1" noResize="1" noEditPoints="1" noAdjustHandles="1" noChangeArrowheads="1" noChangeShapeType="1" noTextEdit="1"/>
+          </p:cNvSpPr>
+          <p:nvPr>
+            <p:extLst>
+              <p:ext uri="{386F3935-93C4-4BCD-93E2-E3B085C9AB24}">
+                <p16:designElem xmlns:p16="http://schemas.microsoft.com/office/powerpoint/2015/main" val="1"/>
+              </p:ext>
+            </p:extLst>
+          </p:nvPr>
+        </p:nvSpPr>
+        <p:spPr>
+          <a:xfrm>
+            <a:off x="0" y="0"/>
+            <a:ext cx="12191999" cy="6858000"/>
+          </a:xfrm>
+          <a:prstGeom prst="rect">
+            <a:avLst/>
+          </a:prstGeom>
+          <a:ln>
+            <a:noFill/>
+          </a:ln>
+        </p:spPr>
+        <p:style>
+          <a:lnRef idx="2">
+            <a:schemeClr val="accent1">
+              <a:shade val="50000"/>
+            </a:schemeClr>
+          </a:lnRef>
+          <a:fillRef idx="1">
+            <a:schemeClr val="accent1"/>
+          </a:fillRef>
+          <a:effectRef idx="0">
+            <a:schemeClr val="accent1"/>
+          </a:effectRef>
+          <a:fontRef idx="minor">
+            <a:schemeClr val="lt1"/>
+          </a:fontRef>
+        </p:style>
+        <p:txBody>
+          <a:bodyPr rtlCol="0" anchor="ctr"/>
+          <a:lstStyle/>
+          <a:p>
+            <a:pPr algn="ctr"/>
+            <a:endParaRPr lang="en-US" dirty="0"/>
+          </a:p>
+        </p:txBody>
+      </p:sp>
+      <p:pic>
+        <p:nvPicPr>
+          <p:cNvPr id="6" name="Picture Placeholder 5" descr="A crowd of people walking on a city street&#10;&#10;Description automatically generated">
+            <a:extLst>
+              <a:ext uri="{FF2B5EF4-FFF2-40B4-BE49-F238E27FC236}">
+                <a16:creationId xmlns:a16="http://schemas.microsoft.com/office/drawing/2014/main" id="{2C4AD8D8-5313-46AE-902B-D76ABD5E1D9E}"/>
+              </a:ext>
+            </a:extLst>
+          </p:cNvPr>
+          <p:cNvPicPr>
+            <a:picLocks noGrp="1" noChangeAspect="1"/>
+          </p:cNvPicPr>
+          <p:nvPr>
+            <p:ph type="pic" idx="1"/>
+          </p:nvPr>
+        </p:nvPicPr>
+        <p:blipFill rotWithShape="1">
+          <a:blip r:embed="rId2">
+            <a:alphaModFix amt="35000"/>
+            <a:extLst>
+              <a:ext uri="{28A0092B-C50C-407E-A947-70E740481C1C}">
+                <a14:useLocalDpi xmlns:a14="http://schemas.microsoft.com/office/drawing/2010/main" val="0"/>
+              </a:ext>
+            </a:extLst>
+          </a:blip>
+          <a:srcRect b="6250"/>
+          <a:stretch/>
+        </p:blipFill>
+        <p:spPr>
+          <a:xfrm>
+            <a:off x="20" y="10"/>
+            <a:ext cx="12191980" cy="6857990"/>
+          </a:xfrm>
+          <a:prstGeom prst="rect">
+            <a:avLst/>
+          </a:prstGeom>
+        </p:spPr>
+      </p:pic>
+      <p:sp>
+        <p:nvSpPr>
+          <p:cNvPr id="40" name="Title 2">
+            <a:extLst>
+              <a:ext uri="{FF2B5EF4-FFF2-40B4-BE49-F238E27FC236}">
+                <a16:creationId xmlns:a16="http://schemas.microsoft.com/office/drawing/2014/main" id="{2D4275CE-87DF-4A7F-87DB-B69BFEA07F9D}"/>
               </a:ext>
             </a:extLst>
           </p:cNvPr>
@@ -6788,17 +9686,1025 @@
             <a:spLocks noGrp="1"/>
           </p:cNvSpPr>
           <p:nvPr>
-            <p:ph type="pic" idx="1"/>
+            <p:ph type="title"/>
           </p:nvPr>
         </p:nvSpPr>
-        <p:spPr/>
+        <p:spPr>
+          <a:xfrm>
+            <a:off x="1097280" y="286603"/>
+            <a:ext cx="10058400" cy="1450757"/>
+          </a:xfrm>
+        </p:spPr>
+        <p:txBody>
+          <a:bodyPr vert="horz" lIns="91440" tIns="45720" rIns="91440" bIns="45720" rtlCol="0" anchor="b">
+            <a:normAutofit/>
+          </a:bodyPr>
+          <a:lstStyle/>
+          <a:p>
+            <a:r>
+              <a:rPr lang="en-US" sz="4800" dirty="0">
+                <a:solidFill>
+                  <a:schemeClr val="tx1">
+                    <a:lumMod val="75000"/>
+                    <a:lumOff val="25000"/>
+                  </a:schemeClr>
+                </a:solidFill>
+              </a:rPr>
+              <a:t>Methodology </a:t>
+            </a:r>
+          </a:p>
+        </p:txBody>
+      </p:sp>
+      <p:cxnSp>
+        <p:nvCxnSpPr>
+          <p:cNvPr id="41" name="Straight Connector 29">
+            <a:extLst>
+              <a:ext uri="{FF2B5EF4-FFF2-40B4-BE49-F238E27FC236}">
+                <a16:creationId xmlns:a16="http://schemas.microsoft.com/office/drawing/2014/main" id="{38A34772-9011-42B5-AA63-FD6DEC92EE72}"/>
+              </a:ext>
+              <a:ext uri="{C183D7F6-B498-43B3-948B-1728B52AA6E4}">
+                <adec:decorative xmlns:adec="http://schemas.microsoft.com/office/drawing/2017/decorative" val="1"/>
+              </a:ext>
+            </a:extLst>
+          </p:cNvPr>
+          <p:cNvCxnSpPr>
+            <a:cxnSpLocks noGrp="1" noRot="1" noChangeAspect="1" noMove="1" noResize="1" noEditPoints="1" noAdjustHandles="1" noChangeArrowheads="1" noChangeShapeType="1"/>
+          </p:cNvCxnSpPr>
+          <p:nvPr>
+            <p:extLst>
+              <p:ext uri="{386F3935-93C4-4BCD-93E2-E3B085C9AB24}">
+                <p16:designElem xmlns:p16="http://schemas.microsoft.com/office/powerpoint/2015/main" val="1"/>
+              </p:ext>
+            </p:extLst>
+          </p:nvPr>
+        </p:nvCxnSpPr>
+        <p:spPr>
+          <a:xfrm>
+            <a:off x="1193532" y="1910746"/>
+            <a:ext cx="9966960" cy="0"/>
+          </a:xfrm>
+          <a:prstGeom prst="line">
+            <a:avLst/>
+          </a:prstGeom>
+          <a:ln w="12700">
+            <a:solidFill>
+              <a:schemeClr val="tx1"/>
+            </a:solidFill>
+          </a:ln>
+        </p:spPr>
+        <p:style>
+          <a:lnRef idx="1">
+            <a:schemeClr val="accent1"/>
+          </a:lnRef>
+          <a:fillRef idx="0">
+            <a:schemeClr val="accent1"/>
+          </a:fillRef>
+          <a:effectRef idx="0">
+            <a:schemeClr val="accent1"/>
+          </a:effectRef>
+          <a:fontRef idx="minor">
+            <a:schemeClr val="tx1"/>
+          </a:fontRef>
+        </p:style>
+      </p:cxnSp>
+      <p:sp>
+        <p:nvSpPr>
+          <p:cNvPr id="42" name="Text Placeholder 3">
+            <a:extLst>
+              <a:ext uri="{FF2B5EF4-FFF2-40B4-BE49-F238E27FC236}">
+                <a16:creationId xmlns:a16="http://schemas.microsoft.com/office/drawing/2014/main" id="{BC7D3FCC-78A2-4AB7-923C-F6D415F480C0}"/>
+              </a:ext>
+            </a:extLst>
+          </p:cNvPr>
+          <p:cNvSpPr>
+            <a:spLocks noGrp="1"/>
+          </p:cNvSpPr>
+          <p:nvPr>
+            <p:ph type="body" sz="half" idx="2"/>
+          </p:nvPr>
+        </p:nvSpPr>
+        <p:spPr>
+          <a:xfrm>
+            <a:off x="1097280" y="2108201"/>
+            <a:ext cx="10058400" cy="4279226"/>
+          </a:xfrm>
+        </p:spPr>
+        <p:txBody>
+          <a:bodyPr vert="horz" lIns="0" tIns="45720" rIns="0" bIns="45720" rtlCol="0">
+            <a:normAutofit lnSpcReduction="10000"/>
+          </a:bodyPr>
+          <a:lstStyle/>
+          <a:p>
+            <a:pPr>
+              <a:lnSpc>
+                <a:spcPct val="100000"/>
+              </a:lnSpc>
+            </a:pPr>
+            <a:r>
+              <a:rPr lang="en-US" sz="1100" dirty="0">
+                <a:solidFill>
+                  <a:schemeClr val="tx1">
+                    <a:lumMod val="75000"/>
+                    <a:lumOff val="25000"/>
+                  </a:schemeClr>
+                </a:solidFill>
+              </a:rPr>
+              <a:t>Data Cleaning</a:t>
+            </a:r>
+          </a:p>
+          <a:p>
+            <a:pPr>
+              <a:lnSpc>
+                <a:spcPct val="100000"/>
+              </a:lnSpc>
+            </a:pPr>
+            <a:r>
+              <a:rPr lang="en-US" sz="1100" dirty="0">
+                <a:solidFill>
+                  <a:schemeClr val="tx1">
+                    <a:lumMod val="75000"/>
+                    <a:lumOff val="25000"/>
+                  </a:schemeClr>
+                </a:solidFill>
+              </a:rPr>
+              <a:t>I used Beautiful Soup library in order to scrap data from Wikipedia</a:t>
+            </a:r>
+          </a:p>
+          <a:p>
+            <a:pPr>
+              <a:lnSpc>
+                <a:spcPct val="100000"/>
+              </a:lnSpc>
+            </a:pPr>
+            <a:r>
+              <a:rPr lang="en-US" sz="1100" dirty="0">
+                <a:solidFill>
+                  <a:schemeClr val="tx1">
+                    <a:lumMod val="75000"/>
+                    <a:lumOff val="25000"/>
+                  </a:schemeClr>
+                </a:solidFill>
+              </a:rPr>
+              <a:t>Another  dates were obtained from UK government page by using Panda to read the csv file.</a:t>
+            </a:r>
+          </a:p>
+          <a:p>
+            <a:pPr>
+              <a:lnSpc>
+                <a:spcPct val="100000"/>
+              </a:lnSpc>
+            </a:pPr>
+            <a:r>
+              <a:rPr lang="en-US" sz="1100" dirty="0">
+                <a:solidFill>
+                  <a:schemeClr val="tx1">
+                    <a:lumMod val="75000"/>
+                    <a:lumOff val="25000"/>
+                  </a:schemeClr>
+                </a:solidFill>
+              </a:rPr>
+              <a:t>I  standardized  and merged data to below format</a:t>
+            </a:r>
+          </a:p>
+          <a:p>
+            <a:pPr>
+              <a:lnSpc>
+                <a:spcPct val="100000"/>
+              </a:lnSpc>
+            </a:pPr>
+            <a:endParaRPr lang="en-US" sz="1100" dirty="0">
+              <a:solidFill>
+                <a:schemeClr val="tx1">
+                  <a:lumMod val="75000"/>
+                  <a:lumOff val="25000"/>
+                </a:schemeClr>
+              </a:solidFill>
+            </a:endParaRPr>
+          </a:p>
+          <a:p>
+            <a:pPr>
+              <a:lnSpc>
+                <a:spcPct val="100000"/>
+              </a:lnSpc>
+            </a:pPr>
+            <a:endParaRPr lang="en-US" sz="1100" dirty="0">
+              <a:solidFill>
+                <a:schemeClr val="tx1">
+                  <a:lumMod val="75000"/>
+                  <a:lumOff val="25000"/>
+                </a:schemeClr>
+              </a:solidFill>
+            </a:endParaRPr>
+          </a:p>
+          <a:p>
+            <a:pPr>
+              <a:lnSpc>
+                <a:spcPct val="100000"/>
+              </a:lnSpc>
+            </a:pPr>
+            <a:endParaRPr lang="en-US" sz="1100" dirty="0">
+              <a:solidFill>
+                <a:schemeClr val="tx1">
+                  <a:lumMod val="75000"/>
+                  <a:lumOff val="25000"/>
+                </a:schemeClr>
+              </a:solidFill>
+            </a:endParaRPr>
+          </a:p>
+          <a:p>
+            <a:pPr>
+              <a:lnSpc>
+                <a:spcPct val="100000"/>
+              </a:lnSpc>
+            </a:pPr>
+            <a:endParaRPr lang="en-US" sz="1100" dirty="0">
+              <a:solidFill>
+                <a:schemeClr val="tx1">
+                  <a:lumMod val="75000"/>
+                  <a:lumOff val="25000"/>
+                </a:schemeClr>
+              </a:solidFill>
+            </a:endParaRPr>
+          </a:p>
+          <a:p>
+            <a:pPr>
+              <a:lnSpc>
+                <a:spcPct val="100000"/>
+              </a:lnSpc>
+            </a:pPr>
+            <a:endParaRPr lang="en-US" sz="1100" dirty="0">
+              <a:solidFill>
+                <a:schemeClr val="tx1">
+                  <a:lumMod val="75000"/>
+                  <a:lumOff val="25000"/>
+                </a:schemeClr>
+              </a:solidFill>
+            </a:endParaRPr>
+          </a:p>
+          <a:p>
+            <a:pPr>
+              <a:lnSpc>
+                <a:spcPct val="100000"/>
+              </a:lnSpc>
+            </a:pPr>
+            <a:endParaRPr lang="en-US" sz="1100" dirty="0">
+              <a:solidFill>
+                <a:schemeClr val="tx1">
+                  <a:lumMod val="75000"/>
+                  <a:lumOff val="25000"/>
+                </a:schemeClr>
+              </a:solidFill>
+            </a:endParaRPr>
+          </a:p>
+          <a:p>
+            <a:pPr>
+              <a:lnSpc>
+                <a:spcPct val="100000"/>
+              </a:lnSpc>
+            </a:pPr>
+            <a:endParaRPr lang="en-US" sz="1100" dirty="0">
+              <a:solidFill>
+                <a:schemeClr val="tx1">
+                  <a:lumMod val="75000"/>
+                  <a:lumOff val="25000"/>
+                </a:schemeClr>
+              </a:solidFill>
+            </a:endParaRPr>
+          </a:p>
+          <a:p>
+            <a:pPr>
+              <a:lnSpc>
+                <a:spcPct val="100000"/>
+              </a:lnSpc>
+            </a:pPr>
+            <a:endParaRPr lang="en-US" sz="1100" dirty="0">
+              <a:solidFill>
+                <a:schemeClr val="tx1">
+                  <a:lumMod val="75000"/>
+                  <a:lumOff val="25000"/>
+                </a:schemeClr>
+              </a:solidFill>
+            </a:endParaRPr>
+          </a:p>
+          <a:p>
+            <a:pPr>
+              <a:lnSpc>
+                <a:spcPct val="100000"/>
+              </a:lnSpc>
+            </a:pPr>
+            <a:r>
+              <a:rPr lang="en-US" sz="1100" dirty="0">
+                <a:solidFill>
+                  <a:schemeClr val="tx1">
+                    <a:lumMod val="75000"/>
+                    <a:lumOff val="25000"/>
+                  </a:schemeClr>
+                </a:solidFill>
+              </a:rPr>
+              <a:t>Summary</a:t>
+            </a:r>
+          </a:p>
+          <a:p>
+            <a:pPr>
+              <a:lnSpc>
+                <a:spcPct val="100000"/>
+              </a:lnSpc>
+            </a:pPr>
+            <a:r>
+              <a:rPr lang="en-US" sz="1100" dirty="0">
+                <a:solidFill>
+                  <a:schemeClr val="tx1">
+                    <a:lumMod val="75000"/>
+                    <a:lumOff val="25000"/>
+                  </a:schemeClr>
+                </a:solidFill>
+              </a:rPr>
+              <a:t>London has 32 Borough </a:t>
+            </a:r>
+          </a:p>
+          <a:p>
+            <a:pPr>
+              <a:lnSpc>
+                <a:spcPct val="100000"/>
+              </a:lnSpc>
+            </a:pPr>
+            <a:r>
+              <a:rPr lang="en-US" sz="1100" dirty="0">
+                <a:solidFill>
+                  <a:schemeClr val="tx1">
+                    <a:lumMod val="75000"/>
+                    <a:lumOff val="25000"/>
+                  </a:schemeClr>
+                </a:solidFill>
+              </a:rPr>
+              <a:t>The biggest population : 1. Barnet , 2.Croydon, 3. Ealing</a:t>
+            </a:r>
+          </a:p>
+          <a:p>
+            <a:pPr>
+              <a:lnSpc>
+                <a:spcPct val="100000"/>
+              </a:lnSpc>
+            </a:pPr>
+            <a:r>
+              <a:rPr lang="en-US" sz="1100" dirty="0">
+                <a:solidFill>
+                  <a:schemeClr val="tx1">
+                    <a:lumMod val="75000"/>
+                    <a:lumOff val="25000"/>
+                  </a:schemeClr>
+                </a:solidFill>
+              </a:rPr>
+              <a:t>The highest income : 1. Tower Hamlets, 2. Westminster, 3. Islington</a:t>
+            </a:r>
+          </a:p>
+          <a:p>
+            <a:pPr>
+              <a:lnSpc>
+                <a:spcPct val="100000"/>
+              </a:lnSpc>
+            </a:pPr>
+            <a:r>
+              <a:rPr lang="en-US" sz="1100" dirty="0">
+                <a:solidFill>
+                  <a:schemeClr val="tx1">
+                    <a:lumMod val="75000"/>
+                    <a:lumOff val="25000"/>
+                  </a:schemeClr>
+                </a:solidFill>
+              </a:rPr>
+              <a:t>The highest Domestic spend by visitors: 1 Westminster, 2. Kingston and Chelsea, 3. Camden</a:t>
+            </a:r>
+          </a:p>
+          <a:p>
+            <a:pPr>
+              <a:lnSpc>
+                <a:spcPct val="100000"/>
+              </a:lnSpc>
+            </a:pPr>
+            <a:r>
+              <a:rPr lang="en-US" sz="1100" dirty="0">
+                <a:solidFill>
+                  <a:schemeClr val="tx1">
+                    <a:lumMod val="75000"/>
+                    <a:lumOff val="25000"/>
+                  </a:schemeClr>
+                </a:solidFill>
+              </a:rPr>
+              <a:t>The highest  oversea spend by visitors: 1. Westminster, 2. Kingston and Chelsea. 3. Camden</a:t>
+            </a:r>
+          </a:p>
+          <a:p>
+            <a:pPr>
+              <a:lnSpc>
+                <a:spcPct val="100000"/>
+              </a:lnSpc>
+            </a:pPr>
+            <a:endParaRPr lang="en-US" sz="1100" dirty="0">
+              <a:solidFill>
+                <a:schemeClr val="tx1">
+                  <a:lumMod val="75000"/>
+                  <a:lumOff val="25000"/>
+                </a:schemeClr>
+              </a:solidFill>
+            </a:endParaRPr>
+          </a:p>
+          <a:p>
+            <a:pPr>
+              <a:lnSpc>
+                <a:spcPct val="100000"/>
+              </a:lnSpc>
+            </a:pPr>
+            <a:endParaRPr lang="en-US" dirty="0">
+              <a:solidFill>
+                <a:schemeClr val="tx1">
+                  <a:lumMod val="75000"/>
+                  <a:lumOff val="25000"/>
+                </a:schemeClr>
+              </a:solidFill>
+            </a:endParaRPr>
+          </a:p>
+          <a:p>
+            <a:pPr>
+              <a:lnSpc>
+                <a:spcPct val="100000"/>
+              </a:lnSpc>
+            </a:pPr>
+            <a:endParaRPr lang="en-US" dirty="0">
+              <a:solidFill>
+                <a:schemeClr val="tx1">
+                  <a:lumMod val="75000"/>
+                  <a:lumOff val="25000"/>
+                </a:schemeClr>
+              </a:solidFill>
+            </a:endParaRPr>
+          </a:p>
+        </p:txBody>
+      </p:sp>
+      <p:sp>
+        <p:nvSpPr>
+          <p:cNvPr id="43" name="Rectangle 31">
+            <a:extLst>
+              <a:ext uri="{FF2B5EF4-FFF2-40B4-BE49-F238E27FC236}">
+                <a16:creationId xmlns:a16="http://schemas.microsoft.com/office/drawing/2014/main" id="{82BCDE19-2810-4337-9C49-8589C421767D}"/>
+              </a:ext>
+              <a:ext uri="{C183D7F6-B498-43B3-948B-1728B52AA6E4}">
+                <adec:decorative xmlns:adec="http://schemas.microsoft.com/office/drawing/2017/decorative" val="1"/>
+              </a:ext>
+            </a:extLst>
+          </p:cNvPr>
+          <p:cNvSpPr>
+            <a:spLocks noGrp="1" noRot="1" noChangeAspect="1" noMove="1" noResize="1" noEditPoints="1" noAdjustHandles="1" noChangeArrowheads="1" noChangeShapeType="1" noTextEdit="1"/>
+          </p:cNvSpPr>
+          <p:nvPr>
+            <p:extLst>
+              <p:ext uri="{386F3935-93C4-4BCD-93E2-E3B085C9AB24}">
+                <p16:designElem xmlns:p16="http://schemas.microsoft.com/office/powerpoint/2015/main" val="1"/>
+              </p:ext>
+            </p:extLst>
+          </p:nvPr>
+        </p:nvSpPr>
+        <p:spPr>
+          <a:xfrm>
+            <a:off x="1" y="6400800"/>
+            <a:ext cx="12192000" cy="457200"/>
+          </a:xfrm>
+          <a:prstGeom prst="rect">
+            <a:avLst/>
+          </a:prstGeom>
+          <a:solidFill>
+            <a:srgbClr val="262626">
+              <a:alpha val="95000"/>
+            </a:srgbClr>
+          </a:solidFill>
+          <a:ln>
+            <a:noFill/>
+          </a:ln>
+        </p:spPr>
+        <p:style>
+          <a:lnRef idx="2">
+            <a:schemeClr val="accent1">
+              <a:shade val="50000"/>
+            </a:schemeClr>
+          </a:lnRef>
+          <a:fillRef idx="1">
+            <a:schemeClr val="accent1"/>
+          </a:fillRef>
+          <a:effectRef idx="0">
+            <a:schemeClr val="accent1"/>
+          </a:effectRef>
+          <a:fontRef idx="minor">
+            <a:schemeClr val="lt1"/>
+          </a:fontRef>
+        </p:style>
+      </p:sp>
+      <p:pic>
+        <p:nvPicPr>
+          <p:cNvPr id="9" name="Picture 8">
+            <a:extLst>
+              <a:ext uri="{FF2B5EF4-FFF2-40B4-BE49-F238E27FC236}">
+                <a16:creationId xmlns:a16="http://schemas.microsoft.com/office/drawing/2014/main" id="{BFB54173-F557-400F-AFF3-87B1174FC2AA}"/>
+              </a:ext>
+            </a:extLst>
+          </p:cNvPr>
+          <p:cNvPicPr>
+            <a:picLocks noChangeAspect="1"/>
+          </p:cNvPicPr>
+          <p:nvPr/>
+        </p:nvPicPr>
+        <p:blipFill>
+          <a:blip r:embed="rId3"/>
+          <a:stretch>
+            <a:fillRect/>
+          </a:stretch>
+        </p:blipFill>
+        <p:spPr>
+          <a:xfrm>
+            <a:off x="4503661" y="2908649"/>
+            <a:ext cx="6244134" cy="2089479"/>
+          </a:xfrm>
+          <a:prstGeom prst="rect">
+            <a:avLst/>
+          </a:prstGeom>
+        </p:spPr>
+      </p:pic>
+    </p:spTree>
+    <p:extLst>
+      <p:ext uri="{BB962C8B-B14F-4D97-AF65-F5344CB8AC3E}">
+        <p14:creationId xmlns:p14="http://schemas.microsoft.com/office/powerpoint/2010/main" val="923883141"/>
+      </p:ext>
+    </p:extLst>
+  </p:cSld>
+  <p:clrMapOvr>
+    <a:overrideClrMapping bg1="dk1" tx1="lt1" bg2="dk2" tx2="lt2" accent1="accent1" accent2="accent2" accent3="accent3" accent4="accent4" accent5="accent5" accent6="accent6" hlink="hlink" folHlink="folHlink"/>
+  </p:clrMapOvr>
+</p:sld>
+</file>
+
+<file path=ppt/slides/slide4.xml><?xml version="1.0" encoding="utf-8"?>
+<p:sld xmlns:a="http://schemas.openxmlformats.org/drawingml/2006/main" xmlns:r="http://schemas.openxmlformats.org/officeDocument/2006/relationships" xmlns:p="http://schemas.openxmlformats.org/presentationml/2006/main">
+  <p:cSld>
+    <p:bg>
+      <p:bgPr>
+        <a:solidFill>
+          <a:schemeClr val="bg1"/>
+        </a:solidFill>
+        <a:effectLst/>
+      </p:bgPr>
+    </p:bg>
+    <p:spTree>
+      <p:nvGrpSpPr>
+        <p:cNvPr id="1" name=""/>
+        <p:cNvGrpSpPr/>
+        <p:nvPr/>
+      </p:nvGrpSpPr>
+      <p:grpSpPr>
+        <a:xfrm>
+          <a:off x="0" y="0"/>
+          <a:ext cx="0" cy="0"/>
+          <a:chOff x="0" y="0"/>
+          <a:chExt cx="0" cy="0"/>
+        </a:xfrm>
+      </p:grpSpPr>
+      <p:sp>
+        <p:nvSpPr>
+          <p:cNvPr id="30" name="Rectangle 29">
+            <a:extLst>
+              <a:ext uri="{FF2B5EF4-FFF2-40B4-BE49-F238E27FC236}">
+                <a16:creationId xmlns:a16="http://schemas.microsoft.com/office/drawing/2014/main" id="{416A0E3C-60E6-4F39-BC55-5F7C224E1F7C}"/>
+              </a:ext>
+              <a:ext uri="{C183D7F6-B498-43B3-948B-1728B52AA6E4}">
+                <adec:decorative xmlns:adec="http://schemas.microsoft.com/office/drawing/2017/decorative" val="1"/>
+              </a:ext>
+            </a:extLst>
+          </p:cNvPr>
+          <p:cNvSpPr>
+            <a:spLocks noGrp="1" noRot="1" noChangeAspect="1" noMove="1" noResize="1" noEditPoints="1" noAdjustHandles="1" noChangeArrowheads="1" noChangeShapeType="1" noTextEdit="1"/>
+          </p:cNvSpPr>
+          <p:nvPr>
+            <p:extLst>
+              <p:ext uri="{386F3935-93C4-4BCD-93E2-E3B085C9AB24}">
+                <p16:designElem xmlns:p16="http://schemas.microsoft.com/office/powerpoint/2015/main" val="1"/>
+              </p:ext>
+            </p:extLst>
+          </p:nvPr>
+        </p:nvSpPr>
+        <p:spPr>
+          <a:xfrm>
+            <a:off x="3175" y="6400800"/>
+            <a:ext cx="12188825" cy="457200"/>
+          </a:xfrm>
+          <a:prstGeom prst="rect">
+            <a:avLst/>
+          </a:prstGeom>
+          <a:solidFill>
+            <a:srgbClr val="262626"/>
+          </a:solidFill>
+          <a:ln>
+            <a:noFill/>
+          </a:ln>
+        </p:spPr>
+        <p:style>
+          <a:lnRef idx="2">
+            <a:schemeClr val="accent1">
+              <a:shade val="50000"/>
+            </a:schemeClr>
+          </a:lnRef>
+          <a:fillRef idx="1">
+            <a:schemeClr val="accent1"/>
+          </a:fillRef>
+          <a:effectRef idx="0">
+            <a:schemeClr val="accent1"/>
+          </a:effectRef>
+          <a:fontRef idx="minor">
+            <a:schemeClr val="lt1"/>
+          </a:fontRef>
+        </p:style>
+      </p:sp>
+      <p:cxnSp>
+        <p:nvCxnSpPr>
+          <p:cNvPr id="32" name="Straight Connector 31">
+            <a:extLst>
+              <a:ext uri="{FF2B5EF4-FFF2-40B4-BE49-F238E27FC236}">
+                <a16:creationId xmlns:a16="http://schemas.microsoft.com/office/drawing/2014/main" id="{C5025DAC-8B93-4160-B017-3A274A5828C0}"/>
+              </a:ext>
+              <a:ext uri="{C183D7F6-B498-43B3-948B-1728B52AA6E4}">
+                <adec:decorative xmlns:adec="http://schemas.microsoft.com/office/drawing/2017/decorative" val="1"/>
+              </a:ext>
+            </a:extLst>
+          </p:cNvPr>
+          <p:cNvCxnSpPr>
+            <a:cxnSpLocks noGrp="1" noRot="1" noChangeAspect="1" noMove="1" noResize="1" noEditPoints="1" noAdjustHandles="1" noChangeArrowheads="1" noChangeShapeType="1"/>
+          </p:cNvCxnSpPr>
+          <p:nvPr>
+            <p:extLst>
+              <p:ext uri="{386F3935-93C4-4BCD-93E2-E3B085C9AB24}">
+                <p16:designElem xmlns:p16="http://schemas.microsoft.com/office/powerpoint/2015/main" val="1"/>
+              </p:ext>
+            </p:extLst>
+          </p:nvPr>
+        </p:nvCxnSpPr>
+        <p:spPr>
+          <a:xfrm>
+            <a:off x="1193532" y="1897380"/>
+            <a:ext cx="9966960" cy="0"/>
+          </a:xfrm>
+          <a:prstGeom prst="line">
+            <a:avLst/>
+          </a:prstGeom>
+          <a:ln w="12700">
+            <a:solidFill>
+              <a:schemeClr val="tx1">
+                <a:lumMod val="75000"/>
+                <a:lumOff val="25000"/>
+              </a:schemeClr>
+            </a:solidFill>
+          </a:ln>
+        </p:spPr>
+        <p:style>
+          <a:lnRef idx="1">
+            <a:schemeClr val="accent1"/>
+          </a:lnRef>
+          <a:fillRef idx="0">
+            <a:schemeClr val="accent1"/>
+          </a:fillRef>
+          <a:effectRef idx="0">
+            <a:schemeClr val="accent1"/>
+          </a:effectRef>
+          <a:fontRef idx="minor">
+            <a:schemeClr val="tx1"/>
+          </a:fontRef>
+        </p:style>
+      </p:cxnSp>
+      <p:sp>
+        <p:nvSpPr>
+          <p:cNvPr id="34" name="Rectangle 33">
+            <a:extLst>
+              <a:ext uri="{FF2B5EF4-FFF2-40B4-BE49-F238E27FC236}">
+                <a16:creationId xmlns:a16="http://schemas.microsoft.com/office/drawing/2014/main" id="{E844E128-FF69-4E9F-8327-6B504B3C5AE1}"/>
+              </a:ext>
+              <a:ext uri="{C183D7F6-B498-43B3-948B-1728B52AA6E4}">
+                <adec:decorative xmlns:adec="http://schemas.microsoft.com/office/drawing/2017/decorative" val="1"/>
+              </a:ext>
+            </a:extLst>
+          </p:cNvPr>
+          <p:cNvSpPr>
+            <a:spLocks noGrp="1" noRot="1" noChangeAspect="1" noMove="1" noResize="1" noEditPoints="1" noAdjustHandles="1" noChangeArrowheads="1" noChangeShapeType="1" noTextEdit="1"/>
+          </p:cNvSpPr>
+          <p:nvPr>
+            <p:extLst>
+              <p:ext uri="{386F3935-93C4-4BCD-93E2-E3B085C9AB24}">
+                <p16:designElem xmlns:p16="http://schemas.microsoft.com/office/powerpoint/2015/main" val="1"/>
+              </p:ext>
+            </p:extLst>
+          </p:nvPr>
+        </p:nvSpPr>
+        <p:spPr bwMode="white">
+          <a:xfrm>
+            <a:off x="15" y="0"/>
+            <a:ext cx="12191985" cy="6858000"/>
+          </a:xfrm>
+          <a:prstGeom prst="rect">
+            <a:avLst/>
+          </a:prstGeom>
+          <a:solidFill>
+            <a:srgbClr val="262626"/>
+          </a:solidFill>
+          <a:ln>
+            <a:noFill/>
+          </a:ln>
+        </p:spPr>
+        <p:style>
+          <a:lnRef idx="2">
+            <a:schemeClr val="accent1">
+              <a:shade val="50000"/>
+            </a:schemeClr>
+          </a:lnRef>
+          <a:fillRef idx="1">
+            <a:schemeClr val="accent1"/>
+          </a:fillRef>
+          <a:effectRef idx="0">
+            <a:schemeClr val="accent1"/>
+          </a:effectRef>
+          <a:fontRef idx="minor">
+            <a:schemeClr val="lt1"/>
+          </a:fontRef>
+        </p:style>
       </p:sp>
       <p:sp>
         <p:nvSpPr>
           <p:cNvPr id="3" name="Title 2">
             <a:extLst>
               <a:ext uri="{FF2B5EF4-FFF2-40B4-BE49-F238E27FC236}">
-                <a16:creationId xmlns:a16="http://schemas.microsoft.com/office/drawing/2014/main" id="{2D4275CE-87DF-4A7F-87DB-B69BFEA07F9D}"/>
+                <a16:creationId xmlns:a16="http://schemas.microsoft.com/office/drawing/2014/main" id="{99BD198B-B182-4976-B6BF-659CA1C83648}"/>
+              </a:ext>
+            </a:extLst>
+          </p:cNvPr>
+          <p:cNvSpPr>
+            <a:spLocks noGrp="1"/>
+          </p:cNvSpPr>
+          <p:nvPr>
+            <p:ph type="title"/>
+          </p:nvPr>
+        </p:nvSpPr>
+        <p:spPr>
+          <a:xfrm>
+            <a:off x="643467" y="516835"/>
+            <a:ext cx="3448259" cy="1666501"/>
+          </a:xfrm>
+        </p:spPr>
+        <p:txBody>
+          <a:bodyPr vert="horz" lIns="91440" tIns="45720" rIns="91440" bIns="45720" rtlCol="0" anchor="b">
+            <a:normAutofit/>
+          </a:bodyPr>
+          <a:lstStyle/>
+          <a:p>
+            <a:r>
+              <a:rPr lang="en-US" sz="4000" dirty="0"/>
+              <a:t>Correlation</a:t>
+            </a:r>
+          </a:p>
+        </p:txBody>
+      </p:sp>
+      <p:cxnSp>
+        <p:nvCxnSpPr>
+          <p:cNvPr id="36" name="Straight Connector 35">
+            <a:extLst>
+              <a:ext uri="{FF2B5EF4-FFF2-40B4-BE49-F238E27FC236}">
+                <a16:creationId xmlns:a16="http://schemas.microsoft.com/office/drawing/2014/main" id="{055CEADF-09EA-423C-8C45-F94AF44D5AF0}"/>
+              </a:ext>
+              <a:ext uri="{C183D7F6-B498-43B3-948B-1728B52AA6E4}">
+                <adec:decorative xmlns:adec="http://schemas.microsoft.com/office/drawing/2017/decorative" val="1"/>
+              </a:ext>
+            </a:extLst>
+          </p:cNvPr>
+          <p:cNvCxnSpPr>
+            <a:cxnSpLocks noGrp="1" noRot="1" noChangeAspect="1" noMove="1" noResize="1" noEditPoints="1" noAdjustHandles="1" noChangeArrowheads="1" noChangeShapeType="1"/>
+          </p:cNvCxnSpPr>
+          <p:nvPr>
+            <p:extLst>
+              <p:ext uri="{386F3935-93C4-4BCD-93E2-E3B085C9AB24}">
+                <p16:designElem xmlns:p16="http://schemas.microsoft.com/office/powerpoint/2015/main" val="1"/>
+              </p:ext>
+            </p:extLst>
+          </p:nvPr>
+        </p:nvCxnSpPr>
+        <p:spPr>
+          <a:xfrm>
+            <a:off x="723686" y="2353592"/>
+            <a:ext cx="3291840" cy="0"/>
+          </a:xfrm>
+          <a:prstGeom prst="line">
+            <a:avLst/>
+          </a:prstGeom>
+          <a:ln w="19050">
+            <a:solidFill>
+              <a:schemeClr val="accent1"/>
+            </a:solidFill>
+          </a:ln>
+        </p:spPr>
+        <p:style>
+          <a:lnRef idx="1">
+            <a:schemeClr val="accent1"/>
+          </a:lnRef>
+          <a:fillRef idx="0">
+            <a:schemeClr val="accent1"/>
+          </a:fillRef>
+          <a:effectRef idx="0">
+            <a:schemeClr val="accent1"/>
+          </a:effectRef>
+          <a:fontRef idx="minor">
+            <a:schemeClr val="tx1"/>
+          </a:fontRef>
+        </p:style>
+      </p:cxnSp>
+      <p:sp>
+        <p:nvSpPr>
+          <p:cNvPr id="4" name="Text Placeholder 3">
+            <a:extLst>
+              <a:ext uri="{FF2B5EF4-FFF2-40B4-BE49-F238E27FC236}">
+                <a16:creationId xmlns:a16="http://schemas.microsoft.com/office/drawing/2014/main" id="{AA3759ED-5254-4F87-A0B3-8AC6B41FBCF2}"/>
+              </a:ext>
+            </a:extLst>
+          </p:cNvPr>
+          <p:cNvSpPr>
+            <a:spLocks noGrp="1"/>
+          </p:cNvSpPr>
+          <p:nvPr>
+            <p:ph type="body" sz="half" idx="2"/>
+          </p:nvPr>
+        </p:nvSpPr>
+        <p:spPr>
+          <a:xfrm>
+            <a:off x="643467" y="2546224"/>
+            <a:ext cx="3448259" cy="3342747"/>
+          </a:xfrm>
+        </p:spPr>
+        <p:txBody>
+          <a:bodyPr vert="horz" lIns="0" tIns="45720" rIns="0" bIns="45720" rtlCol="0">
+            <a:normAutofit/>
+          </a:bodyPr>
+          <a:lstStyle/>
+          <a:p>
+            <a:pPr>
+              <a:lnSpc>
+                <a:spcPct val="100000"/>
+              </a:lnSpc>
+            </a:pPr>
+            <a:endParaRPr lang="en-US" dirty="0"/>
+          </a:p>
+        </p:txBody>
+      </p:sp>
+      <p:pic>
+        <p:nvPicPr>
+          <p:cNvPr id="18" name="Picture Placeholder 17" descr="A close up of a logo&#10;&#10;Description automatically generated">
+            <a:extLst>
+              <a:ext uri="{FF2B5EF4-FFF2-40B4-BE49-F238E27FC236}">
+                <a16:creationId xmlns:a16="http://schemas.microsoft.com/office/drawing/2014/main" id="{E4310FFD-93A6-4CFF-95E0-6AA59BACD90E}"/>
+              </a:ext>
+            </a:extLst>
+          </p:cNvPr>
+          <p:cNvPicPr>
+            <a:picLocks noGrp="1" noChangeAspect="1"/>
+          </p:cNvPicPr>
+          <p:nvPr>
+            <p:ph type="pic" idx="1"/>
+          </p:nvPr>
+        </p:nvPicPr>
+        <p:blipFill rotWithShape="1">
+          <a:blip r:embed="rId2">
+            <a:extLst>
+              <a:ext uri="{28A0092B-C50C-407E-A947-70E740481C1C}">
+                <a14:useLocalDpi xmlns:a14="http://schemas.microsoft.com/office/drawing/2010/main" val="0"/>
+              </a:ext>
+            </a:extLst>
+          </a:blip>
+          <a:srcRect l="3425" r="3425"/>
+          <a:stretch/>
+        </p:blipFill>
+        <p:spPr>
+          <a:xfrm>
+            <a:off x="643467" y="2543712"/>
+            <a:ext cx="3448259" cy="3424936"/>
+          </a:xfrm>
+          <a:prstGeom prst="rect">
+            <a:avLst/>
+          </a:prstGeom>
+        </p:spPr>
+      </p:pic>
+      <p:pic>
+        <p:nvPicPr>
+          <p:cNvPr id="26" name="Picture 25" descr="A screen shot of a social media post&#10;&#10;Description automatically generated">
+            <a:extLst>
+              <a:ext uri="{FF2B5EF4-FFF2-40B4-BE49-F238E27FC236}">
+                <a16:creationId xmlns:a16="http://schemas.microsoft.com/office/drawing/2014/main" id="{D1731DE7-2D13-4A43-8F8D-B97E4F66C80D}"/>
+              </a:ext>
+            </a:extLst>
+          </p:cNvPr>
+          <p:cNvPicPr>
+            <a:picLocks noChangeAspect="1"/>
+          </p:cNvPicPr>
+          <p:nvPr/>
+        </p:nvPicPr>
+        <p:blipFill>
+          <a:blip r:embed="rId3">
+            <a:extLst>
+              <a:ext uri="{28A0092B-C50C-407E-A947-70E740481C1C}">
+                <a14:useLocalDpi xmlns:a14="http://schemas.microsoft.com/office/drawing/2010/main" val="0"/>
+              </a:ext>
+            </a:extLst>
+          </a:blip>
+          <a:stretch>
+            <a:fillRect/>
+          </a:stretch>
+        </p:blipFill>
+        <p:spPr>
+          <a:xfrm>
+            <a:off x="4748235" y="719029"/>
+            <a:ext cx="6704081" cy="1824683"/>
+          </a:xfrm>
+          <a:prstGeom prst="rect">
+            <a:avLst/>
+          </a:prstGeom>
+        </p:spPr>
+      </p:pic>
+      <p:sp>
+        <p:nvSpPr>
+          <p:cNvPr id="27" name="TextBox 26">
+            <a:extLst>
+              <a:ext uri="{FF2B5EF4-FFF2-40B4-BE49-F238E27FC236}">
+                <a16:creationId xmlns:a16="http://schemas.microsoft.com/office/drawing/2014/main" id="{7005F134-E505-4E14-8D3C-240152FD395B}"/>
+              </a:ext>
+            </a:extLst>
+          </p:cNvPr>
+          <p:cNvSpPr txBox="1"/>
+          <p:nvPr/>
+        </p:nvSpPr>
+        <p:spPr>
+          <a:xfrm>
+            <a:off x="4748236" y="3581400"/>
+            <a:ext cx="6800298" cy="923330"/>
+          </a:xfrm>
+          <a:prstGeom prst="rect">
+            <a:avLst/>
+          </a:prstGeom>
+          <a:noFill/>
+        </p:spPr>
+        <p:txBody>
+          <a:bodyPr wrap="square" rtlCol="0">
+            <a:spAutoFit/>
+          </a:bodyPr>
+          <a:lstStyle/>
+          <a:p>
+            <a:r>
+              <a:rPr lang="en-GB" dirty="0"/>
+              <a:t>I used matplotlib to visualised relationship between variables. I counted P-value.</a:t>
+            </a:r>
+          </a:p>
+          <a:p>
+            <a:r>
+              <a:rPr lang="en-GB" dirty="0"/>
+              <a:t>Only Earning 2019 has P-value &lt;&lt;0.05</a:t>
+            </a:r>
+          </a:p>
+        </p:txBody>
+      </p:sp>
+    </p:spTree>
+    <p:extLst>
+      <p:ext uri="{BB962C8B-B14F-4D97-AF65-F5344CB8AC3E}">
+        <p14:creationId xmlns:p14="http://schemas.microsoft.com/office/powerpoint/2010/main" val="959057116"/>
+      </p:ext>
+    </p:extLst>
+  </p:cSld>
+  <p:clrMapOvr>
+    <a:overrideClrMapping bg1="dk1" tx1="lt1" bg2="dk2" tx2="lt2" accent1="accent1" accent2="accent2" accent3="accent3" accent4="accent4" accent5="accent5" accent6="accent6" hlink="hlink" folHlink="folHlink"/>
+  </p:clrMapOvr>
+</p:sld>
+</file>
+
+<file path=ppt/slides/slide5.xml><?xml version="1.0" encoding="utf-8"?>
+<p:sld xmlns:a="http://schemas.openxmlformats.org/drawingml/2006/main" xmlns:r="http://schemas.openxmlformats.org/officeDocument/2006/relationships" xmlns:p="http://schemas.openxmlformats.org/presentationml/2006/main">
+  <p:cSld>
+    <p:spTree>
+      <p:nvGrpSpPr>
+        <p:cNvPr id="1" name=""/>
+        <p:cNvGrpSpPr/>
+        <p:nvPr/>
+      </p:nvGrpSpPr>
+      <p:grpSpPr>
+        <a:xfrm>
+          <a:off x="0" y="0"/>
+          <a:ext cx="0" cy="0"/>
+          <a:chOff x="0" y="0"/>
+          <a:chExt cx="0" cy="0"/>
+        </a:xfrm>
+      </p:grpSpPr>
+      <p:sp>
+        <p:nvSpPr>
+          <p:cNvPr id="3" name="Title 2">
+            <a:extLst>
+              <a:ext uri="{FF2B5EF4-FFF2-40B4-BE49-F238E27FC236}">
+                <a16:creationId xmlns:a16="http://schemas.microsoft.com/office/drawing/2014/main" id="{EF672829-BDDB-4692-843D-5E9EA8E6F881}"/>
               </a:ext>
             </a:extLst>
           </p:cNvPr>
@@ -6814,7 +10720,11 @@
           <a:bodyPr/>
           <a:lstStyle/>
           <a:p>
-            <a:endParaRPr lang="en-GB"/>
+            <a:pPr algn="r"/>
+            <a:r>
+              <a:rPr lang="en-GB" dirty="0"/>
+              <a:t>Getting coordinates &amp; Visualise</a:t>
+            </a:r>
           </a:p>
         </p:txBody>
       </p:sp>
@@ -6823,7 +10733,792 @@
           <p:cNvPr id="4" name="Text Placeholder 3">
             <a:extLst>
               <a:ext uri="{FF2B5EF4-FFF2-40B4-BE49-F238E27FC236}">
-                <a16:creationId xmlns:a16="http://schemas.microsoft.com/office/drawing/2014/main" id="{BC7D3FCC-78A2-4AB7-923C-F6D415F480C0}"/>
+                <a16:creationId xmlns:a16="http://schemas.microsoft.com/office/drawing/2014/main" id="{D607761E-E61C-4EC9-88FB-919A254E7FF4}"/>
+              </a:ext>
+            </a:extLst>
+          </p:cNvPr>
+          <p:cNvSpPr>
+            <a:spLocks noGrp="1"/>
+          </p:cNvSpPr>
+          <p:nvPr>
+            <p:ph type="body" sz="half" idx="2"/>
+          </p:nvPr>
+        </p:nvSpPr>
+        <p:spPr>
+          <a:xfrm>
+            <a:off x="972991" y="5920864"/>
+            <a:ext cx="10113264" cy="609600"/>
+          </a:xfrm>
+        </p:spPr>
+        <p:txBody>
+          <a:bodyPr>
+            <a:normAutofit lnSpcReduction="10000"/>
+          </a:bodyPr>
+          <a:lstStyle/>
+          <a:p>
+            <a:r>
+              <a:rPr lang="en-GB" dirty="0"/>
+              <a:t>I created specific csv file with London Borough using </a:t>
+            </a:r>
+            <a:r>
+              <a:rPr lang="en-GB" sz="1800" dirty="0">
+                <a:solidFill>
+                  <a:srgbClr val="FFFFFF"/>
+                </a:solidFill>
+              </a:rPr>
+              <a:t>Geo names organisation website. </a:t>
+            </a:r>
+            <a:r>
+              <a:rPr lang="en-GB" dirty="0"/>
+              <a:t> I visualised 32 borough on map using folium </a:t>
+            </a:r>
+          </a:p>
+        </p:txBody>
+      </p:sp>
+      <p:pic>
+        <p:nvPicPr>
+          <p:cNvPr id="10" name="Picture Placeholder 9" descr="A screenshot of a cell phone&#10;&#10;Description automatically generated">
+            <a:extLst>
+              <a:ext uri="{FF2B5EF4-FFF2-40B4-BE49-F238E27FC236}">
+                <a16:creationId xmlns:a16="http://schemas.microsoft.com/office/drawing/2014/main" id="{22328F5F-B401-4C86-8CEA-345456F44579}"/>
+              </a:ext>
+            </a:extLst>
+          </p:cNvPr>
+          <p:cNvPicPr>
+            <a:picLocks noGrp="1" noChangeAspect="1"/>
+          </p:cNvPicPr>
+          <p:nvPr>
+            <p:ph type="pic" idx="1"/>
+          </p:nvPr>
+        </p:nvPicPr>
+        <p:blipFill>
+          <a:blip r:embed="rId2">
+            <a:extLst>
+              <a:ext uri="{28A0092B-C50C-407E-A947-70E740481C1C}">
+                <a14:useLocalDpi xmlns:a14="http://schemas.microsoft.com/office/drawing/2010/main" val="0"/>
+              </a:ext>
+            </a:extLst>
+          </a:blip>
+          <a:srcRect t="17276" b="17276"/>
+          <a:stretch>
+            <a:fillRect/>
+          </a:stretch>
+        </p:blipFill>
+        <p:spPr>
+          <a:xfrm>
+            <a:off x="699611" y="2920376"/>
+            <a:ext cx="3632023" cy="1478232"/>
+          </a:xfrm>
+        </p:spPr>
+      </p:pic>
+      <p:pic>
+        <p:nvPicPr>
+          <p:cNvPr id="14" name="Picture 13" descr="A picture containing text, map&#10;&#10;Description automatically generated">
+            <a:extLst>
+              <a:ext uri="{FF2B5EF4-FFF2-40B4-BE49-F238E27FC236}">
+                <a16:creationId xmlns:a16="http://schemas.microsoft.com/office/drawing/2014/main" id="{9A33DC0F-B4CB-40B2-A28B-A5CE0F02E704}"/>
+              </a:ext>
+            </a:extLst>
+          </p:cNvPr>
+          <p:cNvPicPr>
+            <a:picLocks noChangeAspect="1"/>
+          </p:cNvPicPr>
+          <p:nvPr/>
+        </p:nvPicPr>
+        <p:blipFill>
+          <a:blip r:embed="rId3">
+            <a:extLst>
+              <a:ext uri="{28A0092B-C50C-407E-A947-70E740481C1C}">
+                <a14:useLocalDpi xmlns:a14="http://schemas.microsoft.com/office/drawing/2010/main" val="0"/>
+              </a:ext>
+            </a:extLst>
+          </a:blip>
+          <a:stretch>
+            <a:fillRect/>
+          </a:stretch>
+        </p:blipFill>
+        <p:spPr>
+          <a:xfrm>
+            <a:off x="4787468" y="179301"/>
+            <a:ext cx="7086661" cy="4219307"/>
+          </a:xfrm>
+          <a:prstGeom prst="rect">
+            <a:avLst/>
+          </a:prstGeom>
+        </p:spPr>
+      </p:pic>
+    </p:spTree>
+    <p:extLst>
+      <p:ext uri="{BB962C8B-B14F-4D97-AF65-F5344CB8AC3E}">
+        <p14:creationId xmlns:p14="http://schemas.microsoft.com/office/powerpoint/2010/main" val="2901312103"/>
+      </p:ext>
+    </p:extLst>
+  </p:cSld>
+  <p:clrMapOvr>
+    <a:masterClrMapping/>
+  </p:clrMapOvr>
+</p:sld>
+</file>
+
+<file path=ppt/slides/slide6.xml><?xml version="1.0" encoding="utf-8"?>
+<p:sld xmlns:a="http://schemas.openxmlformats.org/drawingml/2006/main" xmlns:r="http://schemas.openxmlformats.org/officeDocument/2006/relationships" xmlns:p="http://schemas.openxmlformats.org/presentationml/2006/main">
+  <p:cSld>
+    <p:bg>
+      <p:bgPr>
+        <a:solidFill>
+          <a:schemeClr val="bg1"/>
+        </a:solidFill>
+        <a:effectLst/>
+      </p:bgPr>
+    </p:bg>
+    <p:spTree>
+      <p:nvGrpSpPr>
+        <p:cNvPr id="1" name=""/>
+        <p:cNvGrpSpPr/>
+        <p:nvPr/>
+      </p:nvGrpSpPr>
+      <p:grpSpPr>
+        <a:xfrm>
+          <a:off x="0" y="0"/>
+          <a:ext cx="0" cy="0"/>
+          <a:chOff x="0" y="0"/>
+          <a:chExt cx="0" cy="0"/>
+        </a:xfrm>
+      </p:grpSpPr>
+      <p:sp>
+        <p:nvSpPr>
+          <p:cNvPr id="33" name="Rectangle 18">
+            <a:extLst>
+              <a:ext uri="{FF2B5EF4-FFF2-40B4-BE49-F238E27FC236}">
+                <a16:creationId xmlns:a16="http://schemas.microsoft.com/office/drawing/2014/main" id="{416A0E3C-60E6-4F39-BC55-5F7C224E1F7C}"/>
+              </a:ext>
+              <a:ext uri="{C183D7F6-B498-43B3-948B-1728B52AA6E4}">
+                <adec:decorative xmlns:adec="http://schemas.microsoft.com/office/drawing/2017/decorative" val="1"/>
+              </a:ext>
+            </a:extLst>
+          </p:cNvPr>
+          <p:cNvSpPr>
+            <a:spLocks noGrp="1" noRot="1" noChangeAspect="1" noMove="1" noResize="1" noEditPoints="1" noAdjustHandles="1" noChangeArrowheads="1" noChangeShapeType="1" noTextEdit="1"/>
+          </p:cNvSpPr>
+          <p:nvPr>
+            <p:extLst>
+              <p:ext uri="{386F3935-93C4-4BCD-93E2-E3B085C9AB24}">
+                <p16:designElem xmlns:p16="http://schemas.microsoft.com/office/powerpoint/2015/main" val="1"/>
+              </p:ext>
+            </p:extLst>
+          </p:nvPr>
+        </p:nvSpPr>
+        <p:spPr>
+          <a:xfrm>
+            <a:off x="3175" y="6400800"/>
+            <a:ext cx="12188825" cy="457200"/>
+          </a:xfrm>
+          <a:prstGeom prst="rect">
+            <a:avLst/>
+          </a:prstGeom>
+          <a:solidFill>
+            <a:srgbClr val="262626"/>
+          </a:solidFill>
+          <a:ln>
+            <a:noFill/>
+          </a:ln>
+        </p:spPr>
+        <p:style>
+          <a:lnRef idx="2">
+            <a:schemeClr val="accent1">
+              <a:shade val="50000"/>
+            </a:schemeClr>
+          </a:lnRef>
+          <a:fillRef idx="1">
+            <a:schemeClr val="accent1"/>
+          </a:fillRef>
+          <a:effectRef idx="0">
+            <a:schemeClr val="accent1"/>
+          </a:effectRef>
+          <a:fontRef idx="minor">
+            <a:schemeClr val="lt1"/>
+          </a:fontRef>
+        </p:style>
+      </p:sp>
+      <p:cxnSp>
+        <p:nvCxnSpPr>
+          <p:cNvPr id="34" name="Straight Connector 20">
+            <a:extLst>
+              <a:ext uri="{FF2B5EF4-FFF2-40B4-BE49-F238E27FC236}">
+                <a16:creationId xmlns:a16="http://schemas.microsoft.com/office/drawing/2014/main" id="{C5025DAC-8B93-4160-B017-3A274A5828C0}"/>
+              </a:ext>
+              <a:ext uri="{C183D7F6-B498-43B3-948B-1728B52AA6E4}">
+                <adec:decorative xmlns:adec="http://schemas.microsoft.com/office/drawing/2017/decorative" val="1"/>
+              </a:ext>
+            </a:extLst>
+          </p:cNvPr>
+          <p:cNvCxnSpPr>
+            <a:cxnSpLocks noGrp="1" noRot="1" noChangeAspect="1" noMove="1" noResize="1" noEditPoints="1" noAdjustHandles="1" noChangeArrowheads="1" noChangeShapeType="1"/>
+          </p:cNvCxnSpPr>
+          <p:nvPr>
+            <p:extLst>
+              <p:ext uri="{386F3935-93C4-4BCD-93E2-E3B085C9AB24}">
+                <p16:designElem xmlns:p16="http://schemas.microsoft.com/office/powerpoint/2015/main" val="1"/>
+              </p:ext>
+            </p:extLst>
+          </p:nvPr>
+        </p:nvCxnSpPr>
+        <p:spPr>
+          <a:xfrm>
+            <a:off x="1193532" y="1897380"/>
+            <a:ext cx="9966960" cy="0"/>
+          </a:xfrm>
+          <a:prstGeom prst="line">
+            <a:avLst/>
+          </a:prstGeom>
+          <a:ln w="12700">
+            <a:solidFill>
+              <a:schemeClr val="tx1">
+                <a:lumMod val="75000"/>
+                <a:lumOff val="25000"/>
+              </a:schemeClr>
+            </a:solidFill>
+          </a:ln>
+        </p:spPr>
+        <p:style>
+          <a:lnRef idx="1">
+            <a:schemeClr val="accent1"/>
+          </a:lnRef>
+          <a:fillRef idx="0">
+            <a:schemeClr val="accent1"/>
+          </a:fillRef>
+          <a:effectRef idx="0">
+            <a:schemeClr val="accent1"/>
+          </a:effectRef>
+          <a:fontRef idx="minor">
+            <a:schemeClr val="tx1"/>
+          </a:fontRef>
+        </p:style>
+      </p:cxnSp>
+      <p:sp>
+        <p:nvSpPr>
+          <p:cNvPr id="35" name="Rectangle 22">
+            <a:extLst>
+              <a:ext uri="{FF2B5EF4-FFF2-40B4-BE49-F238E27FC236}">
+                <a16:creationId xmlns:a16="http://schemas.microsoft.com/office/drawing/2014/main" id="{E844E128-FF69-4E9F-8327-6B504B3C5AE1}"/>
+              </a:ext>
+              <a:ext uri="{C183D7F6-B498-43B3-948B-1728B52AA6E4}">
+                <adec:decorative xmlns:adec="http://schemas.microsoft.com/office/drawing/2017/decorative" val="1"/>
+              </a:ext>
+            </a:extLst>
+          </p:cNvPr>
+          <p:cNvSpPr>
+            <a:spLocks noGrp="1" noRot="1" noChangeAspect="1" noMove="1" noResize="1" noEditPoints="1" noAdjustHandles="1" noChangeArrowheads="1" noChangeShapeType="1" noTextEdit="1"/>
+          </p:cNvSpPr>
+          <p:nvPr>
+            <p:extLst>
+              <p:ext uri="{386F3935-93C4-4BCD-93E2-E3B085C9AB24}">
+                <p16:designElem xmlns:p16="http://schemas.microsoft.com/office/powerpoint/2015/main" val="1"/>
+              </p:ext>
+            </p:extLst>
+          </p:nvPr>
+        </p:nvSpPr>
+        <p:spPr bwMode="white">
+          <a:xfrm>
+            <a:off x="15" y="0"/>
+            <a:ext cx="12191985" cy="6858000"/>
+          </a:xfrm>
+          <a:prstGeom prst="rect">
+            <a:avLst/>
+          </a:prstGeom>
+          <a:solidFill>
+            <a:srgbClr val="262626"/>
+          </a:solidFill>
+          <a:ln>
+            <a:noFill/>
+          </a:ln>
+        </p:spPr>
+        <p:style>
+          <a:lnRef idx="2">
+            <a:schemeClr val="accent1">
+              <a:shade val="50000"/>
+            </a:schemeClr>
+          </a:lnRef>
+          <a:fillRef idx="1">
+            <a:schemeClr val="accent1"/>
+          </a:fillRef>
+          <a:effectRef idx="0">
+            <a:schemeClr val="accent1"/>
+          </a:effectRef>
+          <a:fontRef idx="minor">
+            <a:schemeClr val="lt1"/>
+          </a:fontRef>
+        </p:style>
+      </p:sp>
+      <p:sp>
+        <p:nvSpPr>
+          <p:cNvPr id="3" name="Title 2">
+            <a:extLst>
+              <a:ext uri="{FF2B5EF4-FFF2-40B4-BE49-F238E27FC236}">
+                <a16:creationId xmlns:a16="http://schemas.microsoft.com/office/drawing/2014/main" id="{47043ACB-8A3B-4297-977B-3727C835561A}"/>
+              </a:ext>
+            </a:extLst>
+          </p:cNvPr>
+          <p:cNvSpPr>
+            <a:spLocks noGrp="1"/>
+          </p:cNvSpPr>
+          <p:nvPr>
+            <p:ph type="title"/>
+          </p:nvPr>
+        </p:nvSpPr>
+        <p:spPr>
+          <a:xfrm>
+            <a:off x="643467" y="516835"/>
+            <a:ext cx="3448259" cy="1666501"/>
+          </a:xfrm>
+        </p:spPr>
+        <p:txBody>
+          <a:bodyPr vert="horz" lIns="91440" tIns="45720" rIns="91440" bIns="45720" rtlCol="0" anchor="b">
+            <a:normAutofit/>
+          </a:bodyPr>
+          <a:lstStyle/>
+          <a:p>
+            <a:r>
+              <a:rPr lang="en-US" sz="1800" b="1" dirty="0">
+                <a:effectLst/>
+                <a:latin typeface="+mn-lt"/>
+              </a:rPr>
+              <a:t>Utilizing the Foursquare API to explore the borough's and segment them</a:t>
+            </a:r>
+            <a:br>
+              <a:rPr lang="en-US" sz="2000" b="1" i="0" dirty="0">
+                <a:effectLst/>
+              </a:rPr>
+            </a:br>
+            <a:endParaRPr lang="en-US" sz="4000" dirty="0"/>
+          </a:p>
+        </p:txBody>
+      </p:sp>
+      <p:cxnSp>
+        <p:nvCxnSpPr>
+          <p:cNvPr id="36" name="Straight Connector 24">
+            <a:extLst>
+              <a:ext uri="{FF2B5EF4-FFF2-40B4-BE49-F238E27FC236}">
+                <a16:creationId xmlns:a16="http://schemas.microsoft.com/office/drawing/2014/main" id="{055CEADF-09EA-423C-8C45-F94AF44D5AF0}"/>
+              </a:ext>
+              <a:ext uri="{C183D7F6-B498-43B3-948B-1728B52AA6E4}">
+                <adec:decorative xmlns:adec="http://schemas.microsoft.com/office/drawing/2017/decorative" val="1"/>
+              </a:ext>
+            </a:extLst>
+          </p:cNvPr>
+          <p:cNvCxnSpPr>
+            <a:cxnSpLocks noGrp="1" noRot="1" noChangeAspect="1" noMove="1" noResize="1" noEditPoints="1" noAdjustHandles="1" noChangeArrowheads="1" noChangeShapeType="1"/>
+          </p:cNvCxnSpPr>
+          <p:nvPr>
+            <p:extLst>
+              <p:ext uri="{386F3935-93C4-4BCD-93E2-E3B085C9AB24}">
+                <p16:designElem xmlns:p16="http://schemas.microsoft.com/office/powerpoint/2015/main" val="1"/>
+              </p:ext>
+            </p:extLst>
+          </p:nvPr>
+        </p:nvCxnSpPr>
+        <p:spPr>
+          <a:xfrm>
+            <a:off x="723686" y="2353592"/>
+            <a:ext cx="3291840" cy="0"/>
+          </a:xfrm>
+          <a:prstGeom prst="line">
+            <a:avLst/>
+          </a:prstGeom>
+          <a:ln w="19050">
+            <a:solidFill>
+              <a:schemeClr val="accent1"/>
+            </a:solidFill>
+          </a:ln>
+        </p:spPr>
+        <p:style>
+          <a:lnRef idx="1">
+            <a:schemeClr val="accent1"/>
+          </a:lnRef>
+          <a:fillRef idx="0">
+            <a:schemeClr val="accent1"/>
+          </a:fillRef>
+          <a:effectRef idx="0">
+            <a:schemeClr val="accent1"/>
+          </a:effectRef>
+          <a:fontRef idx="minor">
+            <a:schemeClr val="tx1"/>
+          </a:fontRef>
+        </p:style>
+      </p:cxnSp>
+      <p:sp>
+        <p:nvSpPr>
+          <p:cNvPr id="4" name="Text Placeholder 3">
+            <a:extLst>
+              <a:ext uri="{FF2B5EF4-FFF2-40B4-BE49-F238E27FC236}">
+                <a16:creationId xmlns:a16="http://schemas.microsoft.com/office/drawing/2014/main" id="{D3DD9E27-0D52-4FC3-890B-6D826EA8EA44}"/>
+              </a:ext>
+            </a:extLst>
+          </p:cNvPr>
+          <p:cNvSpPr>
+            <a:spLocks noGrp="1"/>
+          </p:cNvSpPr>
+          <p:nvPr>
+            <p:ph type="body" sz="half" idx="2"/>
+          </p:nvPr>
+        </p:nvSpPr>
+        <p:spPr>
+          <a:xfrm>
+            <a:off x="643467" y="2546224"/>
+            <a:ext cx="3448259" cy="3342747"/>
+          </a:xfrm>
+        </p:spPr>
+        <p:txBody>
+          <a:bodyPr vert="horz" lIns="0" tIns="45720" rIns="0" bIns="45720" rtlCol="0">
+            <a:normAutofit/>
+          </a:bodyPr>
+          <a:lstStyle/>
+          <a:p>
+            <a:pPr>
+              <a:lnSpc>
+                <a:spcPct val="100000"/>
+              </a:lnSpc>
+            </a:pPr>
+            <a:r>
+              <a:rPr lang="en-US" b="1" i="0" dirty="0">
+                <a:effectLst/>
+              </a:rPr>
+              <a:t>Retuned: 10 common venues for each of borough</a:t>
+            </a:r>
+          </a:p>
+          <a:p>
+            <a:pPr>
+              <a:lnSpc>
+                <a:spcPct val="100000"/>
+              </a:lnSpc>
+            </a:pPr>
+            <a:endParaRPr lang="en-US" b="1" dirty="0"/>
+          </a:p>
+          <a:p>
+            <a:pPr>
+              <a:lnSpc>
+                <a:spcPct val="100000"/>
+              </a:lnSpc>
+            </a:pPr>
+            <a:r>
+              <a:rPr lang="en-US" b="1" dirty="0"/>
+              <a:t>Table showing number </a:t>
+            </a:r>
+          </a:p>
+          <a:p>
+            <a:pPr>
+              <a:lnSpc>
+                <a:spcPct val="100000"/>
+              </a:lnSpc>
+            </a:pPr>
+            <a:r>
+              <a:rPr lang="en-US" b="1" dirty="0"/>
+              <a:t>o</a:t>
+            </a:r>
+            <a:r>
+              <a:rPr lang="en-US" b="1" i="0" dirty="0">
+                <a:effectLst/>
+              </a:rPr>
+              <a:t>f Venus category</a:t>
+            </a:r>
+          </a:p>
+          <a:p>
+            <a:pPr>
+              <a:lnSpc>
+                <a:spcPct val="100000"/>
+              </a:lnSpc>
+            </a:pPr>
+            <a:r>
+              <a:rPr lang="en-US" b="1" dirty="0"/>
+              <a:t>for each borough</a:t>
+            </a:r>
+            <a:endParaRPr lang="en-US" b="1" i="0" dirty="0">
+              <a:effectLst/>
+            </a:endParaRPr>
+          </a:p>
+          <a:p>
+            <a:pPr>
+              <a:lnSpc>
+                <a:spcPct val="100000"/>
+              </a:lnSpc>
+            </a:pPr>
+            <a:endParaRPr lang="en-US" b="1" dirty="0"/>
+          </a:p>
+          <a:p>
+            <a:pPr>
+              <a:lnSpc>
+                <a:spcPct val="100000"/>
+              </a:lnSpc>
+            </a:pPr>
+            <a:endParaRPr lang="en-US" b="1" i="0" dirty="0">
+              <a:effectLst/>
+            </a:endParaRPr>
+          </a:p>
+          <a:p>
+            <a:pPr>
+              <a:lnSpc>
+                <a:spcPct val="100000"/>
+              </a:lnSpc>
+            </a:pPr>
+            <a:endParaRPr lang="en-US" dirty="0"/>
+          </a:p>
+        </p:txBody>
+      </p:sp>
+      <p:pic>
+        <p:nvPicPr>
+          <p:cNvPr id="12" name="Picture 11" descr="A screenshot of a cell phone&#10;&#10;Description automatically generated">
+            <a:extLst>
+              <a:ext uri="{FF2B5EF4-FFF2-40B4-BE49-F238E27FC236}">
+                <a16:creationId xmlns:a16="http://schemas.microsoft.com/office/drawing/2014/main" id="{57407AA9-FCE1-45E6-A66D-286B8E3BA5D4}"/>
+              </a:ext>
+            </a:extLst>
+          </p:cNvPr>
+          <p:cNvPicPr>
+            <a:picLocks noChangeAspect="1"/>
+          </p:cNvPicPr>
+          <p:nvPr/>
+        </p:nvPicPr>
+        <p:blipFill rotWithShape="1">
+          <a:blip r:embed="rId2">
+            <a:extLst>
+              <a:ext uri="{28A0092B-C50C-407E-A947-70E740481C1C}">
+                <a14:useLocalDpi xmlns:a14="http://schemas.microsoft.com/office/drawing/2010/main" val="0"/>
+              </a:ext>
+            </a:extLst>
+          </a:blip>
+          <a:srcRect r="4673"/>
+          <a:stretch/>
+        </p:blipFill>
+        <p:spPr>
+          <a:xfrm>
+            <a:off x="7182035" y="220977"/>
+            <a:ext cx="4591865" cy="2848113"/>
+          </a:xfrm>
+          <a:prstGeom prst="rect">
+            <a:avLst/>
+          </a:prstGeom>
+        </p:spPr>
+      </p:pic>
+      <p:pic>
+        <p:nvPicPr>
+          <p:cNvPr id="18" name="Picture 17" descr="A screenshot of a computer&#10;&#10;Description automatically generated">
+            <a:extLst>
+              <a:ext uri="{FF2B5EF4-FFF2-40B4-BE49-F238E27FC236}">
+                <a16:creationId xmlns:a16="http://schemas.microsoft.com/office/drawing/2014/main" id="{D03143CD-36C5-4115-843D-8ADBF035665C}"/>
+              </a:ext>
+            </a:extLst>
+          </p:cNvPr>
+          <p:cNvPicPr>
+            <a:picLocks noChangeAspect="1"/>
+          </p:cNvPicPr>
+          <p:nvPr/>
+        </p:nvPicPr>
+        <p:blipFill>
+          <a:blip r:embed="rId3">
+            <a:extLst>
+              <a:ext uri="{28A0092B-C50C-407E-A947-70E740481C1C}">
+                <a14:useLocalDpi xmlns:a14="http://schemas.microsoft.com/office/drawing/2010/main" val="0"/>
+              </a:ext>
+            </a:extLst>
+          </a:blip>
+          <a:stretch>
+            <a:fillRect/>
+          </a:stretch>
+        </p:blipFill>
+        <p:spPr>
+          <a:xfrm>
+            <a:off x="3138671" y="3290066"/>
+            <a:ext cx="8735644" cy="3162741"/>
+          </a:xfrm>
+          <a:prstGeom prst="rect">
+            <a:avLst/>
+          </a:prstGeom>
+        </p:spPr>
+      </p:pic>
+    </p:spTree>
+    <p:extLst>
+      <p:ext uri="{BB962C8B-B14F-4D97-AF65-F5344CB8AC3E}">
+        <p14:creationId xmlns:p14="http://schemas.microsoft.com/office/powerpoint/2010/main" val="58050193"/>
+      </p:ext>
+    </p:extLst>
+  </p:cSld>
+  <p:clrMapOvr>
+    <a:overrideClrMapping bg1="dk1" tx1="lt1" bg2="dk2" tx2="lt2" accent1="accent1" accent2="accent2" accent3="accent3" accent4="accent4" accent5="accent5" accent6="accent6" hlink="hlink" folHlink="folHlink"/>
+  </p:clrMapOvr>
+</p:sld>
+</file>
+
+<file path=ppt/slides/slide7.xml><?xml version="1.0" encoding="utf-8"?>
+<p:sld xmlns:a="http://schemas.openxmlformats.org/drawingml/2006/main" xmlns:r="http://schemas.openxmlformats.org/officeDocument/2006/relationships" xmlns:p="http://schemas.openxmlformats.org/presentationml/2006/main">
+  <p:cSld>
+    <p:spTree>
+      <p:nvGrpSpPr>
+        <p:cNvPr id="1" name=""/>
+        <p:cNvGrpSpPr/>
+        <p:nvPr/>
+      </p:nvGrpSpPr>
+      <p:grpSpPr>
+        <a:xfrm>
+          <a:off x="0" y="0"/>
+          <a:ext cx="0" cy="0"/>
+          <a:chOff x="0" y="0"/>
+          <a:chExt cx="0" cy="0"/>
+        </a:xfrm>
+      </p:grpSpPr>
+      <p:sp>
+        <p:nvSpPr>
+          <p:cNvPr id="3" name="Title 2">
+            <a:extLst>
+              <a:ext uri="{FF2B5EF4-FFF2-40B4-BE49-F238E27FC236}">
+                <a16:creationId xmlns:a16="http://schemas.microsoft.com/office/drawing/2014/main" id="{80548A6F-E943-425E-8CE4-A3BA79AF6AA7}"/>
+              </a:ext>
+            </a:extLst>
+          </p:cNvPr>
+          <p:cNvSpPr>
+            <a:spLocks noGrp="1"/>
+          </p:cNvSpPr>
+          <p:nvPr>
+            <p:ph type="title"/>
+          </p:nvPr>
+        </p:nvSpPr>
+        <p:spPr/>
+        <p:txBody>
+          <a:bodyPr/>
+          <a:lstStyle/>
+          <a:p>
+            <a:r>
+              <a:rPr lang="en-GB" dirty="0"/>
+              <a:t>Creating new freq. Data for Retail Stores</a:t>
+            </a:r>
+          </a:p>
+        </p:txBody>
+      </p:sp>
+      <p:pic>
+        <p:nvPicPr>
+          <p:cNvPr id="22" name="Picture Placeholder 21" descr="A screenshot of a cell phone&#10;&#10;Description automatically generated">
+            <a:extLst>
+              <a:ext uri="{FF2B5EF4-FFF2-40B4-BE49-F238E27FC236}">
+                <a16:creationId xmlns:a16="http://schemas.microsoft.com/office/drawing/2014/main" id="{3E3F53EB-4652-49B1-92A4-A749A5FBEAC2}"/>
+              </a:ext>
+            </a:extLst>
+          </p:cNvPr>
+          <p:cNvPicPr>
+            <a:picLocks noGrp="1" noChangeAspect="1"/>
+          </p:cNvPicPr>
+          <p:nvPr>
+            <p:ph type="pic" idx="1"/>
+          </p:nvPr>
+        </p:nvPicPr>
+        <p:blipFill>
+          <a:blip r:embed="rId2">
+            <a:extLst>
+              <a:ext uri="{28A0092B-C50C-407E-A947-70E740481C1C}">
+                <a14:useLocalDpi xmlns:a14="http://schemas.microsoft.com/office/drawing/2010/main" val="0"/>
+              </a:ext>
+            </a:extLst>
+          </a:blip>
+          <a:srcRect l="1189" r="1189"/>
+          <a:stretch>
+            <a:fillRect/>
+          </a:stretch>
+        </p:blipFill>
+        <p:spPr/>
+      </p:pic>
+    </p:spTree>
+    <p:extLst>
+      <p:ext uri="{BB962C8B-B14F-4D97-AF65-F5344CB8AC3E}">
+        <p14:creationId xmlns:p14="http://schemas.microsoft.com/office/powerpoint/2010/main" val="1186568723"/>
+      </p:ext>
+    </p:extLst>
+  </p:cSld>
+  <p:clrMapOvr>
+    <a:masterClrMapping/>
+  </p:clrMapOvr>
+</p:sld>
+</file>
+
+<file path=ppt/slides/slide8.xml><?xml version="1.0" encoding="utf-8"?>
+<p:sld xmlns:a="http://schemas.openxmlformats.org/drawingml/2006/main" xmlns:r="http://schemas.openxmlformats.org/officeDocument/2006/relationships" xmlns:p="http://schemas.openxmlformats.org/presentationml/2006/main">
+  <p:cSld>
+    <p:spTree>
+      <p:nvGrpSpPr>
+        <p:cNvPr id="1" name=""/>
+        <p:cNvGrpSpPr/>
+        <p:nvPr/>
+      </p:nvGrpSpPr>
+      <p:grpSpPr>
+        <a:xfrm>
+          <a:off x="0" y="0"/>
+          <a:ext cx="0" cy="0"/>
+          <a:chOff x="0" y="0"/>
+          <a:chExt cx="0" cy="0"/>
+        </a:xfrm>
+      </p:grpSpPr>
+      <p:pic>
+        <p:nvPicPr>
+          <p:cNvPr id="6" name="Picture Placeholder 5" descr="A picture containing text, map&#10;&#10;Description automatically generated">
+            <a:extLst>
+              <a:ext uri="{FF2B5EF4-FFF2-40B4-BE49-F238E27FC236}">
+                <a16:creationId xmlns:a16="http://schemas.microsoft.com/office/drawing/2014/main" id="{78011E3F-3DEB-4536-8FF0-2F1B4A360DF5}"/>
+              </a:ext>
+            </a:extLst>
+          </p:cNvPr>
+          <p:cNvPicPr>
+            <a:picLocks noGrp="1" noChangeAspect="1"/>
+          </p:cNvPicPr>
+          <p:nvPr>
+            <p:ph type="pic" idx="1"/>
+          </p:nvPr>
+        </p:nvPicPr>
+        <p:blipFill>
+          <a:blip r:embed="rId2">
+            <a:extLst>
+              <a:ext uri="{28A0092B-C50C-407E-A947-70E740481C1C}">
+                <a14:useLocalDpi xmlns:a14="http://schemas.microsoft.com/office/drawing/2010/main" val="0"/>
+              </a:ext>
+            </a:extLst>
+          </a:blip>
+          <a:srcRect t="19364" b="19364"/>
+          <a:stretch>
+            <a:fillRect/>
+          </a:stretch>
+        </p:blipFill>
+        <p:spPr/>
+      </p:pic>
+      <p:sp>
+        <p:nvSpPr>
+          <p:cNvPr id="3" name="Title 2">
+            <a:extLst>
+              <a:ext uri="{FF2B5EF4-FFF2-40B4-BE49-F238E27FC236}">
+                <a16:creationId xmlns:a16="http://schemas.microsoft.com/office/drawing/2014/main" id="{6093ADDC-5D37-45F3-8830-50D5EA6977E9}"/>
+              </a:ext>
+            </a:extLst>
+          </p:cNvPr>
+          <p:cNvSpPr>
+            <a:spLocks noGrp="1"/>
+          </p:cNvSpPr>
+          <p:nvPr>
+            <p:ph type="title"/>
+          </p:nvPr>
+        </p:nvSpPr>
+        <p:spPr/>
+        <p:txBody>
+          <a:bodyPr/>
+          <a:lstStyle/>
+          <a:p>
+            <a:r>
+              <a:rPr lang="en-GB" dirty="0"/>
+              <a:t>Results</a:t>
+            </a:r>
+          </a:p>
+        </p:txBody>
+      </p:sp>
+      <p:sp>
+        <p:nvSpPr>
+          <p:cNvPr id="4" name="Text Placeholder 3">
+            <a:extLst>
+              <a:ext uri="{FF2B5EF4-FFF2-40B4-BE49-F238E27FC236}">
+                <a16:creationId xmlns:a16="http://schemas.microsoft.com/office/drawing/2014/main" id="{1407DF09-E946-4381-9A56-6284AF23A96B}"/>
               </a:ext>
             </a:extLst>
           </p:cNvPr>
@@ -6836,22 +11531,556 @@
         </p:nvSpPr>
         <p:spPr/>
         <p:txBody>
-          <a:bodyPr/>
+          <a:bodyPr>
+            <a:normAutofit fontScale="92500" lnSpcReduction="20000"/>
+          </a:bodyPr>
           <a:lstStyle/>
           <a:p>
-            <a:endParaRPr lang="en-GB"/>
+            <a:r>
+              <a:rPr lang="en-GB" dirty="0"/>
+              <a:t>I run the K-means clustering for London Retail store data. Visualisation by folium</a:t>
+            </a:r>
+          </a:p>
+          <a:p>
+            <a:r>
+              <a:rPr lang="en-GB" dirty="0"/>
+              <a:t>Blue colour is related to cluster 3</a:t>
+            </a:r>
           </a:p>
         </p:txBody>
       </p:sp>
     </p:spTree>
     <p:extLst>
       <p:ext uri="{BB962C8B-B14F-4D97-AF65-F5344CB8AC3E}">
-        <p14:creationId xmlns:p14="http://schemas.microsoft.com/office/powerpoint/2010/main" val="923883141"/>
+        <p14:creationId xmlns:p14="http://schemas.microsoft.com/office/powerpoint/2010/main" val="1164139958"/>
       </p:ext>
     </p:extLst>
   </p:cSld>
   <p:clrMapOvr>
     <a:masterClrMapping/>
+  </p:clrMapOvr>
+</p:sld>
+</file>
+
+<file path=ppt/slides/slide9.xml><?xml version="1.0" encoding="utf-8"?>
+<p:sld xmlns:a="http://schemas.openxmlformats.org/drawingml/2006/main" xmlns:r="http://schemas.openxmlformats.org/officeDocument/2006/relationships" xmlns:p="http://schemas.openxmlformats.org/presentationml/2006/main">
+  <p:cSld>
+    <p:bg>
+      <p:bgPr>
+        <a:solidFill>
+          <a:schemeClr val="bg1"/>
+        </a:solidFill>
+        <a:effectLst/>
+      </p:bgPr>
+    </p:bg>
+    <p:spTree>
+      <p:nvGrpSpPr>
+        <p:cNvPr id="1" name=""/>
+        <p:cNvGrpSpPr/>
+        <p:nvPr/>
+      </p:nvGrpSpPr>
+      <p:grpSpPr>
+        <a:xfrm>
+          <a:off x="0" y="0"/>
+          <a:ext cx="0" cy="0"/>
+          <a:chOff x="0" y="0"/>
+          <a:chExt cx="0" cy="0"/>
+        </a:xfrm>
+      </p:grpSpPr>
+      <p:sp>
+        <p:nvSpPr>
+          <p:cNvPr id="13" name="Rectangle 12">
+            <a:extLst>
+              <a:ext uri="{FF2B5EF4-FFF2-40B4-BE49-F238E27FC236}">
+                <a16:creationId xmlns:a16="http://schemas.microsoft.com/office/drawing/2014/main" id="{416A0E3C-60E6-4F39-BC55-5F7C224E1F7C}"/>
+              </a:ext>
+              <a:ext uri="{C183D7F6-B498-43B3-948B-1728B52AA6E4}">
+                <adec:decorative xmlns:adec="http://schemas.microsoft.com/office/drawing/2017/decorative" val="1"/>
+              </a:ext>
+            </a:extLst>
+          </p:cNvPr>
+          <p:cNvSpPr>
+            <a:spLocks noGrp="1" noRot="1" noChangeAspect="1" noMove="1" noResize="1" noEditPoints="1" noAdjustHandles="1" noChangeArrowheads="1" noChangeShapeType="1" noTextEdit="1"/>
+          </p:cNvSpPr>
+          <p:nvPr>
+            <p:extLst>
+              <p:ext uri="{386F3935-93C4-4BCD-93E2-E3B085C9AB24}">
+                <p16:designElem xmlns:p16="http://schemas.microsoft.com/office/powerpoint/2015/main" val="1"/>
+              </p:ext>
+            </p:extLst>
+          </p:nvPr>
+        </p:nvSpPr>
+        <p:spPr>
+          <a:xfrm>
+            <a:off x="3175" y="6400800"/>
+            <a:ext cx="12188825" cy="457200"/>
+          </a:xfrm>
+          <a:prstGeom prst="rect">
+            <a:avLst/>
+          </a:prstGeom>
+          <a:solidFill>
+            <a:srgbClr val="262626"/>
+          </a:solidFill>
+          <a:ln>
+            <a:noFill/>
+          </a:ln>
+        </p:spPr>
+        <p:style>
+          <a:lnRef idx="2">
+            <a:schemeClr val="accent1">
+              <a:shade val="50000"/>
+            </a:schemeClr>
+          </a:lnRef>
+          <a:fillRef idx="1">
+            <a:schemeClr val="accent1"/>
+          </a:fillRef>
+          <a:effectRef idx="0">
+            <a:schemeClr val="accent1"/>
+          </a:effectRef>
+          <a:fontRef idx="minor">
+            <a:schemeClr val="lt1"/>
+          </a:fontRef>
+        </p:style>
+      </p:sp>
+      <p:cxnSp>
+        <p:nvCxnSpPr>
+          <p:cNvPr id="15" name="Straight Connector 14">
+            <a:extLst>
+              <a:ext uri="{FF2B5EF4-FFF2-40B4-BE49-F238E27FC236}">
+                <a16:creationId xmlns:a16="http://schemas.microsoft.com/office/drawing/2014/main" id="{C5025DAC-8B93-4160-B017-3A274A5828C0}"/>
+              </a:ext>
+              <a:ext uri="{C183D7F6-B498-43B3-948B-1728B52AA6E4}">
+                <adec:decorative xmlns:adec="http://schemas.microsoft.com/office/drawing/2017/decorative" val="1"/>
+              </a:ext>
+            </a:extLst>
+          </p:cNvPr>
+          <p:cNvCxnSpPr>
+            <a:cxnSpLocks noGrp="1" noRot="1" noChangeAspect="1" noMove="1" noResize="1" noEditPoints="1" noAdjustHandles="1" noChangeArrowheads="1" noChangeShapeType="1"/>
+          </p:cNvCxnSpPr>
+          <p:nvPr>
+            <p:extLst>
+              <p:ext uri="{386F3935-93C4-4BCD-93E2-E3B085C9AB24}">
+                <p16:designElem xmlns:p16="http://schemas.microsoft.com/office/powerpoint/2015/main" val="1"/>
+              </p:ext>
+            </p:extLst>
+          </p:nvPr>
+        </p:nvCxnSpPr>
+        <p:spPr>
+          <a:xfrm>
+            <a:off x="1193532" y="1897380"/>
+            <a:ext cx="9966960" cy="0"/>
+          </a:xfrm>
+          <a:prstGeom prst="line">
+            <a:avLst/>
+          </a:prstGeom>
+          <a:ln w="12700">
+            <a:solidFill>
+              <a:schemeClr val="tx1">
+                <a:lumMod val="75000"/>
+                <a:lumOff val="25000"/>
+              </a:schemeClr>
+            </a:solidFill>
+          </a:ln>
+        </p:spPr>
+        <p:style>
+          <a:lnRef idx="1">
+            <a:schemeClr val="accent1"/>
+          </a:lnRef>
+          <a:fillRef idx="0">
+            <a:schemeClr val="accent1"/>
+          </a:fillRef>
+          <a:effectRef idx="0">
+            <a:schemeClr val="accent1"/>
+          </a:effectRef>
+          <a:fontRef idx="minor">
+            <a:schemeClr val="tx1"/>
+          </a:fontRef>
+        </p:style>
+      </p:cxnSp>
+      <p:sp useBgFill="1">
+        <p:nvSpPr>
+          <p:cNvPr id="17" name="Rectangle 16">
+            <a:extLst>
+              <a:ext uri="{FF2B5EF4-FFF2-40B4-BE49-F238E27FC236}">
+                <a16:creationId xmlns:a16="http://schemas.microsoft.com/office/drawing/2014/main" id="{C8DD82D3-D002-45B0-B16A-82B3DA4EFDDB}"/>
+              </a:ext>
+              <a:ext uri="{C183D7F6-B498-43B3-948B-1728B52AA6E4}">
+                <adec:decorative xmlns:adec="http://schemas.microsoft.com/office/drawing/2017/decorative" val="1"/>
+              </a:ext>
+            </a:extLst>
+          </p:cNvPr>
+          <p:cNvSpPr>
+            <a:spLocks noGrp="1" noRot="1" noChangeAspect="1" noMove="1" noResize="1" noEditPoints="1" noAdjustHandles="1" noChangeArrowheads="1" noChangeShapeType="1" noTextEdit="1"/>
+          </p:cNvSpPr>
+          <p:nvPr>
+            <p:extLst>
+              <p:ext uri="{386F3935-93C4-4BCD-93E2-E3B085C9AB24}">
+                <p16:designElem xmlns:p16="http://schemas.microsoft.com/office/powerpoint/2015/main" val="1"/>
+              </p:ext>
+            </p:extLst>
+          </p:nvPr>
+        </p:nvSpPr>
+        <p:spPr>
+          <a:xfrm>
+            <a:off x="3175" y="0"/>
+            <a:ext cx="12188952" cy="6858000"/>
+          </a:xfrm>
+          <a:prstGeom prst="rect">
+            <a:avLst/>
+          </a:prstGeom>
+          <a:ln>
+            <a:noFill/>
+          </a:ln>
+        </p:spPr>
+        <p:style>
+          <a:lnRef idx="2">
+            <a:schemeClr val="accent1">
+              <a:shade val="50000"/>
+            </a:schemeClr>
+          </a:lnRef>
+          <a:fillRef idx="1">
+            <a:schemeClr val="accent1"/>
+          </a:fillRef>
+          <a:effectRef idx="0">
+            <a:schemeClr val="accent1"/>
+          </a:effectRef>
+          <a:fontRef idx="minor">
+            <a:schemeClr val="lt1"/>
+          </a:fontRef>
+        </p:style>
+        <p:txBody>
+          <a:bodyPr rtlCol="0" anchor="ctr"/>
+          <a:lstStyle/>
+          <a:p>
+            <a:pPr algn="ctr"/>
+            <a:endParaRPr lang="en-US" dirty="0"/>
+          </a:p>
+        </p:txBody>
+      </p:sp>
+      <p:sp>
+        <p:nvSpPr>
+          <p:cNvPr id="3" name="Title 2">
+            <a:extLst>
+              <a:ext uri="{FF2B5EF4-FFF2-40B4-BE49-F238E27FC236}">
+                <a16:creationId xmlns:a16="http://schemas.microsoft.com/office/drawing/2014/main" id="{9F7F55C1-4BD9-4629-8025-9AD0075F51E4}"/>
+              </a:ext>
+            </a:extLst>
+          </p:cNvPr>
+          <p:cNvSpPr>
+            <a:spLocks noGrp="1"/>
+          </p:cNvSpPr>
+          <p:nvPr>
+            <p:ph type="title"/>
+          </p:nvPr>
+        </p:nvSpPr>
+        <p:spPr>
+          <a:xfrm>
+            <a:off x="949047" y="643466"/>
+            <a:ext cx="2771273" cy="5470463"/>
+          </a:xfrm>
+        </p:spPr>
+        <p:txBody>
+          <a:bodyPr vert="horz" lIns="91440" tIns="45720" rIns="91440" bIns="45720" rtlCol="0" anchor="ctr">
+            <a:normAutofit/>
+          </a:bodyPr>
+          <a:lstStyle/>
+          <a:p>
+            <a:r>
+              <a:rPr lang="en-US" sz="2800" dirty="0">
+                <a:solidFill>
+                  <a:schemeClr val="tx1">
+                    <a:lumMod val="75000"/>
+                    <a:lumOff val="25000"/>
+                  </a:schemeClr>
+                </a:solidFill>
+              </a:rPr>
+              <a:t>Discussion</a:t>
+            </a:r>
+            <a:br>
+              <a:rPr lang="en-US" sz="2800" dirty="0">
+                <a:solidFill>
+                  <a:schemeClr val="tx1">
+                    <a:lumMod val="75000"/>
+                    <a:lumOff val="25000"/>
+                  </a:schemeClr>
+                </a:solidFill>
+              </a:rPr>
+            </a:br>
+            <a:br>
+              <a:rPr lang="en-US" sz="1100" dirty="0">
+                <a:solidFill>
+                  <a:schemeClr val="tx1">
+                    <a:lumMod val="75000"/>
+                    <a:lumOff val="25000"/>
+                  </a:schemeClr>
+                </a:solidFill>
+              </a:rPr>
+            </a:br>
+            <a:r>
+              <a:rPr lang="en-US" sz="1100" dirty="0">
+                <a:solidFill>
+                  <a:schemeClr val="tx1">
+                    <a:lumMod val="75000"/>
+                    <a:lumOff val="25000"/>
+                  </a:schemeClr>
+                </a:solidFill>
+              </a:rPr>
+              <a:t>The goal was to provide information about location for new business</a:t>
+            </a:r>
+            <a:br>
+              <a:rPr lang="en-US" sz="1100" dirty="0">
+                <a:solidFill>
+                  <a:schemeClr val="tx1">
+                    <a:lumMod val="75000"/>
+                    <a:lumOff val="25000"/>
+                  </a:schemeClr>
+                </a:solidFill>
+              </a:rPr>
+            </a:br>
+            <a:r>
+              <a:rPr lang="en-US" sz="1100" dirty="0">
+                <a:solidFill>
+                  <a:schemeClr val="tx1">
+                    <a:lumMod val="75000"/>
+                    <a:lumOff val="25000"/>
+                  </a:schemeClr>
+                </a:solidFill>
+              </a:rPr>
+              <a:t>Compering results of  population, aera, earning and visitors spend  we obtain 3 localization</a:t>
+            </a:r>
+            <a:br>
+              <a:rPr lang="en-US" sz="1100" dirty="0">
+                <a:solidFill>
+                  <a:schemeClr val="tx1">
+                    <a:lumMod val="75000"/>
+                    <a:lumOff val="25000"/>
+                  </a:schemeClr>
+                </a:solidFill>
+              </a:rPr>
+            </a:br>
+            <a:r>
+              <a:rPr lang="en-US" sz="1100" dirty="0">
+                <a:solidFill>
+                  <a:schemeClr val="tx1">
+                    <a:lumMod val="75000"/>
+                    <a:lumOff val="25000"/>
+                  </a:schemeClr>
+                </a:solidFill>
+              </a:rPr>
+              <a:t>Westminster, Kingston and Chelsey, Camden.</a:t>
+            </a:r>
+            <a:br>
+              <a:rPr lang="en-US" sz="1100" dirty="0">
+                <a:solidFill>
+                  <a:schemeClr val="tx1">
+                    <a:lumMod val="75000"/>
+                    <a:lumOff val="25000"/>
+                  </a:schemeClr>
+                </a:solidFill>
+              </a:rPr>
+            </a:br>
+            <a:br>
+              <a:rPr lang="en-US" sz="1100" dirty="0">
+                <a:solidFill>
+                  <a:schemeClr val="tx1">
+                    <a:lumMod val="75000"/>
+                    <a:lumOff val="25000"/>
+                  </a:schemeClr>
+                </a:solidFill>
+              </a:rPr>
+            </a:br>
+            <a:r>
+              <a:rPr lang="en-US" sz="1100" dirty="0">
+                <a:solidFill>
+                  <a:schemeClr val="tx1">
+                    <a:lumMod val="75000"/>
+                    <a:lumOff val="25000"/>
+                  </a:schemeClr>
+                </a:solidFill>
+              </a:rPr>
+              <a:t>Annalise our biggest cluster3 all those localization are included.</a:t>
+            </a:r>
+            <a:br>
+              <a:rPr lang="en-US" sz="1100" dirty="0">
+                <a:solidFill>
+                  <a:schemeClr val="tx1">
+                    <a:lumMod val="75000"/>
+                    <a:lumOff val="25000"/>
+                  </a:schemeClr>
+                </a:solidFill>
+              </a:rPr>
+            </a:br>
+            <a:r>
+              <a:rPr lang="en-US" sz="1100" dirty="0">
+                <a:solidFill>
+                  <a:schemeClr val="tx1">
+                    <a:lumMod val="75000"/>
+                    <a:lumOff val="25000"/>
+                  </a:schemeClr>
+                </a:solidFill>
+              </a:rPr>
+              <a:t>The most popular venues are Women's Store, Clothing store and Vintage store</a:t>
+            </a:r>
+            <a:br>
+              <a:rPr lang="en-US" sz="1100" dirty="0">
+                <a:solidFill>
+                  <a:schemeClr val="tx1">
+                    <a:lumMod val="75000"/>
+                    <a:lumOff val="25000"/>
+                  </a:schemeClr>
+                </a:solidFill>
+              </a:rPr>
+            </a:br>
+            <a:br>
+              <a:rPr lang="en-US" sz="1100" dirty="0">
+                <a:solidFill>
+                  <a:schemeClr val="tx1">
+                    <a:lumMod val="75000"/>
+                    <a:lumOff val="25000"/>
+                  </a:schemeClr>
+                </a:solidFill>
+              </a:rPr>
+            </a:br>
+            <a:r>
+              <a:rPr lang="en-US" sz="1100" dirty="0">
+                <a:solidFill>
+                  <a:schemeClr val="tx1">
+                    <a:lumMod val="75000"/>
+                    <a:lumOff val="25000"/>
+                  </a:schemeClr>
+                </a:solidFill>
+              </a:rPr>
+              <a:t>On the other hand Closter 5 may be suitable for the business as well.. The most popular venues  are Clothing store, Shopping Mall, Department store </a:t>
+            </a:r>
+            <a:br>
+              <a:rPr lang="en-US" sz="1100" dirty="0">
+                <a:solidFill>
+                  <a:schemeClr val="tx1">
+                    <a:lumMod val="75000"/>
+                    <a:lumOff val="25000"/>
+                  </a:schemeClr>
+                </a:solidFill>
+              </a:rPr>
+            </a:br>
+            <a:br>
+              <a:rPr lang="en-US" dirty="0">
+                <a:solidFill>
+                  <a:schemeClr val="tx1">
+                    <a:lumMod val="75000"/>
+                    <a:lumOff val="25000"/>
+                  </a:schemeClr>
+                </a:solidFill>
+              </a:rPr>
+            </a:br>
+            <a:endParaRPr lang="en-US" dirty="0">
+              <a:solidFill>
+                <a:schemeClr val="tx1">
+                  <a:lumMod val="75000"/>
+                  <a:lumOff val="25000"/>
+                </a:schemeClr>
+              </a:solidFill>
+            </a:endParaRPr>
+          </a:p>
+        </p:txBody>
+      </p:sp>
+      <p:cxnSp>
+        <p:nvCxnSpPr>
+          <p:cNvPr id="19" name="Straight Connector 18">
+            <a:extLst>
+              <a:ext uri="{FF2B5EF4-FFF2-40B4-BE49-F238E27FC236}">
+                <a16:creationId xmlns:a16="http://schemas.microsoft.com/office/drawing/2014/main" id="{9F09C252-16FE-4557-AD6D-BB5CA773496C}"/>
+              </a:ext>
+              <a:ext uri="{C183D7F6-B498-43B3-948B-1728B52AA6E4}">
+                <adec:decorative xmlns:adec="http://schemas.microsoft.com/office/drawing/2017/decorative" val="1"/>
+              </a:ext>
+            </a:extLst>
+          </p:cNvPr>
+          <p:cNvCxnSpPr>
+            <a:cxnSpLocks noGrp="1" noRot="1" noChangeAspect="1" noMove="1" noResize="1" noEditPoints="1" noAdjustHandles="1" noChangeArrowheads="1" noChangeShapeType="1"/>
+          </p:cNvCxnSpPr>
+          <p:nvPr>
+            <p:extLst>
+              <p:ext uri="{386F3935-93C4-4BCD-93E2-E3B085C9AB24}">
+                <p16:designElem xmlns:p16="http://schemas.microsoft.com/office/powerpoint/2015/main" val="1"/>
+              </p:ext>
+            </p:extLst>
+          </p:nvPr>
+        </p:nvCxnSpPr>
+        <p:spPr>
+          <a:xfrm>
+            <a:off x="4042053" y="1778497"/>
+            <a:ext cx="0" cy="3200400"/>
+          </a:xfrm>
+          <a:prstGeom prst="line">
+            <a:avLst/>
+          </a:prstGeom>
+          <a:ln w="19050">
+            <a:solidFill>
+              <a:schemeClr val="tx1"/>
+            </a:solidFill>
+            <a:miter lim="800000"/>
+          </a:ln>
+        </p:spPr>
+        <p:style>
+          <a:lnRef idx="1">
+            <a:schemeClr val="accent1"/>
+          </a:lnRef>
+          <a:fillRef idx="0">
+            <a:schemeClr val="accent1"/>
+          </a:fillRef>
+          <a:effectRef idx="0">
+            <a:schemeClr val="accent1"/>
+          </a:effectRef>
+          <a:fontRef idx="minor">
+            <a:schemeClr val="tx1"/>
+          </a:fontRef>
+        </p:style>
+      </p:cxnSp>
+      <p:pic>
+        <p:nvPicPr>
+          <p:cNvPr id="10" name="Picture 9" descr="A close up of a window&#10;&#10;Description automatically generated">
+            <a:extLst>
+              <a:ext uri="{FF2B5EF4-FFF2-40B4-BE49-F238E27FC236}">
+                <a16:creationId xmlns:a16="http://schemas.microsoft.com/office/drawing/2014/main" id="{4469C271-C661-4230-911C-FDF5E2C93CCB}"/>
+              </a:ext>
+            </a:extLst>
+          </p:cNvPr>
+          <p:cNvPicPr>
+            <a:picLocks noChangeAspect="1"/>
+          </p:cNvPicPr>
+          <p:nvPr/>
+        </p:nvPicPr>
+        <p:blipFill>
+          <a:blip r:embed="rId2">
+            <a:extLst>
+              <a:ext uri="{28A0092B-C50C-407E-A947-70E740481C1C}">
+                <a14:useLocalDpi xmlns:a14="http://schemas.microsoft.com/office/drawing/2010/main" val="0"/>
+              </a:ext>
+            </a:extLst>
+          </a:blip>
+          <a:stretch>
+            <a:fillRect/>
+          </a:stretch>
+        </p:blipFill>
+        <p:spPr>
+          <a:xfrm>
+            <a:off x="5225355" y="159035"/>
+            <a:ext cx="6492654" cy="6539930"/>
+          </a:xfrm>
+          <a:prstGeom prst="rect">
+            <a:avLst/>
+          </a:prstGeom>
+        </p:spPr>
+      </p:pic>
+    </p:spTree>
+    <p:extLst>
+      <p:ext uri="{BB962C8B-B14F-4D97-AF65-F5344CB8AC3E}">
+        <p14:creationId xmlns:p14="http://schemas.microsoft.com/office/powerpoint/2010/main" val="955771421"/>
+      </p:ext>
+    </p:extLst>
+  </p:cSld>
+  <p:clrMapOvr>
+    <a:overrideClrMapping bg1="dk1" tx1="lt1" bg2="dk2" tx2="lt2" accent1="accent1" accent2="accent2" accent3="accent3" accent4="accent4" accent5="accent5" accent6="accent6" hlink="hlink" folHlink="folHlink"/>
   </p:clrMapOvr>
 </p:sld>
 </file>
